--- a/JS/Loops.pptx
+++ b/JS/Loops.pptx
@@ -333,7 +333,7 @@
             <a:fld id="{3BF7C7B5-275F-4D1F-9AB4-9255447DBC73}" type="datetimeFigureOut">
               <a:rPr lang="en-US"/>
               <a:pPr/>
-              <a:t>4/29/2014</a:t>
+              <a:t>5/7/2014</a:t>
             </a:fld>
             <a:endParaRPr lang="en-US" dirty="0"/>
           </a:p>
@@ -564,7 +564,7 @@
             <a:fld id="{9B46F231-FB2B-4655-A644-E2477325E686}" type="datetimeFigureOut">
               <a:rPr lang="en-US"/>
               <a:pPr/>
-              <a:t>4/29/2014</a:t>
+              <a:t>5/7/2014</a:t>
             </a:fld>
             <a:endParaRPr lang="en-US" dirty="0"/>
           </a:p>
@@ -10241,7 +10241,7 @@
                 <a:latin typeface="Consolas" pitchFamily="49" charset="0"/>
                 <a:cs typeface="Consolas" pitchFamily="49" charset="0"/>
               </a:rPr>
-              <a:t>numberStr = read</a:t>
+              <a:t>numberStr = read('input-tb</a:t>
             </a:r>
             <a:r>
               <a:rPr lang="en-US" sz="2000" b="1" noProof="1">
@@ -10258,19 +10258,8 @@
                 <a:latin typeface="Consolas" pitchFamily="49" charset="0"/>
                 <a:cs typeface="Consolas" pitchFamily="49" charset="0"/>
               </a:rPr>
-              <a:t>("input-tb");</a:t>
-            </a:r>
-          </a:p>
-          <a:p>
-            <a:pPr lvl="1" eaLnBrk="0" hangingPunct="0">
-              <a:buClr>
-                <a:schemeClr val="accent5">
-                  <a:lumMod val="40000"/>
-                  <a:lumOff val="60000"/>
-                </a:schemeClr>
-              </a:buClr>
-              <a:buSzPct val="70000"/>
-            </a:pPr>
+              <a:t>'</a:t>
+            </a:r>
             <a:r>
               <a:rPr lang="en-US" sz="2000" b="1" noProof="1" smtClean="0">
                 <a:solidFill>
@@ -10286,356 +10275,7 @@
                 <a:latin typeface="Consolas" pitchFamily="49" charset="0"/>
                 <a:cs typeface="Consolas" pitchFamily="49" charset="0"/>
               </a:rPr>
-              <a:t>var </a:t>
-            </a:r>
-            <a:r>
-              <a:rPr lang="en-US" sz="2000" b="1" noProof="1">
-                <a:solidFill>
-                  <a:srgbClr val="8CF4F2"/>
-                </a:solidFill>
-                <a:effectLst>
-                  <a:outerShdw blurRad="38100" dist="38100" dir="2700000" algn="tl">
-                    <a:srgbClr val="000000">
-                      <a:alpha val="43137"/>
-                    </a:srgbClr>
-                  </a:outerShdw>
-                </a:effectLst>
-                <a:latin typeface="Consolas" pitchFamily="49" charset="0"/>
-                <a:cs typeface="Consolas" pitchFamily="49" charset="0"/>
-              </a:rPr>
-              <a:t>number = parseInt(numberStr);</a:t>
-            </a:r>
-          </a:p>
-          <a:p>
-            <a:pPr lvl="1" eaLnBrk="0" hangingPunct="0">
-              <a:buClr>
-                <a:schemeClr val="accent5">
-                  <a:lumMod val="40000"/>
-                  <a:lumOff val="60000"/>
-                </a:schemeClr>
-              </a:buClr>
-              <a:buSzPct val="70000"/>
-            </a:pPr>
-            <a:r>
-              <a:rPr lang="en-US" sz="2000" b="1" noProof="1" smtClean="0">
-                <a:solidFill>
-                  <a:srgbClr val="8CF4F2"/>
-                </a:solidFill>
-                <a:effectLst>
-                  <a:outerShdw blurRad="38100" dist="38100" dir="2700000" algn="tl">
-                    <a:srgbClr val="000000">
-                      <a:alpha val="43137"/>
-                    </a:srgbClr>
-                  </a:outerShdw>
-                </a:effectLst>
-                <a:latin typeface="Consolas" pitchFamily="49" charset="0"/>
-                <a:cs typeface="Consolas" pitchFamily="49" charset="0"/>
-              </a:rPr>
-              <a:t>var </a:t>
-            </a:r>
-            <a:r>
-              <a:rPr lang="en-US" sz="2000" b="1" noProof="1">
-                <a:solidFill>
-                  <a:srgbClr val="8CF4F2"/>
-                </a:solidFill>
-                <a:effectLst>
-                  <a:outerShdw blurRad="38100" dist="38100" dir="2700000" algn="tl">
-                    <a:srgbClr val="000000">
-                      <a:alpha val="43137"/>
-                    </a:srgbClr>
-                  </a:outerShdw>
-                </a:effectLst>
-                <a:latin typeface="Consolas" pitchFamily="49" charset="0"/>
-                <a:cs typeface="Consolas" pitchFamily="49" charset="0"/>
-              </a:rPr>
-              <a:t>divider = 2;</a:t>
-            </a:r>
-          </a:p>
-          <a:p>
-            <a:pPr lvl="1" eaLnBrk="0" hangingPunct="0">
-              <a:buClr>
-                <a:schemeClr val="accent5">
-                  <a:lumMod val="40000"/>
-                  <a:lumOff val="60000"/>
-                </a:schemeClr>
-              </a:buClr>
-              <a:buSzPct val="70000"/>
-            </a:pPr>
-            <a:r>
-              <a:rPr lang="en-US" sz="2000" b="1" noProof="1" smtClean="0">
-                <a:solidFill>
-                  <a:srgbClr val="8CF4F2"/>
-                </a:solidFill>
-                <a:effectLst>
-                  <a:outerShdw blurRad="38100" dist="38100" dir="2700000" algn="tl">
-                    <a:srgbClr val="000000">
-                      <a:alpha val="43137"/>
-                    </a:srgbClr>
-                  </a:outerShdw>
-                </a:effectLst>
-                <a:latin typeface="Consolas" pitchFamily="49" charset="0"/>
-                <a:cs typeface="Consolas" pitchFamily="49" charset="0"/>
-              </a:rPr>
-              <a:t>var </a:t>
-            </a:r>
-            <a:r>
-              <a:rPr lang="en-US" sz="2000" b="1" noProof="1">
-                <a:solidFill>
-                  <a:srgbClr val="8CF4F2"/>
-                </a:solidFill>
-                <a:effectLst>
-                  <a:outerShdw blurRad="38100" dist="38100" dir="2700000" algn="tl">
-                    <a:srgbClr val="000000">
-                      <a:alpha val="43137"/>
-                    </a:srgbClr>
-                  </a:outerShdw>
-                </a:effectLst>
-                <a:latin typeface="Consolas" pitchFamily="49" charset="0"/>
-                <a:cs typeface="Consolas" pitchFamily="49" charset="0"/>
-              </a:rPr>
-              <a:t>maxDivider = Math.sqrt(number);</a:t>
-            </a:r>
-          </a:p>
-          <a:p>
-            <a:pPr lvl="1" eaLnBrk="0" hangingPunct="0">
-              <a:buClr>
-                <a:schemeClr val="accent5">
-                  <a:lumMod val="40000"/>
-                  <a:lumOff val="60000"/>
-                </a:schemeClr>
-              </a:buClr>
-              <a:buSzPct val="70000"/>
-            </a:pPr>
-            <a:r>
-              <a:rPr lang="en-US" sz="2000" b="1" noProof="1" smtClean="0">
-                <a:solidFill>
-                  <a:srgbClr val="8CF4F2"/>
-                </a:solidFill>
-                <a:effectLst>
-                  <a:outerShdw blurRad="38100" dist="38100" dir="2700000" algn="tl">
-                    <a:srgbClr val="000000">
-                      <a:alpha val="43137"/>
-                    </a:srgbClr>
-                  </a:outerShdw>
-                </a:effectLst>
-                <a:latin typeface="Consolas" pitchFamily="49" charset="0"/>
-                <a:cs typeface="Consolas" pitchFamily="49" charset="0"/>
-              </a:rPr>
-              <a:t>var </a:t>
-            </a:r>
-            <a:r>
-              <a:rPr lang="en-US" sz="2000" b="1" noProof="1">
-                <a:solidFill>
-                  <a:srgbClr val="8CF4F2"/>
-                </a:solidFill>
-                <a:effectLst>
-                  <a:outerShdw blurRad="38100" dist="38100" dir="2700000" algn="tl">
-                    <a:srgbClr val="000000">
-                      <a:alpha val="43137"/>
-                    </a:srgbClr>
-                  </a:outerShdw>
-                </a:effectLst>
-                <a:latin typeface="Consolas" pitchFamily="49" charset="0"/>
-                <a:cs typeface="Consolas" pitchFamily="49" charset="0"/>
-              </a:rPr>
-              <a:t>prime = true;</a:t>
-            </a:r>
-          </a:p>
-          <a:p>
-            <a:pPr lvl="1" eaLnBrk="0" hangingPunct="0">
-              <a:buClr>
-                <a:schemeClr val="accent5">
-                  <a:lumMod val="40000"/>
-                  <a:lumOff val="60000"/>
-                </a:schemeClr>
-              </a:buClr>
-              <a:buSzPct val="70000"/>
-            </a:pPr>
-            <a:r>
-              <a:rPr lang="en-US" sz="2000" b="1" noProof="1" smtClean="0">
-                <a:solidFill>
-                  <a:srgbClr val="8CF4F2"/>
-                </a:solidFill>
-                <a:effectLst>
-                  <a:outerShdw blurRad="38100" dist="38100" dir="2700000" algn="tl">
-                    <a:srgbClr val="000000">
-                      <a:alpha val="43137"/>
-                    </a:srgbClr>
-                  </a:outerShdw>
-                </a:effectLst>
-                <a:latin typeface="Consolas" pitchFamily="49" charset="0"/>
-                <a:cs typeface="Consolas" pitchFamily="49" charset="0"/>
-              </a:rPr>
-              <a:t>while </a:t>
-            </a:r>
-            <a:r>
-              <a:rPr lang="en-US" sz="2000" b="1" noProof="1">
-                <a:solidFill>
-                  <a:srgbClr val="8CF4F2"/>
-                </a:solidFill>
-                <a:effectLst>
-                  <a:outerShdw blurRad="38100" dist="38100" dir="2700000" algn="tl">
-                    <a:srgbClr val="000000">
-                      <a:alpha val="43137"/>
-                    </a:srgbClr>
-                  </a:outerShdw>
-                </a:effectLst>
-                <a:latin typeface="Consolas" pitchFamily="49" charset="0"/>
-                <a:cs typeface="Consolas" pitchFamily="49" charset="0"/>
-              </a:rPr>
-              <a:t>(prime &amp;&amp; (divider &lt;= maxDivider</a:t>
-            </a:r>
-            <a:r>
-              <a:rPr lang="en-US" sz="2000" b="1" noProof="1" smtClean="0">
-                <a:solidFill>
-                  <a:srgbClr val="8CF4F2"/>
-                </a:solidFill>
-                <a:effectLst>
-                  <a:outerShdw blurRad="38100" dist="38100" dir="2700000" algn="tl">
-                    <a:srgbClr val="000000">
-                      <a:alpha val="43137"/>
-                    </a:srgbClr>
-                  </a:outerShdw>
-                </a:effectLst>
-                <a:latin typeface="Consolas" pitchFamily="49" charset="0"/>
-                <a:cs typeface="Consolas" pitchFamily="49" charset="0"/>
-              </a:rPr>
-              <a:t>)){</a:t>
-            </a:r>
-          </a:p>
-          <a:p>
-            <a:pPr lvl="1" eaLnBrk="0" hangingPunct="0">
-              <a:buClr>
-                <a:schemeClr val="accent5">
-                  <a:lumMod val="40000"/>
-                  <a:lumOff val="60000"/>
-                </a:schemeClr>
-              </a:buClr>
-              <a:buSzPct val="70000"/>
-            </a:pPr>
-            <a:r>
-              <a:rPr lang="en-US" sz="2000" b="1" noProof="1" smtClean="0">
-                <a:solidFill>
-                  <a:srgbClr val="8CF4F2"/>
-                </a:solidFill>
-                <a:effectLst>
-                  <a:outerShdw blurRad="38100" dist="38100" dir="2700000" algn="tl">
-                    <a:srgbClr val="000000">
-                      <a:alpha val="43137"/>
-                    </a:srgbClr>
-                  </a:outerShdw>
-                </a:effectLst>
-                <a:latin typeface="Consolas" pitchFamily="49" charset="0"/>
-                <a:cs typeface="Consolas" pitchFamily="49" charset="0"/>
-              </a:rPr>
-              <a:t>   if </a:t>
-            </a:r>
-            <a:r>
-              <a:rPr lang="en-US" sz="2000" b="1" noProof="1">
-                <a:solidFill>
-                  <a:srgbClr val="8CF4F2"/>
-                </a:solidFill>
-                <a:effectLst>
-                  <a:outerShdw blurRad="38100" dist="38100" dir="2700000" algn="tl">
-                    <a:srgbClr val="000000">
-                      <a:alpha val="43137"/>
-                    </a:srgbClr>
-                  </a:outerShdw>
-                </a:effectLst>
-                <a:latin typeface="Consolas" pitchFamily="49" charset="0"/>
-                <a:cs typeface="Consolas" pitchFamily="49" charset="0"/>
-              </a:rPr>
-              <a:t>(number % divider == 0</a:t>
-            </a:r>
-            <a:r>
-              <a:rPr lang="en-US" sz="2000" b="1" noProof="1" smtClean="0">
-                <a:solidFill>
-                  <a:srgbClr val="8CF4F2"/>
-                </a:solidFill>
-                <a:effectLst>
-                  <a:outerShdw blurRad="38100" dist="38100" dir="2700000" algn="tl">
-                    <a:srgbClr val="000000">
-                      <a:alpha val="43137"/>
-                    </a:srgbClr>
-                  </a:outerShdw>
-                </a:effectLst>
-                <a:latin typeface="Consolas" pitchFamily="49" charset="0"/>
-                <a:cs typeface="Consolas" pitchFamily="49" charset="0"/>
-              </a:rPr>
-              <a:t>){</a:t>
-            </a:r>
-          </a:p>
-          <a:p>
-            <a:pPr lvl="1" eaLnBrk="0" hangingPunct="0">
-              <a:buClr>
-                <a:schemeClr val="accent5">
-                  <a:lumMod val="40000"/>
-                  <a:lumOff val="60000"/>
-                </a:schemeClr>
-              </a:buClr>
-              <a:buSzPct val="70000"/>
-            </a:pPr>
-            <a:r>
-              <a:rPr lang="en-US" sz="2000" b="1" noProof="1" smtClean="0">
-                <a:solidFill>
-                  <a:srgbClr val="8CF4F2"/>
-                </a:solidFill>
-                <a:effectLst>
-                  <a:outerShdw blurRad="38100" dist="38100" dir="2700000" algn="tl">
-                    <a:srgbClr val="000000">
-                      <a:alpha val="43137"/>
-                    </a:srgbClr>
-                  </a:outerShdw>
-                </a:effectLst>
-                <a:latin typeface="Consolas" pitchFamily="49" charset="0"/>
-                <a:cs typeface="Consolas" pitchFamily="49" charset="0"/>
-              </a:rPr>
-              <a:t>       prime </a:t>
-            </a:r>
-            <a:r>
-              <a:rPr lang="en-US" sz="2000" b="1" noProof="1">
-                <a:solidFill>
-                  <a:srgbClr val="8CF4F2"/>
-                </a:solidFill>
-                <a:effectLst>
-                  <a:outerShdw blurRad="38100" dist="38100" dir="2700000" algn="tl">
-                    <a:srgbClr val="000000">
-                      <a:alpha val="43137"/>
-                    </a:srgbClr>
-                  </a:outerShdw>
-                </a:effectLst>
-                <a:latin typeface="Consolas" pitchFamily="49" charset="0"/>
-                <a:cs typeface="Consolas" pitchFamily="49" charset="0"/>
-              </a:rPr>
-              <a:t>= false;        </a:t>
-            </a:r>
-          </a:p>
-          <a:p>
-            <a:pPr lvl="1" eaLnBrk="0" hangingPunct="0">
-              <a:buClr>
-                <a:schemeClr val="accent5">
-                  <a:lumMod val="40000"/>
-                  <a:lumOff val="60000"/>
-                </a:schemeClr>
-              </a:buClr>
-              <a:buSzPct val="70000"/>
-            </a:pPr>
-            <a:r>
-              <a:rPr lang="en-US" sz="2000" b="1" noProof="1" smtClean="0">
-                <a:solidFill>
-                  <a:srgbClr val="8CF4F2"/>
-                </a:solidFill>
-                <a:effectLst>
-                  <a:outerShdw blurRad="38100" dist="38100" dir="2700000" algn="tl">
-                    <a:srgbClr val="000000">
-                      <a:alpha val="43137"/>
-                    </a:srgbClr>
-                  </a:outerShdw>
-                </a:effectLst>
-                <a:latin typeface="Consolas" pitchFamily="49" charset="0"/>
-                <a:cs typeface="Consolas" pitchFamily="49" charset="0"/>
-              </a:rPr>
-              <a:t>   }</a:t>
+              <a:t>);</a:t>
             </a:r>
             <a:endParaRPr lang="en-US" sz="2000" b="1" noProof="1">
               <a:solidFill>
@@ -10677,7 +10317,7 @@
                 <a:latin typeface="Consolas" pitchFamily="49" charset="0"/>
                 <a:cs typeface="Consolas" pitchFamily="49" charset="0"/>
               </a:rPr>
-              <a:t>   divider</a:t>
+              <a:t>var </a:t>
             </a:r>
             <a:r>
               <a:rPr lang="en-US" sz="2000" b="1" noProof="1">
@@ -10694,7 +10334,7 @@
                 <a:latin typeface="Consolas" pitchFamily="49" charset="0"/>
                 <a:cs typeface="Consolas" pitchFamily="49" charset="0"/>
               </a:rPr>
-              <a:t>++;</a:t>
+              <a:t>number = parseInt(numberStr);</a:t>
             </a:r>
           </a:p>
           <a:p>
@@ -10722,7 +10362,311 @@
                 <a:latin typeface="Consolas" pitchFamily="49" charset="0"/>
                 <a:cs typeface="Consolas" pitchFamily="49" charset="0"/>
               </a:rPr>
-              <a:t>}</a:t>
+              <a:t>var </a:t>
+            </a:r>
+            <a:r>
+              <a:rPr lang="en-US" sz="2000" b="1" noProof="1">
+                <a:solidFill>
+                  <a:srgbClr val="8CF4F2"/>
+                </a:solidFill>
+                <a:effectLst>
+                  <a:outerShdw blurRad="38100" dist="38100" dir="2700000" algn="tl">
+                    <a:srgbClr val="000000">
+                      <a:alpha val="43137"/>
+                    </a:srgbClr>
+                  </a:outerShdw>
+                </a:effectLst>
+                <a:latin typeface="Consolas" pitchFamily="49" charset="0"/>
+                <a:cs typeface="Consolas" pitchFamily="49" charset="0"/>
+              </a:rPr>
+              <a:t>divider = 2;</a:t>
+            </a:r>
+          </a:p>
+          <a:p>
+            <a:pPr lvl="1" eaLnBrk="0" hangingPunct="0">
+              <a:buClr>
+                <a:schemeClr val="accent5">
+                  <a:lumMod val="40000"/>
+                  <a:lumOff val="60000"/>
+                </a:schemeClr>
+              </a:buClr>
+              <a:buSzPct val="70000"/>
+            </a:pPr>
+            <a:r>
+              <a:rPr lang="en-US" sz="2000" b="1" noProof="1" smtClean="0">
+                <a:solidFill>
+                  <a:srgbClr val="8CF4F2"/>
+                </a:solidFill>
+                <a:effectLst>
+                  <a:outerShdw blurRad="38100" dist="38100" dir="2700000" algn="tl">
+                    <a:srgbClr val="000000">
+                      <a:alpha val="43137"/>
+                    </a:srgbClr>
+                  </a:outerShdw>
+                </a:effectLst>
+                <a:latin typeface="Consolas" pitchFamily="49" charset="0"/>
+                <a:cs typeface="Consolas" pitchFamily="49" charset="0"/>
+              </a:rPr>
+              <a:t>var </a:t>
+            </a:r>
+            <a:r>
+              <a:rPr lang="en-US" sz="2000" b="1" noProof="1">
+                <a:solidFill>
+                  <a:srgbClr val="8CF4F2"/>
+                </a:solidFill>
+                <a:effectLst>
+                  <a:outerShdw blurRad="38100" dist="38100" dir="2700000" algn="tl">
+                    <a:srgbClr val="000000">
+                      <a:alpha val="43137"/>
+                    </a:srgbClr>
+                  </a:outerShdw>
+                </a:effectLst>
+                <a:latin typeface="Consolas" pitchFamily="49" charset="0"/>
+                <a:cs typeface="Consolas" pitchFamily="49" charset="0"/>
+              </a:rPr>
+              <a:t>maxDivider = Math.sqrt(number);</a:t>
+            </a:r>
+          </a:p>
+          <a:p>
+            <a:pPr lvl="1" eaLnBrk="0" hangingPunct="0">
+              <a:buClr>
+                <a:schemeClr val="accent5">
+                  <a:lumMod val="40000"/>
+                  <a:lumOff val="60000"/>
+                </a:schemeClr>
+              </a:buClr>
+              <a:buSzPct val="70000"/>
+            </a:pPr>
+            <a:r>
+              <a:rPr lang="en-US" sz="2000" b="1" noProof="1" smtClean="0">
+                <a:solidFill>
+                  <a:srgbClr val="8CF4F2"/>
+                </a:solidFill>
+                <a:effectLst>
+                  <a:outerShdw blurRad="38100" dist="38100" dir="2700000" algn="tl">
+                    <a:srgbClr val="000000">
+                      <a:alpha val="43137"/>
+                    </a:srgbClr>
+                  </a:outerShdw>
+                </a:effectLst>
+                <a:latin typeface="Consolas" pitchFamily="49" charset="0"/>
+                <a:cs typeface="Consolas" pitchFamily="49" charset="0"/>
+              </a:rPr>
+              <a:t>var </a:t>
+            </a:r>
+            <a:r>
+              <a:rPr lang="en-US" sz="2000" b="1" noProof="1">
+                <a:solidFill>
+                  <a:srgbClr val="8CF4F2"/>
+                </a:solidFill>
+                <a:effectLst>
+                  <a:outerShdw blurRad="38100" dist="38100" dir="2700000" algn="tl">
+                    <a:srgbClr val="000000">
+                      <a:alpha val="43137"/>
+                    </a:srgbClr>
+                  </a:outerShdw>
+                </a:effectLst>
+                <a:latin typeface="Consolas" pitchFamily="49" charset="0"/>
+                <a:cs typeface="Consolas" pitchFamily="49" charset="0"/>
+              </a:rPr>
+              <a:t>prime = true;</a:t>
+            </a:r>
+          </a:p>
+          <a:p>
+            <a:pPr lvl="1" eaLnBrk="0" hangingPunct="0">
+              <a:buClr>
+                <a:schemeClr val="accent5">
+                  <a:lumMod val="40000"/>
+                  <a:lumOff val="60000"/>
+                </a:schemeClr>
+              </a:buClr>
+              <a:buSzPct val="70000"/>
+            </a:pPr>
+            <a:r>
+              <a:rPr lang="en-US" sz="2000" b="1" noProof="1" smtClean="0">
+                <a:solidFill>
+                  <a:srgbClr val="8CF4F2"/>
+                </a:solidFill>
+                <a:effectLst>
+                  <a:outerShdw blurRad="38100" dist="38100" dir="2700000" algn="tl">
+                    <a:srgbClr val="000000">
+                      <a:alpha val="43137"/>
+                    </a:srgbClr>
+                  </a:outerShdw>
+                </a:effectLst>
+                <a:latin typeface="Consolas" pitchFamily="49" charset="0"/>
+                <a:cs typeface="Consolas" pitchFamily="49" charset="0"/>
+              </a:rPr>
+              <a:t>while </a:t>
+            </a:r>
+            <a:r>
+              <a:rPr lang="en-US" sz="2000" b="1" noProof="1">
+                <a:solidFill>
+                  <a:srgbClr val="8CF4F2"/>
+                </a:solidFill>
+                <a:effectLst>
+                  <a:outerShdw blurRad="38100" dist="38100" dir="2700000" algn="tl">
+                    <a:srgbClr val="000000">
+                      <a:alpha val="43137"/>
+                    </a:srgbClr>
+                  </a:outerShdw>
+                </a:effectLst>
+                <a:latin typeface="Consolas" pitchFamily="49" charset="0"/>
+                <a:cs typeface="Consolas" pitchFamily="49" charset="0"/>
+              </a:rPr>
+              <a:t>(prime &amp;&amp; (divider &lt;= maxDivider</a:t>
+            </a:r>
+            <a:r>
+              <a:rPr lang="en-US" sz="2000" b="1" noProof="1" smtClean="0">
+                <a:solidFill>
+                  <a:srgbClr val="8CF4F2"/>
+                </a:solidFill>
+                <a:effectLst>
+                  <a:outerShdw blurRad="38100" dist="38100" dir="2700000" algn="tl">
+                    <a:srgbClr val="000000">
+                      <a:alpha val="43137"/>
+                    </a:srgbClr>
+                  </a:outerShdw>
+                </a:effectLst>
+                <a:latin typeface="Consolas" pitchFamily="49" charset="0"/>
+                <a:cs typeface="Consolas" pitchFamily="49" charset="0"/>
+              </a:rPr>
+              <a:t>)) {</a:t>
+            </a:r>
+          </a:p>
+          <a:p>
+            <a:pPr lvl="1" eaLnBrk="0" hangingPunct="0">
+              <a:buClr>
+                <a:schemeClr val="accent5">
+                  <a:lumMod val="40000"/>
+                  <a:lumOff val="60000"/>
+                </a:schemeClr>
+              </a:buClr>
+              <a:buSzPct val="70000"/>
+            </a:pPr>
+            <a:r>
+              <a:rPr lang="en-US" sz="2000" b="1" noProof="1" smtClean="0">
+                <a:solidFill>
+                  <a:srgbClr val="8CF4F2"/>
+                </a:solidFill>
+                <a:effectLst>
+                  <a:outerShdw blurRad="38100" dist="38100" dir="2700000" algn="tl">
+                    <a:srgbClr val="000000">
+                      <a:alpha val="43137"/>
+                    </a:srgbClr>
+                  </a:outerShdw>
+                </a:effectLst>
+                <a:latin typeface="Consolas" pitchFamily="49" charset="0"/>
+                <a:cs typeface="Consolas" pitchFamily="49" charset="0"/>
+              </a:rPr>
+              <a:t>   if </a:t>
+            </a:r>
+            <a:r>
+              <a:rPr lang="en-US" sz="2000" b="1" noProof="1">
+                <a:solidFill>
+                  <a:srgbClr val="8CF4F2"/>
+                </a:solidFill>
+                <a:effectLst>
+                  <a:outerShdw blurRad="38100" dist="38100" dir="2700000" algn="tl">
+                    <a:srgbClr val="000000">
+                      <a:alpha val="43137"/>
+                    </a:srgbClr>
+                  </a:outerShdw>
+                </a:effectLst>
+                <a:latin typeface="Consolas" pitchFamily="49" charset="0"/>
+                <a:cs typeface="Consolas" pitchFamily="49" charset="0"/>
+              </a:rPr>
+              <a:t>(number % divider == 0</a:t>
+            </a:r>
+            <a:r>
+              <a:rPr lang="en-US" sz="2000" b="1" noProof="1" smtClean="0">
+                <a:solidFill>
+                  <a:srgbClr val="8CF4F2"/>
+                </a:solidFill>
+                <a:effectLst>
+                  <a:outerShdw blurRad="38100" dist="38100" dir="2700000" algn="tl">
+                    <a:srgbClr val="000000">
+                      <a:alpha val="43137"/>
+                    </a:srgbClr>
+                  </a:outerShdw>
+                </a:effectLst>
+                <a:latin typeface="Consolas" pitchFamily="49" charset="0"/>
+                <a:cs typeface="Consolas" pitchFamily="49" charset="0"/>
+              </a:rPr>
+              <a:t>) {</a:t>
+            </a:r>
+          </a:p>
+          <a:p>
+            <a:pPr lvl="1" eaLnBrk="0" hangingPunct="0">
+              <a:buClr>
+                <a:schemeClr val="accent5">
+                  <a:lumMod val="40000"/>
+                  <a:lumOff val="60000"/>
+                </a:schemeClr>
+              </a:buClr>
+              <a:buSzPct val="70000"/>
+            </a:pPr>
+            <a:r>
+              <a:rPr lang="en-US" sz="2000" b="1" noProof="1" smtClean="0">
+                <a:solidFill>
+                  <a:srgbClr val="8CF4F2"/>
+                </a:solidFill>
+                <a:effectLst>
+                  <a:outerShdw blurRad="38100" dist="38100" dir="2700000" algn="tl">
+                    <a:srgbClr val="000000">
+                      <a:alpha val="43137"/>
+                    </a:srgbClr>
+                  </a:outerShdw>
+                </a:effectLst>
+                <a:latin typeface="Consolas" pitchFamily="49" charset="0"/>
+                <a:cs typeface="Consolas" pitchFamily="49" charset="0"/>
+              </a:rPr>
+              <a:t>       prime </a:t>
+            </a:r>
+            <a:r>
+              <a:rPr lang="en-US" sz="2000" b="1" noProof="1">
+                <a:solidFill>
+                  <a:srgbClr val="8CF4F2"/>
+                </a:solidFill>
+                <a:effectLst>
+                  <a:outerShdw blurRad="38100" dist="38100" dir="2700000" algn="tl">
+                    <a:srgbClr val="000000">
+                      <a:alpha val="43137"/>
+                    </a:srgbClr>
+                  </a:outerShdw>
+                </a:effectLst>
+                <a:latin typeface="Consolas" pitchFamily="49" charset="0"/>
+                <a:cs typeface="Consolas" pitchFamily="49" charset="0"/>
+              </a:rPr>
+              <a:t>= false;        </a:t>
+            </a:r>
+          </a:p>
+          <a:p>
+            <a:pPr lvl="1" eaLnBrk="0" hangingPunct="0">
+              <a:buClr>
+                <a:schemeClr val="accent5">
+                  <a:lumMod val="40000"/>
+                  <a:lumOff val="60000"/>
+                </a:schemeClr>
+              </a:buClr>
+              <a:buSzPct val="70000"/>
+            </a:pPr>
+            <a:r>
+              <a:rPr lang="en-US" sz="2000" b="1" noProof="1" smtClean="0">
+                <a:solidFill>
+                  <a:srgbClr val="8CF4F2"/>
+                </a:solidFill>
+                <a:effectLst>
+                  <a:outerShdw blurRad="38100" dist="38100" dir="2700000" algn="tl">
+                    <a:srgbClr val="000000">
+                      <a:alpha val="43137"/>
+                    </a:srgbClr>
+                  </a:outerShdw>
+                </a:effectLst>
+                <a:latin typeface="Consolas" pitchFamily="49" charset="0"/>
+                <a:cs typeface="Consolas" pitchFamily="49" charset="0"/>
+              </a:rPr>
+              <a:t>   }</a:t>
             </a:r>
             <a:endParaRPr lang="en-US" sz="2000" b="1" noProof="1">
               <a:solidFill>
@@ -10764,7 +10708,7 @@
                 <a:latin typeface="Consolas" pitchFamily="49" charset="0"/>
                 <a:cs typeface="Consolas" pitchFamily="49" charset="0"/>
               </a:rPr>
-              <a:t>print</a:t>
+              <a:t>   divider</a:t>
             </a:r>
             <a:r>
               <a:rPr lang="en-US" sz="2000" b="1" noProof="1">
@@ -10781,7 +10725,128 @@
                 <a:latin typeface="Consolas" pitchFamily="49" charset="0"/>
                 <a:cs typeface="Consolas" pitchFamily="49" charset="0"/>
               </a:rPr>
-              <a:t>("output-tb",prime);</a:t>
+              <a:t>++;</a:t>
+            </a:r>
+          </a:p>
+          <a:p>
+            <a:pPr lvl="1" eaLnBrk="0" hangingPunct="0">
+              <a:buClr>
+                <a:schemeClr val="accent5">
+                  <a:lumMod val="40000"/>
+                  <a:lumOff val="60000"/>
+                </a:schemeClr>
+              </a:buClr>
+              <a:buSzPct val="70000"/>
+            </a:pPr>
+            <a:r>
+              <a:rPr lang="en-US" sz="2000" b="1" noProof="1" smtClean="0">
+                <a:solidFill>
+                  <a:srgbClr val="8CF4F2"/>
+                </a:solidFill>
+                <a:effectLst>
+                  <a:outerShdw blurRad="38100" dist="38100" dir="2700000" algn="tl">
+                    <a:srgbClr val="000000">
+                      <a:alpha val="43137"/>
+                    </a:srgbClr>
+                  </a:outerShdw>
+                </a:effectLst>
+                <a:latin typeface="Consolas" pitchFamily="49" charset="0"/>
+                <a:cs typeface="Consolas" pitchFamily="49" charset="0"/>
+              </a:rPr>
+              <a:t>}</a:t>
+            </a:r>
+            <a:endParaRPr lang="en-US" sz="2000" b="1" noProof="1">
+              <a:solidFill>
+                <a:srgbClr val="8CF4F2"/>
+              </a:solidFill>
+              <a:effectLst>
+                <a:outerShdw blurRad="38100" dist="38100" dir="2700000" algn="tl">
+                  <a:srgbClr val="000000">
+                    <a:alpha val="43137"/>
+                  </a:srgbClr>
+                </a:outerShdw>
+              </a:effectLst>
+              <a:latin typeface="Consolas" pitchFamily="49" charset="0"/>
+              <a:cs typeface="Consolas" pitchFamily="49" charset="0"/>
+            </a:endParaRPr>
+          </a:p>
+          <a:p>
+            <a:pPr lvl="1" eaLnBrk="0" hangingPunct="0">
+              <a:buClr>
+                <a:schemeClr val="accent5">
+                  <a:lumMod val="40000"/>
+                  <a:lumOff val="60000"/>
+                </a:schemeClr>
+              </a:buClr>
+              <a:buSzPct val="70000"/>
+            </a:pPr>
+            <a:r>
+              <a:rPr lang="en-US" sz="2000" b="1" noProof="1" smtClean="0">
+                <a:solidFill>
+                  <a:srgbClr val="8CF4F2"/>
+                </a:solidFill>
+                <a:effectLst>
+                  <a:outerShdw blurRad="38100" dist="38100" dir="2700000" algn="tl">
+                    <a:srgbClr val="000000">
+                      <a:alpha val="43137"/>
+                    </a:srgbClr>
+                  </a:outerShdw>
+                </a:effectLst>
+                <a:latin typeface="Consolas" pitchFamily="49" charset="0"/>
+                <a:cs typeface="Consolas" pitchFamily="49" charset="0"/>
+              </a:rPr>
+              <a:t>print('output-tb</a:t>
+            </a:r>
+            <a:r>
+              <a:rPr lang="en-US" sz="2000" b="1" noProof="1">
+                <a:solidFill>
+                  <a:srgbClr val="8CF4F2"/>
+                </a:solidFill>
+                <a:effectLst>
+                  <a:outerShdw blurRad="38100" dist="38100" dir="2700000" algn="tl">
+                    <a:srgbClr val="000000">
+                      <a:alpha val="43137"/>
+                    </a:srgbClr>
+                  </a:outerShdw>
+                </a:effectLst>
+                <a:latin typeface="Consolas" pitchFamily="49" charset="0"/>
+                <a:cs typeface="Consolas" pitchFamily="49" charset="0"/>
+              </a:rPr>
+              <a:t>'</a:t>
+            </a:r>
+            <a:r>
+              <a:rPr lang="en-US" sz="2000" b="1" noProof="1" smtClean="0">
+                <a:solidFill>
+                  <a:srgbClr val="8CF4F2"/>
+                </a:solidFill>
+                <a:effectLst>
+                  <a:outerShdw blurRad="38100" dist="38100" dir="2700000" algn="tl">
+                    <a:srgbClr val="000000">
+                      <a:alpha val="43137"/>
+                    </a:srgbClr>
+                  </a:outerShdw>
+                </a:effectLst>
+                <a:latin typeface="Consolas" pitchFamily="49" charset="0"/>
+                <a:cs typeface="Consolas" pitchFamily="49" charset="0"/>
+              </a:rPr>
+              <a:t>,prime</a:t>
+            </a:r>
+            <a:r>
+              <a:rPr lang="en-US" sz="2000" b="1" noProof="1">
+                <a:solidFill>
+                  <a:srgbClr val="8CF4F2"/>
+                </a:solidFill>
+                <a:effectLst>
+                  <a:outerShdw blurRad="38100" dist="38100" dir="2700000" algn="tl">
+                    <a:srgbClr val="000000">
+                      <a:alpha val="43137"/>
+                    </a:srgbClr>
+                  </a:outerShdw>
+                </a:effectLst>
+                <a:latin typeface="Consolas" pitchFamily="49" charset="0"/>
+                <a:cs typeface="Consolas" pitchFamily="49" charset="0"/>
+              </a:rPr>
+              <a:t>);</a:t>
             </a:r>
           </a:p>
         </p:txBody>
@@ -11170,34 +11235,6 @@
               <a:t>var </a:t>
             </a:r>
             <a:r>
-              <a:rPr lang="en-US" sz="2000" b="1" noProof="1">
-                <a:solidFill>
-                  <a:srgbClr val="8CF4F2"/>
-                </a:solidFill>
-                <a:effectLst>
-                  <a:outerShdw blurRad="38100" dist="38100" dir="2700000" algn="tl">
-                    <a:srgbClr val="000000">
-                      <a:alpha val="43137"/>
-                    </a:srgbClr>
-                  </a:outerShdw>
-                </a:effectLst>
-                <a:latin typeface="Consolas" pitchFamily="49" charset="0"/>
-                <a:cs typeface="Consolas" pitchFamily="49" charset="0"/>
-              </a:rPr>
-              <a:t>numberStr=read("input-tb");</a:t>
-            </a:r>
-          </a:p>
-          <a:p>
-            <a:pPr lvl="1" eaLnBrk="0" hangingPunct="0">
-              <a:buClr>
-                <a:schemeClr val="accent5">
-                  <a:lumMod val="40000"/>
-                  <a:lumOff val="60000"/>
-                </a:schemeClr>
-              </a:buClr>
-              <a:buSzPct val="70000"/>
-            </a:pPr>
-            <a:r>
               <a:rPr lang="en-US" sz="2000" b="1" noProof="1" smtClean="0">
                 <a:solidFill>
                   <a:srgbClr val="8CF4F2"/>
@@ -11212,36 +11249,8 @@
                 <a:latin typeface="Consolas" pitchFamily="49" charset="0"/>
                 <a:cs typeface="Consolas" pitchFamily="49" charset="0"/>
               </a:rPr>
-              <a:t>var </a:t>
-            </a:r>
-            <a:r>
-              <a:rPr lang="en-US" sz="2000" b="1" noProof="1">
-                <a:solidFill>
-                  <a:srgbClr val="8CF4F2"/>
-                </a:solidFill>
-                <a:effectLst>
-                  <a:outerShdw blurRad="38100" dist="38100" dir="2700000" algn="tl">
-                    <a:srgbClr val="000000">
-                      <a:alpha val="43137"/>
-                    </a:srgbClr>
-                  </a:outerShdw>
-                </a:effectLst>
-                <a:latin typeface="Consolas" pitchFamily="49" charset="0"/>
-                <a:cs typeface="Consolas" pitchFamily="49" charset="0"/>
-              </a:rPr>
-              <a:t>n = parseInt(numberStr);</a:t>
-            </a:r>
-          </a:p>
-          <a:p>
-            <a:pPr lvl="1" eaLnBrk="0" hangingPunct="0">
-              <a:buClr>
-                <a:schemeClr val="accent5">
-                  <a:lumMod val="40000"/>
-                  <a:lumOff val="60000"/>
-                </a:schemeClr>
-              </a:buClr>
-              <a:buSzPct val="70000"/>
-            </a:pPr>
+              <a:t>numberStr = read</a:t>
+            </a:r>
             <a:r>
               <a:rPr lang="en-US" sz="2000" b="1" noProof="1" smtClean="0">
                 <a:solidFill>
@@ -11257,131 +11266,7 @@
                 <a:latin typeface="Consolas" pitchFamily="49" charset="0"/>
                 <a:cs typeface="Consolas" pitchFamily="49" charset="0"/>
               </a:rPr>
-              <a:t>var </a:t>
-            </a:r>
-            <a:r>
-              <a:rPr lang="en-US" sz="2000" b="1" noProof="1">
-                <a:solidFill>
-                  <a:srgbClr val="8CF4F2"/>
-                </a:solidFill>
-                <a:effectLst>
-                  <a:outerShdw blurRad="38100" dist="38100" dir="2700000" algn="tl">
-                    <a:srgbClr val="000000">
-                      <a:alpha val="43137"/>
-                    </a:srgbClr>
-                  </a:outerShdw>
-                </a:effectLst>
-                <a:latin typeface="Consolas" pitchFamily="49" charset="0"/>
-                <a:cs typeface="Consolas" pitchFamily="49" charset="0"/>
-              </a:rPr>
-              <a:t>fact = 1;</a:t>
-            </a:r>
-          </a:p>
-          <a:p>
-            <a:pPr lvl="1" eaLnBrk="0" hangingPunct="0">
-              <a:buClr>
-                <a:schemeClr val="accent5">
-                  <a:lumMod val="40000"/>
-                  <a:lumOff val="60000"/>
-                </a:schemeClr>
-              </a:buClr>
-              <a:buSzPct val="70000"/>
-            </a:pPr>
-            <a:r>
-              <a:rPr lang="en-US" sz="2000" b="1" noProof="1" smtClean="0">
-                <a:solidFill>
-                  <a:srgbClr val="8CF4F2"/>
-                </a:solidFill>
-                <a:effectLst>
-                  <a:outerShdw blurRad="38100" dist="38100" dir="2700000" algn="tl">
-                    <a:srgbClr val="000000">
-                      <a:alpha val="43137"/>
-                    </a:srgbClr>
-                  </a:outerShdw>
-                </a:effectLst>
-                <a:latin typeface="Consolas" pitchFamily="49" charset="0"/>
-                <a:cs typeface="Consolas" pitchFamily="49" charset="0"/>
-              </a:rPr>
-              <a:t>var </a:t>
-            </a:r>
-            <a:r>
-              <a:rPr lang="en-US" sz="2000" b="1" noProof="1">
-                <a:solidFill>
-                  <a:srgbClr val="8CF4F2"/>
-                </a:solidFill>
-                <a:effectLst>
-                  <a:outerShdw blurRad="38100" dist="38100" dir="2700000" algn="tl">
-                    <a:srgbClr val="000000">
-                      <a:alpha val="43137"/>
-                    </a:srgbClr>
-                  </a:outerShdw>
-                </a:effectLst>
-                <a:latin typeface="Consolas" pitchFamily="49" charset="0"/>
-                <a:cs typeface="Consolas" pitchFamily="49" charset="0"/>
-              </a:rPr>
-              <a:t>factStr = "n! = ";</a:t>
-            </a:r>
-          </a:p>
-          <a:p>
-            <a:pPr lvl="1" eaLnBrk="0" hangingPunct="0">
-              <a:buClr>
-                <a:schemeClr val="accent5">
-                  <a:lumMod val="40000"/>
-                  <a:lumOff val="60000"/>
-                </a:schemeClr>
-              </a:buClr>
-              <a:buSzPct val="70000"/>
-            </a:pPr>
-            <a:r>
-              <a:rPr lang="en-US" sz="2000" b="1" noProof="1" smtClean="0">
-                <a:solidFill>
-                  <a:srgbClr val="8CF4F2"/>
-                </a:solidFill>
-                <a:effectLst>
-                  <a:outerShdw blurRad="38100" dist="38100" dir="2700000" algn="tl">
-                    <a:srgbClr val="000000">
-                      <a:alpha val="43137"/>
-                    </a:srgbClr>
-                  </a:outerShdw>
-                </a:effectLst>
-                <a:latin typeface="Consolas" pitchFamily="49" charset="0"/>
-                <a:cs typeface="Consolas" pitchFamily="49" charset="0"/>
-              </a:rPr>
-              <a:t>while </a:t>
-            </a:r>
-            <a:r>
-              <a:rPr lang="en-US" sz="2000" b="1" noProof="1">
-                <a:solidFill>
-                  <a:srgbClr val="8CF4F2"/>
-                </a:solidFill>
-                <a:effectLst>
-                  <a:outerShdw blurRad="38100" dist="38100" dir="2700000" algn="tl">
-                    <a:srgbClr val="000000">
-                      <a:alpha val="43137"/>
-                    </a:srgbClr>
-                  </a:outerShdw>
-                </a:effectLst>
-                <a:latin typeface="Consolas" pitchFamily="49" charset="0"/>
-                <a:cs typeface="Consolas" pitchFamily="49" charset="0"/>
-              </a:rPr>
-              <a:t>(true</a:t>
-            </a:r>
-            <a:r>
-              <a:rPr lang="en-US" sz="2000" b="1" noProof="1" smtClean="0">
-                <a:solidFill>
-                  <a:srgbClr val="8CF4F2"/>
-                </a:solidFill>
-                <a:effectLst>
-                  <a:outerShdw blurRad="38100" dist="38100" dir="2700000" algn="tl">
-                    <a:srgbClr val="000000">
-                      <a:alpha val="43137"/>
-                    </a:srgbClr>
-                  </a:outerShdw>
-                </a:effectLst>
-                <a:latin typeface="Consolas" pitchFamily="49" charset="0"/>
-                <a:cs typeface="Consolas" pitchFamily="49" charset="0"/>
-              </a:rPr>
-              <a:t>){</a:t>
+              <a:t>('input-tb');</a:t>
             </a:r>
             <a:endParaRPr lang="en-US" sz="2000" b="1" noProof="1">
               <a:solidFill>
@@ -11399,6 +11284,282 @@
             </a:endParaRPr>
           </a:p>
           <a:p>
+            <a:pPr lvl="1" eaLnBrk="0" hangingPunct="0">
+              <a:buClr>
+                <a:schemeClr val="accent5">
+                  <a:lumMod val="40000"/>
+                  <a:lumOff val="60000"/>
+                </a:schemeClr>
+              </a:buClr>
+              <a:buSzPct val="70000"/>
+            </a:pPr>
+            <a:r>
+              <a:rPr lang="en-US" sz="2000" b="1" noProof="1" smtClean="0">
+                <a:solidFill>
+                  <a:srgbClr val="8CF4F2"/>
+                </a:solidFill>
+                <a:effectLst>
+                  <a:outerShdw blurRad="38100" dist="38100" dir="2700000" algn="tl">
+                    <a:srgbClr val="000000">
+                      <a:alpha val="43137"/>
+                    </a:srgbClr>
+                  </a:outerShdw>
+                </a:effectLst>
+                <a:latin typeface="Consolas" pitchFamily="49" charset="0"/>
+                <a:cs typeface="Consolas" pitchFamily="49" charset="0"/>
+              </a:rPr>
+              <a:t>var </a:t>
+            </a:r>
+            <a:r>
+              <a:rPr lang="en-US" sz="2000" b="1" noProof="1">
+                <a:solidFill>
+                  <a:srgbClr val="8CF4F2"/>
+                </a:solidFill>
+                <a:effectLst>
+                  <a:outerShdw blurRad="38100" dist="38100" dir="2700000" algn="tl">
+                    <a:srgbClr val="000000">
+                      <a:alpha val="43137"/>
+                    </a:srgbClr>
+                  </a:outerShdw>
+                </a:effectLst>
+                <a:latin typeface="Consolas" pitchFamily="49" charset="0"/>
+                <a:cs typeface="Consolas" pitchFamily="49" charset="0"/>
+              </a:rPr>
+              <a:t>n = parseInt(numberStr);</a:t>
+            </a:r>
+          </a:p>
+          <a:p>
+            <a:pPr lvl="1" eaLnBrk="0" hangingPunct="0">
+              <a:buClr>
+                <a:schemeClr val="accent5">
+                  <a:lumMod val="40000"/>
+                  <a:lumOff val="60000"/>
+                </a:schemeClr>
+              </a:buClr>
+              <a:buSzPct val="70000"/>
+            </a:pPr>
+            <a:r>
+              <a:rPr lang="en-US" sz="2000" b="1" noProof="1" smtClean="0">
+                <a:solidFill>
+                  <a:srgbClr val="8CF4F2"/>
+                </a:solidFill>
+                <a:effectLst>
+                  <a:outerShdw blurRad="38100" dist="38100" dir="2700000" algn="tl">
+                    <a:srgbClr val="000000">
+                      <a:alpha val="43137"/>
+                    </a:srgbClr>
+                  </a:outerShdw>
+                </a:effectLst>
+                <a:latin typeface="Consolas" pitchFamily="49" charset="0"/>
+                <a:cs typeface="Consolas" pitchFamily="49" charset="0"/>
+              </a:rPr>
+              <a:t>var </a:t>
+            </a:r>
+            <a:r>
+              <a:rPr lang="en-US" sz="2000" b="1" noProof="1">
+                <a:solidFill>
+                  <a:srgbClr val="8CF4F2"/>
+                </a:solidFill>
+                <a:effectLst>
+                  <a:outerShdw blurRad="38100" dist="38100" dir="2700000" algn="tl">
+                    <a:srgbClr val="000000">
+                      <a:alpha val="43137"/>
+                    </a:srgbClr>
+                  </a:outerShdw>
+                </a:effectLst>
+                <a:latin typeface="Consolas" pitchFamily="49" charset="0"/>
+                <a:cs typeface="Consolas" pitchFamily="49" charset="0"/>
+              </a:rPr>
+              <a:t>fact = 1;</a:t>
+            </a:r>
+          </a:p>
+          <a:p>
+            <a:pPr lvl="1" eaLnBrk="0" hangingPunct="0">
+              <a:buClr>
+                <a:schemeClr val="accent5">
+                  <a:lumMod val="40000"/>
+                  <a:lumOff val="60000"/>
+                </a:schemeClr>
+              </a:buClr>
+              <a:buSzPct val="70000"/>
+            </a:pPr>
+            <a:r>
+              <a:rPr lang="en-US" sz="2000" b="1" noProof="1" smtClean="0">
+                <a:solidFill>
+                  <a:srgbClr val="8CF4F2"/>
+                </a:solidFill>
+                <a:effectLst>
+                  <a:outerShdw blurRad="38100" dist="38100" dir="2700000" algn="tl">
+                    <a:srgbClr val="000000">
+                      <a:alpha val="43137"/>
+                    </a:srgbClr>
+                  </a:outerShdw>
+                </a:effectLst>
+                <a:latin typeface="Consolas" pitchFamily="49" charset="0"/>
+                <a:cs typeface="Consolas" pitchFamily="49" charset="0"/>
+              </a:rPr>
+              <a:t>var </a:t>
+            </a:r>
+            <a:r>
+              <a:rPr lang="en-US" sz="2000" b="1" noProof="1">
+                <a:solidFill>
+                  <a:srgbClr val="8CF4F2"/>
+                </a:solidFill>
+                <a:effectLst>
+                  <a:outerShdw blurRad="38100" dist="38100" dir="2700000" algn="tl">
+                    <a:srgbClr val="000000">
+                      <a:alpha val="43137"/>
+                    </a:srgbClr>
+                  </a:outerShdw>
+                </a:effectLst>
+                <a:latin typeface="Consolas" pitchFamily="49" charset="0"/>
+                <a:cs typeface="Consolas" pitchFamily="49" charset="0"/>
+              </a:rPr>
+              <a:t>factStr = </a:t>
+            </a:r>
+            <a:r>
+              <a:rPr lang="en-US" sz="2000" b="1" noProof="1" smtClean="0">
+                <a:solidFill>
+                  <a:srgbClr val="8CF4F2"/>
+                </a:solidFill>
+                <a:effectLst>
+                  <a:outerShdw blurRad="38100" dist="38100" dir="2700000" algn="tl">
+                    <a:srgbClr val="000000">
+                      <a:alpha val="43137"/>
+                    </a:srgbClr>
+                  </a:outerShdw>
+                </a:effectLst>
+                <a:latin typeface="Consolas" pitchFamily="49" charset="0"/>
+                <a:cs typeface="Consolas" pitchFamily="49" charset="0"/>
+              </a:rPr>
+              <a:t>'n</a:t>
+            </a:r>
+            <a:r>
+              <a:rPr lang="en-US" sz="2000" b="1" noProof="1">
+                <a:solidFill>
+                  <a:srgbClr val="8CF4F2"/>
+                </a:solidFill>
+                <a:effectLst>
+                  <a:outerShdw blurRad="38100" dist="38100" dir="2700000" algn="tl">
+                    <a:srgbClr val="000000">
+                      <a:alpha val="43137"/>
+                    </a:srgbClr>
+                  </a:outerShdw>
+                </a:effectLst>
+                <a:latin typeface="Consolas" pitchFamily="49" charset="0"/>
+                <a:cs typeface="Consolas" pitchFamily="49" charset="0"/>
+              </a:rPr>
+              <a:t>! = </a:t>
+            </a:r>
+            <a:r>
+              <a:rPr lang="en-US" sz="2000" b="1" noProof="1" smtClean="0">
+                <a:solidFill>
+                  <a:srgbClr val="8CF4F2"/>
+                </a:solidFill>
+                <a:effectLst>
+                  <a:outerShdw blurRad="38100" dist="38100" dir="2700000" algn="tl">
+                    <a:srgbClr val="000000">
+                      <a:alpha val="43137"/>
+                    </a:srgbClr>
+                  </a:outerShdw>
+                </a:effectLst>
+                <a:latin typeface="Consolas" pitchFamily="49" charset="0"/>
+                <a:cs typeface="Consolas" pitchFamily="49" charset="0"/>
+              </a:rPr>
+              <a:t>';</a:t>
+            </a:r>
+            <a:endParaRPr lang="en-US" sz="2000" b="1" noProof="1">
+              <a:solidFill>
+                <a:srgbClr val="8CF4F2"/>
+              </a:solidFill>
+              <a:effectLst>
+                <a:outerShdw blurRad="38100" dist="38100" dir="2700000" algn="tl">
+                  <a:srgbClr val="000000">
+                    <a:alpha val="43137"/>
+                  </a:srgbClr>
+                </a:outerShdw>
+              </a:effectLst>
+              <a:latin typeface="Consolas" pitchFamily="49" charset="0"/>
+              <a:cs typeface="Consolas" pitchFamily="49" charset="0"/>
+            </a:endParaRPr>
+          </a:p>
+          <a:p>
+            <a:pPr lvl="1" eaLnBrk="0" hangingPunct="0">
+              <a:buClr>
+                <a:schemeClr val="accent5">
+                  <a:lumMod val="40000"/>
+                  <a:lumOff val="60000"/>
+                </a:schemeClr>
+              </a:buClr>
+              <a:buSzPct val="70000"/>
+            </a:pPr>
+            <a:r>
+              <a:rPr lang="en-US" sz="2000" b="1" noProof="1" smtClean="0">
+                <a:solidFill>
+                  <a:srgbClr val="8CF4F2"/>
+                </a:solidFill>
+                <a:effectLst>
+                  <a:outerShdw blurRad="38100" dist="38100" dir="2700000" algn="tl">
+                    <a:srgbClr val="000000">
+                      <a:alpha val="43137"/>
+                    </a:srgbClr>
+                  </a:outerShdw>
+                </a:effectLst>
+                <a:latin typeface="Consolas" pitchFamily="49" charset="0"/>
+                <a:cs typeface="Consolas" pitchFamily="49" charset="0"/>
+              </a:rPr>
+              <a:t>while </a:t>
+            </a:r>
+            <a:r>
+              <a:rPr lang="en-US" sz="2000" b="1" noProof="1">
+                <a:solidFill>
+                  <a:srgbClr val="8CF4F2"/>
+                </a:solidFill>
+                <a:effectLst>
+                  <a:outerShdw blurRad="38100" dist="38100" dir="2700000" algn="tl">
+                    <a:srgbClr val="000000">
+                      <a:alpha val="43137"/>
+                    </a:srgbClr>
+                  </a:outerShdw>
+                </a:effectLst>
+                <a:latin typeface="Consolas" pitchFamily="49" charset="0"/>
+                <a:cs typeface="Consolas" pitchFamily="49" charset="0"/>
+              </a:rPr>
+              <a:t>(true</a:t>
+            </a:r>
+            <a:r>
+              <a:rPr lang="en-US" sz="2000" b="1" noProof="1" smtClean="0">
+                <a:solidFill>
+                  <a:srgbClr val="8CF4F2"/>
+                </a:solidFill>
+                <a:effectLst>
+                  <a:outerShdw blurRad="38100" dist="38100" dir="2700000" algn="tl">
+                    <a:srgbClr val="000000">
+                      <a:alpha val="43137"/>
+                    </a:srgbClr>
+                  </a:outerShdw>
+                </a:effectLst>
+                <a:latin typeface="Consolas" pitchFamily="49" charset="0"/>
+                <a:cs typeface="Consolas" pitchFamily="49" charset="0"/>
+              </a:rPr>
+              <a:t>) {</a:t>
+            </a:r>
+            <a:endParaRPr lang="en-US" sz="2000" b="1" noProof="1">
+              <a:solidFill>
+                <a:srgbClr val="8CF4F2"/>
+              </a:solidFill>
+              <a:effectLst>
+                <a:outerShdw blurRad="38100" dist="38100" dir="2700000" algn="tl">
+                  <a:srgbClr val="000000">
+                    <a:alpha val="43137"/>
+                  </a:srgbClr>
+                </a:outerShdw>
+              </a:effectLst>
+              <a:latin typeface="Consolas" pitchFamily="49" charset="0"/>
+              <a:cs typeface="Consolas" pitchFamily="49" charset="0"/>
+            </a:endParaRPr>
+          </a:p>
+          <a:p>
             <a:pPr lvl="2" eaLnBrk="0" hangingPunct="0">
               <a:buClr>
                 <a:schemeClr val="accent5">
@@ -11547,8 +11708,39 @@
                 <a:latin typeface="Consolas" pitchFamily="49" charset="0"/>
                 <a:cs typeface="Consolas" pitchFamily="49" charset="0"/>
               </a:rPr>
-              <a:t>+= n+ "*"</a:t>
-            </a:r>
+              <a:t>+= </a:t>
+            </a:r>
+            <a:r>
+              <a:rPr lang="en-US" sz="2000" b="1" noProof="1" smtClean="0">
+                <a:solidFill>
+                  <a:srgbClr val="8CF4F2"/>
+                </a:solidFill>
+                <a:effectLst>
+                  <a:outerShdw blurRad="38100" dist="38100" dir="2700000" algn="tl">
+                    <a:srgbClr val="000000">
+                      <a:alpha val="43137"/>
+                    </a:srgbClr>
+                  </a:outerShdw>
+                </a:effectLst>
+                <a:latin typeface="Consolas" pitchFamily="49" charset="0"/>
+                <a:cs typeface="Consolas" pitchFamily="49" charset="0"/>
+              </a:rPr>
+              <a:t>n + '*'</a:t>
+            </a:r>
+            <a:endParaRPr lang="en-US" sz="2000" b="1" noProof="1">
+              <a:solidFill>
+                <a:srgbClr val="8CF4F2"/>
+              </a:solidFill>
+              <a:effectLst>
+                <a:outerShdw blurRad="38100" dist="38100" dir="2700000" algn="tl">
+                  <a:srgbClr val="000000">
+                    <a:alpha val="43137"/>
+                  </a:srgbClr>
+                </a:outerShdw>
+              </a:effectLst>
+              <a:latin typeface="Consolas" pitchFamily="49" charset="0"/>
+              <a:cs typeface="Consolas" pitchFamily="49" charset="0"/>
+            </a:endParaRPr>
           </a:p>
           <a:p>
             <a:pPr lvl="2" eaLnBrk="0" hangingPunct="0">
@@ -11710,7 +11902,75 @@
                 <a:latin typeface="Consolas" pitchFamily="49" charset="0"/>
                 <a:cs typeface="Consolas" pitchFamily="49" charset="0"/>
               </a:rPr>
-              <a:t>+= "1 = " + fact;</a:t>
+              <a:t>+= </a:t>
+            </a:r>
+            <a:r>
+              <a:rPr lang="en-US" sz="2000" b="1" noProof="1" smtClean="0">
+                <a:solidFill>
+                  <a:srgbClr val="8CF4F2"/>
+                </a:solidFill>
+                <a:effectLst>
+                  <a:outerShdw blurRad="38100" dist="38100" dir="2700000" algn="tl">
+                    <a:srgbClr val="000000">
+                      <a:alpha val="43137"/>
+                    </a:srgbClr>
+                  </a:outerShdw>
+                </a:effectLst>
+                <a:latin typeface="Consolas" pitchFamily="49" charset="0"/>
+                <a:cs typeface="Consolas" pitchFamily="49" charset="0"/>
+              </a:rPr>
+              <a:t>'1 </a:t>
+            </a:r>
+            <a:r>
+              <a:rPr lang="en-US" sz="2000" b="1" noProof="1">
+                <a:solidFill>
+                  <a:srgbClr val="8CF4F2"/>
+                </a:solidFill>
+                <a:effectLst>
+                  <a:outerShdw blurRad="38100" dist="38100" dir="2700000" algn="tl">
+                    <a:srgbClr val="000000">
+                      <a:alpha val="43137"/>
+                    </a:srgbClr>
+                  </a:outerShdw>
+                </a:effectLst>
+                <a:latin typeface="Consolas" pitchFamily="49" charset="0"/>
+                <a:cs typeface="Consolas" pitchFamily="49" charset="0"/>
+              </a:rPr>
+              <a:t>= </a:t>
+            </a:r>
+            <a:r>
+              <a:rPr lang="en-US" sz="2000" b="1" noProof="1" smtClean="0">
+                <a:solidFill>
+                  <a:srgbClr val="8CF4F2"/>
+                </a:solidFill>
+                <a:effectLst>
+                  <a:outerShdw blurRad="38100" dist="38100" dir="2700000" algn="tl">
+                    <a:srgbClr val="000000">
+                      <a:alpha val="43137"/>
+                    </a:srgbClr>
+                  </a:outerShdw>
+                </a:effectLst>
+                <a:latin typeface="Consolas" pitchFamily="49" charset="0"/>
+                <a:cs typeface="Consolas" pitchFamily="49" charset="0"/>
+              </a:rPr>
+              <a:t>' </a:t>
+            </a:r>
+            <a:r>
+              <a:rPr lang="en-US" sz="2000" b="1" noProof="1">
+                <a:solidFill>
+                  <a:srgbClr val="8CF4F2"/>
+                </a:solidFill>
+                <a:effectLst>
+                  <a:outerShdw blurRad="38100" dist="38100" dir="2700000" algn="tl">
+                    <a:srgbClr val="000000">
+                      <a:alpha val="43137"/>
+                    </a:srgbClr>
+                  </a:outerShdw>
+                </a:effectLst>
+                <a:latin typeface="Consolas" pitchFamily="49" charset="0"/>
+                <a:cs typeface="Consolas" pitchFamily="49" charset="0"/>
+              </a:rPr>
+              <a:t>+ fact;</a:t>
             </a:r>
           </a:p>
           <a:p>
@@ -11738,7 +11998,7 @@
                 <a:latin typeface="Consolas" pitchFamily="49" charset="0"/>
                 <a:cs typeface="Consolas" pitchFamily="49" charset="0"/>
               </a:rPr>
-              <a:t>print</a:t>
+              <a:t>print('output-tb',</a:t>
             </a:r>
             <a:r>
               <a:rPr lang="en-US" sz="2000" b="1" noProof="1">
@@ -11755,7 +12015,7 @@
                 <a:latin typeface="Consolas" pitchFamily="49" charset="0"/>
                 <a:cs typeface="Consolas" pitchFamily="49" charset="0"/>
               </a:rPr>
-              <a:t>("output-tb",factStr); </a:t>
+              <a:t>factStr); </a:t>
             </a:r>
           </a:p>
         </p:txBody>
@@ -12251,7 +12511,7 @@
         </p:nvSpPr>
         <p:spPr bwMode="auto">
           <a:xfrm>
-            <a:off x="754063" y="1953161"/>
+            <a:off x="754062" y="1828800"/>
             <a:ext cx="7489825" cy="1323439"/>
           </a:xfrm>
           <a:prstGeom prst="rect">
@@ -12303,7 +12563,7 @@
                 <a:latin typeface="Consolas" pitchFamily="49" charset="0"/>
                 <a:cs typeface="Consolas" pitchFamily="49" charset="0"/>
               </a:rPr>
-              <a:t>do{</a:t>
+              <a:t>do {</a:t>
             </a:r>
             <a:endParaRPr lang="en-US" sz="2000" b="1" noProof="1">
               <a:solidFill>
@@ -12465,7 +12725,7 @@
         </p:blipFill>
         <p:spPr bwMode="auto">
           <a:xfrm>
-            <a:off x="7162800" y="1308100"/>
+            <a:off x="7162800" y="1219200"/>
             <a:ext cx="1603102" cy="1435100"/>
           </a:xfrm>
           <a:prstGeom prst="rect">
@@ -13541,22 +13801,8 @@
                 <a:latin typeface="Consolas" pitchFamily="49" charset="0"/>
                 <a:cs typeface="Consolas" pitchFamily="49" charset="0"/>
               </a:rPr>
-              <a:t>factStr = "n! = ";</a:t>
-            </a:r>
-          </a:p>
-          <a:p>
-            <a:pPr lvl="1" eaLnBrk="0" hangingPunct="0">
-              <a:spcBef>
-                <a:spcPts val="600"/>
-              </a:spcBef>
-              <a:buClr>
-                <a:schemeClr val="accent5">
-                  <a:lumMod val="40000"/>
-                  <a:lumOff val="60000"/>
-                </a:schemeClr>
-              </a:buClr>
-              <a:buSzPct val="70000"/>
-            </a:pPr>
+              <a:t>factStr = </a:t>
+            </a:r>
             <a:r>
               <a:rPr lang="en-US" sz="2000" b="1" noProof="1" smtClean="0">
                 <a:solidFill>
@@ -13572,7 +13818,7 @@
                 <a:latin typeface="Consolas" pitchFamily="49" charset="0"/>
                 <a:cs typeface="Consolas" pitchFamily="49" charset="0"/>
               </a:rPr>
-              <a:t>do</a:t>
+              <a:t>'n</a:t>
             </a:r>
             <a:r>
               <a:rPr lang="en-US" sz="2000" b="1" noProof="1">
@@ -13589,19 +13835,8 @@
                 <a:latin typeface="Consolas" pitchFamily="49" charset="0"/>
                 <a:cs typeface="Consolas" pitchFamily="49" charset="0"/>
               </a:rPr>
-              <a:t>{</a:t>
-            </a:r>
-          </a:p>
-          <a:p>
-            <a:pPr lvl="2" eaLnBrk="0" hangingPunct="0">
-              <a:buClr>
-                <a:schemeClr val="accent5">
-                  <a:lumMod val="40000"/>
-                  <a:lumOff val="60000"/>
-                </a:schemeClr>
-              </a:buClr>
-              <a:buSzPct val="70000"/>
-            </a:pPr>
+              <a:t>! = </a:t>
+            </a:r>
             <a:r>
               <a:rPr lang="en-US" sz="2000" b="1" noProof="1" smtClean="0">
                 <a:solidFill>
@@ -13617,176 +13852,7 @@
                 <a:latin typeface="Consolas" pitchFamily="49" charset="0"/>
                 <a:cs typeface="Consolas" pitchFamily="49" charset="0"/>
               </a:rPr>
-              <a:t>fact </a:t>
-            </a:r>
-            <a:r>
-              <a:rPr lang="en-US" sz="2000" b="1" noProof="1">
-                <a:solidFill>
-                  <a:srgbClr val="8CF4F2"/>
-                </a:solidFill>
-                <a:effectLst>
-                  <a:outerShdw blurRad="38100" dist="38100" dir="2700000" algn="tl">
-                    <a:srgbClr val="000000">
-                      <a:alpha val="43137"/>
-                    </a:srgbClr>
-                  </a:outerShdw>
-                </a:effectLst>
-                <a:latin typeface="Consolas" pitchFamily="49" charset="0"/>
-                <a:cs typeface="Consolas" pitchFamily="49" charset="0"/>
-              </a:rPr>
-              <a:t>*= n;</a:t>
-            </a:r>
-          </a:p>
-          <a:p>
-            <a:pPr lvl="2" eaLnBrk="0" hangingPunct="0">
-              <a:buClr>
-                <a:schemeClr val="accent5">
-                  <a:lumMod val="40000"/>
-                  <a:lumOff val="60000"/>
-                </a:schemeClr>
-              </a:buClr>
-              <a:buSzPct val="70000"/>
-            </a:pPr>
-            <a:r>
-              <a:rPr lang="en-US" sz="2000" b="1" noProof="1" smtClean="0">
-                <a:solidFill>
-                  <a:srgbClr val="8CF4F2"/>
-                </a:solidFill>
-                <a:effectLst>
-                  <a:outerShdw blurRad="38100" dist="38100" dir="2700000" algn="tl">
-                    <a:srgbClr val="000000">
-                      <a:alpha val="43137"/>
-                    </a:srgbClr>
-                  </a:outerShdw>
-                </a:effectLst>
-                <a:latin typeface="Consolas" pitchFamily="49" charset="0"/>
-                <a:cs typeface="Consolas" pitchFamily="49" charset="0"/>
-              </a:rPr>
-              <a:t>factStr </a:t>
-            </a:r>
-            <a:r>
-              <a:rPr lang="en-US" sz="2000" b="1" noProof="1">
-                <a:solidFill>
-                  <a:srgbClr val="8CF4F2"/>
-                </a:solidFill>
-                <a:effectLst>
-                  <a:outerShdw blurRad="38100" dist="38100" dir="2700000" algn="tl">
-                    <a:srgbClr val="000000">
-                      <a:alpha val="43137"/>
-                    </a:srgbClr>
-                  </a:outerShdw>
-                </a:effectLst>
-                <a:latin typeface="Consolas" pitchFamily="49" charset="0"/>
-                <a:cs typeface="Consolas" pitchFamily="49" charset="0"/>
-              </a:rPr>
-              <a:t>+= n+ "*"</a:t>
-            </a:r>
-          </a:p>
-          <a:p>
-            <a:pPr lvl="2" eaLnBrk="0" hangingPunct="0">
-              <a:buClr>
-                <a:schemeClr val="accent5">
-                  <a:lumMod val="40000"/>
-                  <a:lumOff val="60000"/>
-                </a:schemeClr>
-              </a:buClr>
-              <a:buSzPct val="70000"/>
-            </a:pPr>
-            <a:r>
-              <a:rPr lang="en-US" sz="2000" b="1" noProof="1" smtClean="0">
-                <a:solidFill>
-                  <a:srgbClr val="8CF4F2"/>
-                </a:solidFill>
-                <a:effectLst>
-                  <a:outerShdw blurRad="38100" dist="38100" dir="2700000" algn="tl">
-                    <a:srgbClr val="000000">
-                      <a:alpha val="43137"/>
-                    </a:srgbClr>
-                  </a:outerShdw>
-                </a:effectLst>
-                <a:latin typeface="Consolas" pitchFamily="49" charset="0"/>
-                <a:cs typeface="Consolas" pitchFamily="49" charset="0"/>
-              </a:rPr>
-              <a:t>n-</a:t>
-            </a:r>
-            <a:r>
-              <a:rPr lang="en-US" sz="2000" b="1" noProof="1">
-                <a:solidFill>
-                  <a:srgbClr val="8CF4F2"/>
-                </a:solidFill>
-                <a:effectLst>
-                  <a:outerShdw blurRad="38100" dist="38100" dir="2700000" algn="tl">
-                    <a:srgbClr val="000000">
-                      <a:alpha val="43137"/>
-                    </a:srgbClr>
-                  </a:outerShdw>
-                </a:effectLst>
-                <a:latin typeface="Consolas" pitchFamily="49" charset="0"/>
-                <a:cs typeface="Consolas" pitchFamily="49" charset="0"/>
-              </a:rPr>
-              <a:t>-;</a:t>
-            </a:r>
-          </a:p>
-          <a:p>
-            <a:pPr lvl="1" eaLnBrk="0" hangingPunct="0">
-              <a:buClr>
-                <a:schemeClr val="accent5">
-                  <a:lumMod val="40000"/>
-                  <a:lumOff val="60000"/>
-                </a:schemeClr>
-              </a:buClr>
-              <a:buSzPct val="70000"/>
-            </a:pPr>
-            <a:r>
-              <a:rPr lang="en-US" sz="2000" b="1" noProof="1" smtClean="0">
-                <a:solidFill>
-                  <a:srgbClr val="8CF4F2"/>
-                </a:solidFill>
-                <a:effectLst>
-                  <a:outerShdw blurRad="38100" dist="38100" dir="2700000" algn="tl">
-                    <a:srgbClr val="000000">
-                      <a:alpha val="43137"/>
-                    </a:srgbClr>
-                  </a:outerShdw>
-                </a:effectLst>
-                <a:latin typeface="Consolas" pitchFamily="49" charset="0"/>
-                <a:cs typeface="Consolas" pitchFamily="49" charset="0"/>
-              </a:rPr>
-              <a:t>} while (</a:t>
-            </a:r>
-            <a:r>
-              <a:rPr lang="en-US" sz="2000" b="1" noProof="1">
-                <a:solidFill>
-                  <a:srgbClr val="8CF4F2"/>
-                </a:solidFill>
-                <a:effectLst>
-                  <a:outerShdw blurRad="38100" dist="38100" dir="2700000" algn="tl">
-                    <a:srgbClr val="000000">
-                      <a:alpha val="43137"/>
-                    </a:srgbClr>
-                  </a:outerShdw>
-                </a:effectLst>
-                <a:latin typeface="Consolas" pitchFamily="49" charset="0"/>
-                <a:cs typeface="Consolas" pitchFamily="49" charset="0"/>
-              </a:rPr>
-              <a:t>n</a:t>
-            </a:r>
-            <a:r>
-              <a:rPr lang="en-US" sz="2000" b="1" noProof="1" smtClean="0">
-                <a:solidFill>
-                  <a:srgbClr val="8CF4F2"/>
-                </a:solidFill>
-                <a:effectLst>
-                  <a:outerShdw blurRad="38100" dist="38100" dir="2700000" algn="tl">
-                    <a:srgbClr val="000000">
-                      <a:alpha val="43137"/>
-                    </a:srgbClr>
-                  </a:outerShdw>
-                </a:effectLst>
-                <a:latin typeface="Consolas" pitchFamily="49" charset="0"/>
-                <a:cs typeface="Consolas" pitchFamily="49" charset="0"/>
-              </a:rPr>
-              <a:t>);</a:t>
+              <a:t>';</a:t>
             </a:r>
             <a:endParaRPr lang="en-US" sz="2000" b="1" noProof="1">
               <a:solidFill>
@@ -13831,6 +13897,93 @@
                 <a:latin typeface="Consolas" pitchFamily="49" charset="0"/>
                 <a:cs typeface="Consolas" pitchFamily="49" charset="0"/>
               </a:rPr>
+              <a:t>do {</a:t>
+            </a:r>
+            <a:endParaRPr lang="en-US" sz="2000" b="1" noProof="1">
+              <a:solidFill>
+                <a:srgbClr val="8CF4F2"/>
+              </a:solidFill>
+              <a:effectLst>
+                <a:outerShdw blurRad="38100" dist="38100" dir="2700000" algn="tl">
+                  <a:srgbClr val="000000">
+                    <a:alpha val="43137"/>
+                  </a:srgbClr>
+                </a:outerShdw>
+              </a:effectLst>
+              <a:latin typeface="Consolas" pitchFamily="49" charset="0"/>
+              <a:cs typeface="Consolas" pitchFamily="49" charset="0"/>
+            </a:endParaRPr>
+          </a:p>
+          <a:p>
+            <a:pPr lvl="2" eaLnBrk="0" hangingPunct="0">
+              <a:buClr>
+                <a:schemeClr val="accent5">
+                  <a:lumMod val="40000"/>
+                  <a:lumOff val="60000"/>
+                </a:schemeClr>
+              </a:buClr>
+              <a:buSzPct val="70000"/>
+            </a:pPr>
+            <a:r>
+              <a:rPr lang="en-US" sz="2000" b="1" noProof="1" smtClean="0">
+                <a:solidFill>
+                  <a:srgbClr val="8CF4F2"/>
+                </a:solidFill>
+                <a:effectLst>
+                  <a:outerShdw blurRad="38100" dist="38100" dir="2700000" algn="tl">
+                    <a:srgbClr val="000000">
+                      <a:alpha val="43137"/>
+                    </a:srgbClr>
+                  </a:outerShdw>
+                </a:effectLst>
+                <a:latin typeface="Consolas" pitchFamily="49" charset="0"/>
+                <a:cs typeface="Consolas" pitchFamily="49" charset="0"/>
+              </a:rPr>
+              <a:t>fact </a:t>
+            </a:r>
+            <a:r>
+              <a:rPr lang="en-US" sz="2000" b="1" noProof="1">
+                <a:solidFill>
+                  <a:srgbClr val="8CF4F2"/>
+                </a:solidFill>
+                <a:effectLst>
+                  <a:outerShdw blurRad="38100" dist="38100" dir="2700000" algn="tl">
+                    <a:srgbClr val="000000">
+                      <a:alpha val="43137"/>
+                    </a:srgbClr>
+                  </a:outerShdw>
+                </a:effectLst>
+                <a:latin typeface="Consolas" pitchFamily="49" charset="0"/>
+                <a:cs typeface="Consolas" pitchFamily="49" charset="0"/>
+              </a:rPr>
+              <a:t>*= n;</a:t>
+            </a:r>
+          </a:p>
+          <a:p>
+            <a:pPr lvl="2" eaLnBrk="0" hangingPunct="0">
+              <a:buClr>
+                <a:schemeClr val="accent5">
+                  <a:lumMod val="40000"/>
+                  <a:lumOff val="60000"/>
+                </a:schemeClr>
+              </a:buClr>
+              <a:buSzPct val="70000"/>
+            </a:pPr>
+            <a:r>
+              <a:rPr lang="en-US" sz="2000" b="1" noProof="1" smtClean="0">
+                <a:solidFill>
+                  <a:srgbClr val="8CF4F2"/>
+                </a:solidFill>
+                <a:effectLst>
+                  <a:outerShdw blurRad="38100" dist="38100" dir="2700000" algn="tl">
+                    <a:srgbClr val="000000">
+                      <a:alpha val="43137"/>
+                    </a:srgbClr>
+                  </a:outerShdw>
+                </a:effectLst>
+                <a:latin typeface="Consolas" pitchFamily="49" charset="0"/>
+                <a:cs typeface="Consolas" pitchFamily="49" charset="0"/>
+              </a:rPr>
               <a:t>factStr </a:t>
             </a:r>
             <a:r>
@@ -13848,7 +14001,83 @@
                 <a:latin typeface="Consolas" pitchFamily="49" charset="0"/>
                 <a:cs typeface="Consolas" pitchFamily="49" charset="0"/>
               </a:rPr>
-              <a:t>+= " = " + fact;</a:t>
+              <a:t>+= </a:t>
+            </a:r>
+            <a:r>
+              <a:rPr lang="en-US" sz="2000" b="1" noProof="1" smtClean="0">
+                <a:solidFill>
+                  <a:srgbClr val="8CF4F2"/>
+                </a:solidFill>
+                <a:effectLst>
+                  <a:outerShdw blurRad="38100" dist="38100" dir="2700000" algn="tl">
+                    <a:srgbClr val="000000">
+                      <a:alpha val="43137"/>
+                    </a:srgbClr>
+                  </a:outerShdw>
+                </a:effectLst>
+                <a:latin typeface="Consolas" pitchFamily="49" charset="0"/>
+                <a:cs typeface="Consolas" pitchFamily="49" charset="0"/>
+              </a:rPr>
+              <a:t>n + '*'</a:t>
+            </a:r>
+            <a:endParaRPr lang="en-US" sz="2000" b="1" noProof="1">
+              <a:solidFill>
+                <a:srgbClr val="8CF4F2"/>
+              </a:solidFill>
+              <a:effectLst>
+                <a:outerShdw blurRad="38100" dist="38100" dir="2700000" algn="tl">
+                  <a:srgbClr val="000000">
+                    <a:alpha val="43137"/>
+                  </a:srgbClr>
+                </a:outerShdw>
+              </a:effectLst>
+              <a:latin typeface="Consolas" pitchFamily="49" charset="0"/>
+              <a:cs typeface="Consolas" pitchFamily="49" charset="0"/>
+            </a:endParaRPr>
+          </a:p>
+          <a:p>
+            <a:pPr lvl="2" eaLnBrk="0" hangingPunct="0">
+              <a:buClr>
+                <a:schemeClr val="accent5">
+                  <a:lumMod val="40000"/>
+                  <a:lumOff val="60000"/>
+                </a:schemeClr>
+              </a:buClr>
+              <a:buSzPct val="70000"/>
+            </a:pPr>
+            <a:r>
+              <a:rPr lang="en-US" sz="2000" b="1" noProof="1" smtClean="0">
+                <a:solidFill>
+                  <a:srgbClr val="8CF4F2"/>
+                </a:solidFill>
+                <a:effectLst>
+                  <a:outerShdw blurRad="38100" dist="38100" dir="2700000" algn="tl">
+                    <a:srgbClr val="000000">
+                      <a:alpha val="43137"/>
+                    </a:srgbClr>
+                  </a:outerShdw>
+                </a:effectLst>
+                <a:latin typeface="Consolas" pitchFamily="49" charset="0"/>
+                <a:cs typeface="Consolas" pitchFamily="49" charset="0"/>
+              </a:rPr>
+              <a:t>n-</a:t>
+            </a:r>
+            <a:r>
+              <a:rPr lang="en-US" sz="2000" b="1" noProof="1">
+                <a:solidFill>
+                  <a:srgbClr val="8CF4F2"/>
+                </a:solidFill>
+                <a:effectLst>
+                  <a:outerShdw blurRad="38100" dist="38100" dir="2700000" algn="tl">
+                    <a:srgbClr val="000000">
+                      <a:alpha val="43137"/>
+                    </a:srgbClr>
+                  </a:outerShdw>
+                </a:effectLst>
+                <a:latin typeface="Consolas" pitchFamily="49" charset="0"/>
+                <a:cs typeface="Consolas" pitchFamily="49" charset="0"/>
+              </a:rPr>
+              <a:t>-;</a:t>
             </a:r>
           </a:p>
           <a:p>
@@ -13876,7 +14105,7 @@
                 <a:latin typeface="Consolas" pitchFamily="49" charset="0"/>
                 <a:cs typeface="Consolas" pitchFamily="49" charset="0"/>
               </a:rPr>
-              <a:t>print</a:t>
+              <a:t>} while (</a:t>
             </a:r>
             <a:r>
               <a:rPr lang="en-US" sz="2000" b="1" noProof="1">
@@ -13893,7 +14122,199 @@
                 <a:latin typeface="Consolas" pitchFamily="49" charset="0"/>
                 <a:cs typeface="Consolas" pitchFamily="49" charset="0"/>
               </a:rPr>
-              <a:t>("output-tb",factStr); </a:t>
+              <a:t>n</a:t>
+            </a:r>
+            <a:r>
+              <a:rPr lang="en-US" sz="2000" b="1" noProof="1" smtClean="0">
+                <a:solidFill>
+                  <a:srgbClr val="8CF4F2"/>
+                </a:solidFill>
+                <a:effectLst>
+                  <a:outerShdw blurRad="38100" dist="38100" dir="2700000" algn="tl">
+                    <a:srgbClr val="000000">
+                      <a:alpha val="43137"/>
+                    </a:srgbClr>
+                  </a:outerShdw>
+                </a:effectLst>
+                <a:latin typeface="Consolas" pitchFamily="49" charset="0"/>
+                <a:cs typeface="Consolas" pitchFamily="49" charset="0"/>
+              </a:rPr>
+              <a:t>);</a:t>
+            </a:r>
+            <a:endParaRPr lang="en-US" sz="2000" b="1" noProof="1">
+              <a:solidFill>
+                <a:srgbClr val="8CF4F2"/>
+              </a:solidFill>
+              <a:effectLst>
+                <a:outerShdw blurRad="38100" dist="38100" dir="2700000" algn="tl">
+                  <a:srgbClr val="000000">
+                    <a:alpha val="43137"/>
+                  </a:srgbClr>
+                </a:outerShdw>
+              </a:effectLst>
+              <a:latin typeface="Consolas" pitchFamily="49" charset="0"/>
+              <a:cs typeface="Consolas" pitchFamily="49" charset="0"/>
+            </a:endParaRPr>
+          </a:p>
+          <a:p>
+            <a:pPr lvl="1" eaLnBrk="0" hangingPunct="0">
+              <a:spcBef>
+                <a:spcPts val="600"/>
+              </a:spcBef>
+              <a:buClr>
+                <a:schemeClr val="accent5">
+                  <a:lumMod val="40000"/>
+                  <a:lumOff val="60000"/>
+                </a:schemeClr>
+              </a:buClr>
+              <a:buSzPct val="70000"/>
+            </a:pPr>
+            <a:r>
+              <a:rPr lang="en-US" sz="2000" b="1" noProof="1" smtClean="0">
+                <a:solidFill>
+                  <a:srgbClr val="8CF4F2"/>
+                </a:solidFill>
+                <a:effectLst>
+                  <a:outerShdw blurRad="38100" dist="38100" dir="2700000" algn="tl">
+                    <a:srgbClr val="000000">
+                      <a:alpha val="43137"/>
+                    </a:srgbClr>
+                  </a:outerShdw>
+                </a:effectLst>
+                <a:latin typeface="Consolas" pitchFamily="49" charset="0"/>
+                <a:cs typeface="Consolas" pitchFamily="49" charset="0"/>
+              </a:rPr>
+              <a:t>factStr </a:t>
+            </a:r>
+            <a:r>
+              <a:rPr lang="en-US" sz="2000" b="1" noProof="1">
+                <a:solidFill>
+                  <a:srgbClr val="8CF4F2"/>
+                </a:solidFill>
+                <a:effectLst>
+                  <a:outerShdw blurRad="38100" dist="38100" dir="2700000" algn="tl">
+                    <a:srgbClr val="000000">
+                      <a:alpha val="43137"/>
+                    </a:srgbClr>
+                  </a:outerShdw>
+                </a:effectLst>
+                <a:latin typeface="Consolas" pitchFamily="49" charset="0"/>
+                <a:cs typeface="Consolas" pitchFamily="49" charset="0"/>
+              </a:rPr>
+              <a:t>+= </a:t>
+            </a:r>
+            <a:r>
+              <a:rPr lang="en-US" sz="2000" b="1" noProof="1" smtClean="0">
+                <a:solidFill>
+                  <a:srgbClr val="8CF4F2"/>
+                </a:solidFill>
+                <a:effectLst>
+                  <a:outerShdw blurRad="38100" dist="38100" dir="2700000" algn="tl">
+                    <a:srgbClr val="000000">
+                      <a:alpha val="43137"/>
+                    </a:srgbClr>
+                  </a:outerShdw>
+                </a:effectLst>
+                <a:latin typeface="Consolas" pitchFamily="49" charset="0"/>
+                <a:cs typeface="Consolas" pitchFamily="49" charset="0"/>
+              </a:rPr>
+              <a:t>' </a:t>
+            </a:r>
+            <a:r>
+              <a:rPr lang="en-US" sz="2000" b="1" noProof="1">
+                <a:solidFill>
+                  <a:srgbClr val="8CF4F2"/>
+                </a:solidFill>
+                <a:effectLst>
+                  <a:outerShdw blurRad="38100" dist="38100" dir="2700000" algn="tl">
+                    <a:srgbClr val="000000">
+                      <a:alpha val="43137"/>
+                    </a:srgbClr>
+                  </a:outerShdw>
+                </a:effectLst>
+                <a:latin typeface="Consolas" pitchFamily="49" charset="0"/>
+                <a:cs typeface="Consolas" pitchFamily="49" charset="0"/>
+              </a:rPr>
+              <a:t>= </a:t>
+            </a:r>
+            <a:r>
+              <a:rPr lang="en-US" sz="2000" b="1" noProof="1" smtClean="0">
+                <a:solidFill>
+                  <a:srgbClr val="8CF4F2"/>
+                </a:solidFill>
+                <a:effectLst>
+                  <a:outerShdw blurRad="38100" dist="38100" dir="2700000" algn="tl">
+                    <a:srgbClr val="000000">
+                      <a:alpha val="43137"/>
+                    </a:srgbClr>
+                  </a:outerShdw>
+                </a:effectLst>
+                <a:latin typeface="Consolas" pitchFamily="49" charset="0"/>
+                <a:cs typeface="Consolas" pitchFamily="49" charset="0"/>
+              </a:rPr>
+              <a:t>' </a:t>
+            </a:r>
+            <a:r>
+              <a:rPr lang="en-US" sz="2000" b="1" noProof="1">
+                <a:solidFill>
+                  <a:srgbClr val="8CF4F2"/>
+                </a:solidFill>
+                <a:effectLst>
+                  <a:outerShdw blurRad="38100" dist="38100" dir="2700000" algn="tl">
+                    <a:srgbClr val="000000">
+                      <a:alpha val="43137"/>
+                    </a:srgbClr>
+                  </a:outerShdw>
+                </a:effectLst>
+                <a:latin typeface="Consolas" pitchFamily="49" charset="0"/>
+                <a:cs typeface="Consolas" pitchFamily="49" charset="0"/>
+              </a:rPr>
+              <a:t>+ fact;</a:t>
+            </a:r>
+          </a:p>
+          <a:p>
+            <a:pPr lvl="1" eaLnBrk="0" hangingPunct="0">
+              <a:buClr>
+                <a:schemeClr val="accent5">
+                  <a:lumMod val="40000"/>
+                  <a:lumOff val="60000"/>
+                </a:schemeClr>
+              </a:buClr>
+              <a:buSzPct val="70000"/>
+            </a:pPr>
+            <a:r>
+              <a:rPr lang="en-US" sz="2000" b="1" noProof="1" smtClean="0">
+                <a:solidFill>
+                  <a:srgbClr val="8CF4F2"/>
+                </a:solidFill>
+                <a:effectLst>
+                  <a:outerShdw blurRad="38100" dist="38100" dir="2700000" algn="tl">
+                    <a:srgbClr val="000000">
+                      <a:alpha val="43137"/>
+                    </a:srgbClr>
+                  </a:outerShdw>
+                </a:effectLst>
+                <a:latin typeface="Consolas" pitchFamily="49" charset="0"/>
+                <a:cs typeface="Consolas" pitchFamily="49" charset="0"/>
+              </a:rPr>
+              <a:t>print('output-tb',</a:t>
+            </a:r>
+            <a:r>
+              <a:rPr lang="en-US" sz="2000" b="1" noProof="1">
+                <a:solidFill>
+                  <a:srgbClr val="8CF4F2"/>
+                </a:solidFill>
+                <a:effectLst>
+                  <a:outerShdw blurRad="38100" dist="38100" dir="2700000" algn="tl">
+                    <a:srgbClr val="000000">
+                      <a:alpha val="43137"/>
+                    </a:srgbClr>
+                  </a:outerShdw>
+                </a:effectLst>
+                <a:latin typeface="Consolas" pitchFamily="49" charset="0"/>
+                <a:cs typeface="Consolas" pitchFamily="49" charset="0"/>
+              </a:rPr>
+              <a:t>factStr); </a:t>
             </a:r>
           </a:p>
         </p:txBody>
@@ -14138,22 +14559,8 @@
                 <a:latin typeface="Consolas" pitchFamily="49" charset="0"/>
                 <a:cs typeface="Consolas" pitchFamily="49" charset="0"/>
               </a:rPr>
-              <a:t>productStr = "";</a:t>
-            </a:r>
-          </a:p>
-          <a:p>
-            <a:pPr lvl="1" eaLnBrk="0" hangingPunct="0">
-              <a:spcBef>
-                <a:spcPts val="600"/>
-              </a:spcBef>
-              <a:buClr>
-                <a:schemeClr val="accent5">
-                  <a:lumMod val="40000"/>
-                  <a:lumOff val="60000"/>
-                </a:schemeClr>
-              </a:buClr>
-              <a:buSzPct val="70000"/>
-            </a:pPr>
+              <a:t>productStr = </a:t>
+            </a:r>
             <a:r>
               <a:rPr lang="en-US" sz="2000" b="1" noProof="1" smtClean="0">
                 <a:solidFill>
@@ -14169,232 +14576,7 @@
                 <a:latin typeface="Consolas" pitchFamily="49" charset="0"/>
                 <a:cs typeface="Consolas" pitchFamily="49" charset="0"/>
               </a:rPr>
-              <a:t>do</a:t>
-            </a:r>
-            <a:r>
-              <a:rPr lang="en-US" sz="2000" b="1" noProof="1">
-                <a:solidFill>
-                  <a:srgbClr val="8CF4F2"/>
-                </a:solidFill>
-                <a:effectLst>
-                  <a:outerShdw blurRad="38100" dist="38100" dir="2700000" algn="tl">
-                    <a:srgbClr val="000000">
-                      <a:alpha val="43137"/>
-                    </a:srgbClr>
-                  </a:outerShdw>
-                </a:effectLst>
-                <a:latin typeface="Consolas" pitchFamily="49" charset="0"/>
-                <a:cs typeface="Consolas" pitchFamily="49" charset="0"/>
-              </a:rPr>
-              <a:t>{		</a:t>
-            </a:r>
-          </a:p>
-          <a:p>
-            <a:pPr lvl="2" eaLnBrk="0" hangingPunct="0">
-              <a:buClr>
-                <a:schemeClr val="accent5">
-                  <a:lumMod val="40000"/>
-                  <a:lumOff val="60000"/>
-                </a:schemeClr>
-              </a:buClr>
-              <a:buSzPct val="70000"/>
-            </a:pPr>
-            <a:r>
-              <a:rPr lang="en-US" sz="2000" b="1" noProof="1" smtClean="0">
-                <a:solidFill>
-                  <a:srgbClr val="8CF4F2"/>
-                </a:solidFill>
-                <a:effectLst>
-                  <a:outerShdw blurRad="38100" dist="38100" dir="2700000" algn="tl">
-                    <a:srgbClr val="000000">
-                      <a:alpha val="43137"/>
-                    </a:srgbClr>
-                  </a:outerShdw>
-                </a:effectLst>
-                <a:latin typeface="Consolas" pitchFamily="49" charset="0"/>
-                <a:cs typeface="Consolas" pitchFamily="49" charset="0"/>
-              </a:rPr>
-              <a:t>product </a:t>
-            </a:r>
-            <a:r>
-              <a:rPr lang="en-US" sz="2000" b="1" noProof="1">
-                <a:solidFill>
-                  <a:srgbClr val="8CF4F2"/>
-                </a:solidFill>
-                <a:effectLst>
-                  <a:outerShdw blurRad="38100" dist="38100" dir="2700000" algn="tl">
-                    <a:srgbClr val="000000">
-                      <a:alpha val="43137"/>
-                    </a:srgbClr>
-                  </a:outerShdw>
-                </a:effectLst>
-                <a:latin typeface="Consolas" pitchFamily="49" charset="0"/>
-                <a:cs typeface="Consolas" pitchFamily="49" charset="0"/>
-              </a:rPr>
-              <a:t>*= number;		</a:t>
-            </a:r>
-          </a:p>
-          <a:p>
-            <a:pPr lvl="2" eaLnBrk="0" hangingPunct="0">
-              <a:buClr>
-                <a:schemeClr val="accent5">
-                  <a:lumMod val="40000"/>
-                  <a:lumOff val="60000"/>
-                </a:schemeClr>
-              </a:buClr>
-              <a:buSzPct val="70000"/>
-            </a:pPr>
-            <a:r>
-              <a:rPr lang="en-US" sz="2000" b="1" noProof="1" smtClean="0">
-                <a:solidFill>
-                  <a:srgbClr val="8CF4F2"/>
-                </a:solidFill>
-                <a:effectLst>
-                  <a:outerShdw blurRad="38100" dist="38100" dir="2700000" algn="tl">
-                    <a:srgbClr val="000000">
-                      <a:alpha val="43137"/>
-                    </a:srgbClr>
-                  </a:outerShdw>
-                </a:effectLst>
-                <a:latin typeface="Consolas" pitchFamily="49" charset="0"/>
-                <a:cs typeface="Consolas" pitchFamily="49" charset="0"/>
-              </a:rPr>
-              <a:t>productStr </a:t>
-            </a:r>
-            <a:r>
-              <a:rPr lang="en-US" sz="2000" b="1" noProof="1">
-                <a:solidFill>
-                  <a:srgbClr val="8CF4F2"/>
-                </a:solidFill>
-                <a:effectLst>
-                  <a:outerShdw blurRad="38100" dist="38100" dir="2700000" algn="tl">
-                    <a:srgbClr val="000000">
-                      <a:alpha val="43137"/>
-                    </a:srgbClr>
-                  </a:outerShdw>
-                </a:effectLst>
-                <a:latin typeface="Consolas" pitchFamily="49" charset="0"/>
-                <a:cs typeface="Consolas" pitchFamily="49" charset="0"/>
-              </a:rPr>
-              <a:t>+=number;</a:t>
-            </a:r>
-          </a:p>
-          <a:p>
-            <a:pPr lvl="2" eaLnBrk="0" hangingPunct="0">
-              <a:buClr>
-                <a:schemeClr val="accent5">
-                  <a:lumMod val="40000"/>
-                  <a:lumOff val="60000"/>
-                </a:schemeClr>
-              </a:buClr>
-              <a:buSzPct val="70000"/>
-            </a:pPr>
-            <a:r>
-              <a:rPr lang="en-US" sz="2000" b="1" noProof="1" smtClean="0">
-                <a:solidFill>
-                  <a:srgbClr val="8CF4F2"/>
-                </a:solidFill>
-                <a:effectLst>
-                  <a:outerShdw blurRad="38100" dist="38100" dir="2700000" algn="tl">
-                    <a:srgbClr val="000000">
-                      <a:alpha val="43137"/>
-                    </a:srgbClr>
-                  </a:outerShdw>
-                </a:effectLst>
-                <a:latin typeface="Consolas" pitchFamily="49" charset="0"/>
-                <a:cs typeface="Consolas" pitchFamily="49" charset="0"/>
-              </a:rPr>
-              <a:t>if(number</a:t>
-            </a:r>
-            <a:r>
-              <a:rPr lang="en-US" sz="2000" b="1" noProof="1">
-                <a:solidFill>
-                  <a:srgbClr val="8CF4F2"/>
-                </a:solidFill>
-                <a:effectLst>
-                  <a:outerShdw blurRad="38100" dist="38100" dir="2700000" algn="tl">
-                    <a:srgbClr val="000000">
-                      <a:alpha val="43137"/>
-                    </a:srgbClr>
-                  </a:outerShdw>
-                </a:effectLst>
-                <a:latin typeface="Consolas" pitchFamily="49" charset="0"/>
-                <a:cs typeface="Consolas" pitchFamily="49" charset="0"/>
-              </a:rPr>
-              <a:t>!=m){</a:t>
-            </a:r>
-          </a:p>
-          <a:p>
-            <a:pPr lvl="2" eaLnBrk="0" hangingPunct="0">
-              <a:buClr>
-                <a:schemeClr val="accent5">
-                  <a:lumMod val="40000"/>
-                  <a:lumOff val="60000"/>
-                </a:schemeClr>
-              </a:buClr>
-              <a:buSzPct val="70000"/>
-            </a:pPr>
-            <a:r>
-              <a:rPr lang="en-US" sz="2000" b="1" noProof="1" smtClean="0">
-                <a:solidFill>
-                  <a:srgbClr val="8CF4F2"/>
-                </a:solidFill>
-                <a:effectLst>
-                  <a:outerShdw blurRad="38100" dist="38100" dir="2700000" algn="tl">
-                    <a:srgbClr val="000000">
-                      <a:alpha val="43137"/>
-                    </a:srgbClr>
-                  </a:outerShdw>
-                </a:effectLst>
-                <a:latin typeface="Consolas" pitchFamily="49" charset="0"/>
-                <a:cs typeface="Consolas" pitchFamily="49" charset="0"/>
-              </a:rPr>
-              <a:t>	productStr</a:t>
-            </a:r>
-            <a:r>
-              <a:rPr lang="en-US" sz="2000" b="1" noProof="1">
-                <a:solidFill>
-                  <a:srgbClr val="8CF4F2"/>
-                </a:solidFill>
-                <a:effectLst>
-                  <a:outerShdw blurRad="38100" dist="38100" dir="2700000" algn="tl">
-                    <a:srgbClr val="000000">
-                      <a:alpha val="43137"/>
-                    </a:srgbClr>
-                  </a:outerShdw>
-                </a:effectLst>
-                <a:latin typeface="Consolas" pitchFamily="49" charset="0"/>
-                <a:cs typeface="Consolas" pitchFamily="49" charset="0"/>
-              </a:rPr>
-              <a:t>+="*";</a:t>
-            </a:r>
-          </a:p>
-          <a:p>
-            <a:pPr lvl="2" eaLnBrk="0" hangingPunct="0">
-              <a:buClr>
-                <a:schemeClr val="accent5">
-                  <a:lumMod val="40000"/>
-                  <a:lumOff val="60000"/>
-                </a:schemeClr>
-              </a:buClr>
-              <a:buSzPct val="70000"/>
-            </a:pPr>
-            <a:r>
-              <a:rPr lang="en-US" sz="2000" b="1" noProof="1" smtClean="0">
-                <a:solidFill>
-                  <a:srgbClr val="8CF4F2"/>
-                </a:solidFill>
-                <a:effectLst>
-                  <a:outerShdw blurRad="38100" dist="38100" dir="2700000" algn="tl">
-                    <a:srgbClr val="000000">
-                      <a:alpha val="43137"/>
-                    </a:srgbClr>
-                  </a:outerShdw>
-                </a:effectLst>
-                <a:latin typeface="Consolas" pitchFamily="49" charset="0"/>
-                <a:cs typeface="Consolas" pitchFamily="49" charset="0"/>
-              </a:rPr>
-              <a:t>}</a:t>
+              <a:t>'';</a:t>
             </a:r>
             <a:endParaRPr lang="en-US" sz="2000" b="1" noProof="1">
               <a:solidFill>
@@ -14412,96 +14594,6 @@
             </a:endParaRPr>
           </a:p>
           <a:p>
-            <a:pPr lvl="2" eaLnBrk="0" hangingPunct="0">
-              <a:buClr>
-                <a:schemeClr val="accent5">
-                  <a:lumMod val="40000"/>
-                  <a:lumOff val="60000"/>
-                </a:schemeClr>
-              </a:buClr>
-              <a:buSzPct val="70000"/>
-            </a:pPr>
-            <a:r>
-              <a:rPr lang="en-US" sz="2000" b="1" noProof="1" smtClean="0">
-                <a:solidFill>
-                  <a:srgbClr val="8CF4F2"/>
-                </a:solidFill>
-                <a:effectLst>
-                  <a:outerShdw blurRad="38100" dist="38100" dir="2700000" algn="tl">
-                    <a:srgbClr val="000000">
-                      <a:alpha val="43137"/>
-                    </a:srgbClr>
-                  </a:outerShdw>
-                </a:effectLst>
-                <a:latin typeface="Consolas" pitchFamily="49" charset="0"/>
-                <a:cs typeface="Consolas" pitchFamily="49" charset="0"/>
-              </a:rPr>
-              <a:t>number</a:t>
-            </a:r>
-            <a:r>
-              <a:rPr lang="en-US" sz="2000" b="1" noProof="1">
-                <a:solidFill>
-                  <a:srgbClr val="8CF4F2"/>
-                </a:solidFill>
-                <a:effectLst>
-                  <a:outerShdw blurRad="38100" dist="38100" dir="2700000" algn="tl">
-                    <a:srgbClr val="000000">
-                      <a:alpha val="43137"/>
-                    </a:srgbClr>
-                  </a:outerShdw>
-                </a:effectLst>
-                <a:latin typeface="Consolas" pitchFamily="49" charset="0"/>
-                <a:cs typeface="Consolas" pitchFamily="49" charset="0"/>
-              </a:rPr>
-              <a:t>++;</a:t>
-            </a:r>
-          </a:p>
-          <a:p>
-            <a:pPr lvl="1" eaLnBrk="0" hangingPunct="0">
-              <a:buClr>
-                <a:schemeClr val="accent5">
-                  <a:lumMod val="40000"/>
-                  <a:lumOff val="60000"/>
-                </a:schemeClr>
-              </a:buClr>
-              <a:buSzPct val="70000"/>
-            </a:pPr>
-            <a:r>
-              <a:rPr lang="en-US" sz="2000" b="1" noProof="1" smtClean="0">
-                <a:solidFill>
-                  <a:srgbClr val="8CF4F2"/>
-                </a:solidFill>
-                <a:effectLst>
-                  <a:outerShdw blurRad="38100" dist="38100" dir="2700000" algn="tl">
-                    <a:srgbClr val="000000">
-                      <a:alpha val="43137"/>
-                    </a:srgbClr>
-                  </a:outerShdw>
-                </a:effectLst>
-                <a:latin typeface="Consolas" pitchFamily="49" charset="0"/>
-                <a:cs typeface="Consolas" pitchFamily="49" charset="0"/>
-              </a:rPr>
-              <a:t>} while </a:t>
-            </a:r>
-            <a:r>
-              <a:rPr lang="en-US" sz="2000" b="1" noProof="1">
-                <a:solidFill>
-                  <a:srgbClr val="8CF4F2"/>
-                </a:solidFill>
-                <a:effectLst>
-                  <a:outerShdw blurRad="38100" dist="38100" dir="2700000" algn="tl">
-                    <a:srgbClr val="000000">
-                      <a:alpha val="43137"/>
-                    </a:srgbClr>
-                  </a:outerShdw>
-                </a:effectLst>
-                <a:latin typeface="Consolas" pitchFamily="49" charset="0"/>
-                <a:cs typeface="Consolas" pitchFamily="49" charset="0"/>
-              </a:rPr>
-              <a:t>(number &lt;= m);</a:t>
-            </a:r>
-          </a:p>
-          <a:p>
             <a:pPr lvl="1" eaLnBrk="0" hangingPunct="0">
               <a:spcBef>
                 <a:spcPts val="600"/>
@@ -14529,7 +14621,7 @@
                 <a:latin typeface="Consolas" pitchFamily="49" charset="0"/>
                 <a:cs typeface="Consolas" pitchFamily="49" charset="0"/>
               </a:rPr>
-              <a:t>productStr </a:t>
+              <a:t>do {</a:t>
             </a:r>
             <a:r>
               <a:rPr lang="en-US" sz="2000" b="1" noProof="1">
@@ -14546,7 +14638,268 @@
                 <a:latin typeface="Consolas" pitchFamily="49" charset="0"/>
                 <a:cs typeface="Consolas" pitchFamily="49" charset="0"/>
               </a:rPr>
-              <a:t>+= " = " + product;</a:t>
+              <a:t>		</a:t>
+            </a:r>
+          </a:p>
+          <a:p>
+            <a:pPr lvl="2" eaLnBrk="0" hangingPunct="0">
+              <a:buClr>
+                <a:schemeClr val="accent5">
+                  <a:lumMod val="40000"/>
+                  <a:lumOff val="60000"/>
+                </a:schemeClr>
+              </a:buClr>
+              <a:buSzPct val="70000"/>
+            </a:pPr>
+            <a:r>
+              <a:rPr lang="en-US" sz="2000" b="1" noProof="1" smtClean="0">
+                <a:solidFill>
+                  <a:srgbClr val="8CF4F2"/>
+                </a:solidFill>
+                <a:effectLst>
+                  <a:outerShdw blurRad="38100" dist="38100" dir="2700000" algn="tl">
+                    <a:srgbClr val="000000">
+                      <a:alpha val="43137"/>
+                    </a:srgbClr>
+                  </a:outerShdw>
+                </a:effectLst>
+                <a:latin typeface="Consolas" pitchFamily="49" charset="0"/>
+                <a:cs typeface="Consolas" pitchFamily="49" charset="0"/>
+              </a:rPr>
+              <a:t>product </a:t>
+            </a:r>
+            <a:r>
+              <a:rPr lang="en-US" sz="2000" b="1" noProof="1">
+                <a:solidFill>
+                  <a:srgbClr val="8CF4F2"/>
+                </a:solidFill>
+                <a:effectLst>
+                  <a:outerShdw blurRad="38100" dist="38100" dir="2700000" algn="tl">
+                    <a:srgbClr val="000000">
+                      <a:alpha val="43137"/>
+                    </a:srgbClr>
+                  </a:outerShdw>
+                </a:effectLst>
+                <a:latin typeface="Consolas" pitchFamily="49" charset="0"/>
+                <a:cs typeface="Consolas" pitchFamily="49" charset="0"/>
+              </a:rPr>
+              <a:t>*= number;		</a:t>
+            </a:r>
+          </a:p>
+          <a:p>
+            <a:pPr lvl="2" eaLnBrk="0" hangingPunct="0">
+              <a:buClr>
+                <a:schemeClr val="accent5">
+                  <a:lumMod val="40000"/>
+                  <a:lumOff val="60000"/>
+                </a:schemeClr>
+              </a:buClr>
+              <a:buSzPct val="70000"/>
+            </a:pPr>
+            <a:r>
+              <a:rPr lang="en-US" sz="2000" b="1" noProof="1" smtClean="0">
+                <a:solidFill>
+                  <a:srgbClr val="8CF4F2"/>
+                </a:solidFill>
+                <a:effectLst>
+                  <a:outerShdw blurRad="38100" dist="38100" dir="2700000" algn="tl">
+                    <a:srgbClr val="000000">
+                      <a:alpha val="43137"/>
+                    </a:srgbClr>
+                  </a:outerShdw>
+                </a:effectLst>
+                <a:latin typeface="Consolas" pitchFamily="49" charset="0"/>
+                <a:cs typeface="Consolas" pitchFamily="49" charset="0"/>
+              </a:rPr>
+              <a:t>productStr += number</a:t>
+            </a:r>
+            <a:r>
+              <a:rPr lang="en-US" sz="2000" b="1" noProof="1">
+                <a:solidFill>
+                  <a:srgbClr val="8CF4F2"/>
+                </a:solidFill>
+                <a:effectLst>
+                  <a:outerShdw blurRad="38100" dist="38100" dir="2700000" algn="tl">
+                    <a:srgbClr val="000000">
+                      <a:alpha val="43137"/>
+                    </a:srgbClr>
+                  </a:outerShdw>
+                </a:effectLst>
+                <a:latin typeface="Consolas" pitchFamily="49" charset="0"/>
+                <a:cs typeface="Consolas" pitchFamily="49" charset="0"/>
+              </a:rPr>
+              <a:t>;</a:t>
+            </a:r>
+          </a:p>
+          <a:p>
+            <a:pPr lvl="2" eaLnBrk="0" hangingPunct="0">
+              <a:buClr>
+                <a:schemeClr val="accent5">
+                  <a:lumMod val="40000"/>
+                  <a:lumOff val="60000"/>
+                </a:schemeClr>
+              </a:buClr>
+              <a:buSzPct val="70000"/>
+            </a:pPr>
+            <a:r>
+              <a:rPr lang="en-US" sz="2000" b="1" noProof="1" smtClean="0">
+                <a:solidFill>
+                  <a:srgbClr val="8CF4F2"/>
+                </a:solidFill>
+                <a:effectLst>
+                  <a:outerShdw blurRad="38100" dist="38100" dir="2700000" algn="tl">
+                    <a:srgbClr val="000000">
+                      <a:alpha val="43137"/>
+                    </a:srgbClr>
+                  </a:outerShdw>
+                </a:effectLst>
+                <a:latin typeface="Consolas" pitchFamily="49" charset="0"/>
+                <a:cs typeface="Consolas" pitchFamily="49" charset="0"/>
+              </a:rPr>
+              <a:t>if (number != m) {</a:t>
+            </a:r>
+            <a:endParaRPr lang="en-US" sz="2000" b="1" noProof="1">
+              <a:solidFill>
+                <a:srgbClr val="8CF4F2"/>
+              </a:solidFill>
+              <a:effectLst>
+                <a:outerShdw blurRad="38100" dist="38100" dir="2700000" algn="tl">
+                  <a:srgbClr val="000000">
+                    <a:alpha val="43137"/>
+                  </a:srgbClr>
+                </a:outerShdw>
+              </a:effectLst>
+              <a:latin typeface="Consolas" pitchFamily="49" charset="0"/>
+              <a:cs typeface="Consolas" pitchFamily="49" charset="0"/>
+            </a:endParaRPr>
+          </a:p>
+          <a:p>
+            <a:pPr lvl="2" eaLnBrk="0" hangingPunct="0">
+              <a:buClr>
+                <a:schemeClr val="accent5">
+                  <a:lumMod val="40000"/>
+                  <a:lumOff val="60000"/>
+                </a:schemeClr>
+              </a:buClr>
+              <a:buSzPct val="70000"/>
+            </a:pPr>
+            <a:r>
+              <a:rPr lang="en-US" sz="2000" b="1" noProof="1" smtClean="0">
+                <a:solidFill>
+                  <a:srgbClr val="8CF4F2"/>
+                </a:solidFill>
+                <a:effectLst>
+                  <a:outerShdw blurRad="38100" dist="38100" dir="2700000" algn="tl">
+                    <a:srgbClr val="000000">
+                      <a:alpha val="43137"/>
+                    </a:srgbClr>
+                  </a:outerShdw>
+                </a:effectLst>
+                <a:latin typeface="Consolas" pitchFamily="49" charset="0"/>
+                <a:cs typeface="Consolas" pitchFamily="49" charset="0"/>
+              </a:rPr>
+              <a:t>	productStr += '*';</a:t>
+            </a:r>
+            <a:endParaRPr lang="en-US" sz="2000" b="1" noProof="1">
+              <a:solidFill>
+                <a:srgbClr val="8CF4F2"/>
+              </a:solidFill>
+              <a:effectLst>
+                <a:outerShdw blurRad="38100" dist="38100" dir="2700000" algn="tl">
+                  <a:srgbClr val="000000">
+                    <a:alpha val="43137"/>
+                  </a:srgbClr>
+                </a:outerShdw>
+              </a:effectLst>
+              <a:latin typeface="Consolas" pitchFamily="49" charset="0"/>
+              <a:cs typeface="Consolas" pitchFamily="49" charset="0"/>
+            </a:endParaRPr>
+          </a:p>
+          <a:p>
+            <a:pPr lvl="2" eaLnBrk="0" hangingPunct="0">
+              <a:buClr>
+                <a:schemeClr val="accent5">
+                  <a:lumMod val="40000"/>
+                  <a:lumOff val="60000"/>
+                </a:schemeClr>
+              </a:buClr>
+              <a:buSzPct val="70000"/>
+            </a:pPr>
+            <a:r>
+              <a:rPr lang="en-US" sz="2000" b="1" noProof="1" smtClean="0">
+                <a:solidFill>
+                  <a:srgbClr val="8CF4F2"/>
+                </a:solidFill>
+                <a:effectLst>
+                  <a:outerShdw blurRad="38100" dist="38100" dir="2700000" algn="tl">
+                    <a:srgbClr val="000000">
+                      <a:alpha val="43137"/>
+                    </a:srgbClr>
+                  </a:outerShdw>
+                </a:effectLst>
+                <a:latin typeface="Consolas" pitchFamily="49" charset="0"/>
+                <a:cs typeface="Consolas" pitchFamily="49" charset="0"/>
+              </a:rPr>
+              <a:t>}</a:t>
+            </a:r>
+            <a:endParaRPr lang="en-US" sz="2000" b="1" noProof="1">
+              <a:solidFill>
+                <a:srgbClr val="8CF4F2"/>
+              </a:solidFill>
+              <a:effectLst>
+                <a:outerShdw blurRad="38100" dist="38100" dir="2700000" algn="tl">
+                  <a:srgbClr val="000000">
+                    <a:alpha val="43137"/>
+                  </a:srgbClr>
+                </a:outerShdw>
+              </a:effectLst>
+              <a:latin typeface="Consolas" pitchFamily="49" charset="0"/>
+              <a:cs typeface="Consolas" pitchFamily="49" charset="0"/>
+            </a:endParaRPr>
+          </a:p>
+          <a:p>
+            <a:pPr lvl="2" eaLnBrk="0" hangingPunct="0">
+              <a:buClr>
+                <a:schemeClr val="accent5">
+                  <a:lumMod val="40000"/>
+                  <a:lumOff val="60000"/>
+                </a:schemeClr>
+              </a:buClr>
+              <a:buSzPct val="70000"/>
+            </a:pPr>
+            <a:r>
+              <a:rPr lang="en-US" sz="2000" b="1" noProof="1" smtClean="0">
+                <a:solidFill>
+                  <a:srgbClr val="8CF4F2"/>
+                </a:solidFill>
+                <a:effectLst>
+                  <a:outerShdw blurRad="38100" dist="38100" dir="2700000" algn="tl">
+                    <a:srgbClr val="000000">
+                      <a:alpha val="43137"/>
+                    </a:srgbClr>
+                  </a:outerShdw>
+                </a:effectLst>
+                <a:latin typeface="Consolas" pitchFamily="49" charset="0"/>
+                <a:cs typeface="Consolas" pitchFamily="49" charset="0"/>
+              </a:rPr>
+              <a:t>number</a:t>
+            </a:r>
+            <a:r>
+              <a:rPr lang="en-US" sz="2000" b="1" noProof="1">
+                <a:solidFill>
+                  <a:srgbClr val="8CF4F2"/>
+                </a:solidFill>
+                <a:effectLst>
+                  <a:outerShdw blurRad="38100" dist="38100" dir="2700000" algn="tl">
+                    <a:srgbClr val="000000">
+                      <a:alpha val="43137"/>
+                    </a:srgbClr>
+                  </a:outerShdw>
+                </a:effectLst>
+                <a:latin typeface="Consolas" pitchFamily="49" charset="0"/>
+                <a:cs typeface="Consolas" pitchFamily="49" charset="0"/>
+              </a:rPr>
+              <a:t>++;</a:t>
             </a:r>
           </a:p>
           <a:p>
@@ -14574,7 +14927,7 @@
                 <a:latin typeface="Consolas" pitchFamily="49" charset="0"/>
                 <a:cs typeface="Consolas" pitchFamily="49" charset="0"/>
               </a:rPr>
-              <a:t>print</a:t>
+              <a:t>} while </a:t>
             </a:r>
             <a:r>
               <a:rPr lang="en-US" sz="2000" b="1" noProof="1">
@@ -14591,7 +14944,168 @@
                 <a:latin typeface="Consolas" pitchFamily="49" charset="0"/>
                 <a:cs typeface="Consolas" pitchFamily="49" charset="0"/>
               </a:rPr>
-              <a:t>("output-tb",productStr);</a:t>
+              <a:t>(number &lt;= m);</a:t>
+            </a:r>
+          </a:p>
+          <a:p>
+            <a:pPr lvl="1" eaLnBrk="0" hangingPunct="0">
+              <a:spcBef>
+                <a:spcPts val="600"/>
+              </a:spcBef>
+              <a:buClr>
+                <a:schemeClr val="accent5">
+                  <a:lumMod val="40000"/>
+                  <a:lumOff val="60000"/>
+                </a:schemeClr>
+              </a:buClr>
+              <a:buSzPct val="70000"/>
+            </a:pPr>
+            <a:r>
+              <a:rPr lang="en-US" sz="2000" b="1" noProof="1" smtClean="0">
+                <a:solidFill>
+                  <a:srgbClr val="8CF4F2"/>
+                </a:solidFill>
+                <a:effectLst>
+                  <a:outerShdw blurRad="38100" dist="38100" dir="2700000" algn="tl">
+                    <a:srgbClr val="000000">
+                      <a:alpha val="43137"/>
+                    </a:srgbClr>
+                  </a:outerShdw>
+                </a:effectLst>
+                <a:latin typeface="Consolas" pitchFamily="49" charset="0"/>
+                <a:cs typeface="Consolas" pitchFamily="49" charset="0"/>
+              </a:rPr>
+              <a:t>productStr </a:t>
+            </a:r>
+            <a:r>
+              <a:rPr lang="en-US" sz="2000" b="1" noProof="1">
+                <a:solidFill>
+                  <a:srgbClr val="8CF4F2"/>
+                </a:solidFill>
+                <a:effectLst>
+                  <a:outerShdw blurRad="38100" dist="38100" dir="2700000" algn="tl">
+                    <a:srgbClr val="000000">
+                      <a:alpha val="43137"/>
+                    </a:srgbClr>
+                  </a:outerShdw>
+                </a:effectLst>
+                <a:latin typeface="Consolas" pitchFamily="49" charset="0"/>
+                <a:cs typeface="Consolas" pitchFamily="49" charset="0"/>
+              </a:rPr>
+              <a:t>+= </a:t>
+            </a:r>
+            <a:r>
+              <a:rPr lang="en-US" sz="2000" b="1" noProof="1" smtClean="0">
+                <a:solidFill>
+                  <a:srgbClr val="8CF4F2"/>
+                </a:solidFill>
+                <a:effectLst>
+                  <a:outerShdw blurRad="38100" dist="38100" dir="2700000" algn="tl">
+                    <a:srgbClr val="000000">
+                      <a:alpha val="43137"/>
+                    </a:srgbClr>
+                  </a:outerShdw>
+                </a:effectLst>
+                <a:latin typeface="Consolas" pitchFamily="49" charset="0"/>
+                <a:cs typeface="Consolas" pitchFamily="49" charset="0"/>
+              </a:rPr>
+              <a:t>' </a:t>
+            </a:r>
+            <a:r>
+              <a:rPr lang="en-US" sz="2000" b="1" noProof="1">
+                <a:solidFill>
+                  <a:srgbClr val="8CF4F2"/>
+                </a:solidFill>
+                <a:effectLst>
+                  <a:outerShdw blurRad="38100" dist="38100" dir="2700000" algn="tl">
+                    <a:srgbClr val="000000">
+                      <a:alpha val="43137"/>
+                    </a:srgbClr>
+                  </a:outerShdw>
+                </a:effectLst>
+                <a:latin typeface="Consolas" pitchFamily="49" charset="0"/>
+                <a:cs typeface="Consolas" pitchFamily="49" charset="0"/>
+              </a:rPr>
+              <a:t>= </a:t>
+            </a:r>
+            <a:r>
+              <a:rPr lang="en-US" sz="2000" b="1" noProof="1" smtClean="0">
+                <a:solidFill>
+                  <a:srgbClr val="8CF4F2"/>
+                </a:solidFill>
+                <a:effectLst>
+                  <a:outerShdw blurRad="38100" dist="38100" dir="2700000" algn="tl">
+                    <a:srgbClr val="000000">
+                      <a:alpha val="43137"/>
+                    </a:srgbClr>
+                  </a:outerShdw>
+                </a:effectLst>
+                <a:latin typeface="Consolas" pitchFamily="49" charset="0"/>
+                <a:cs typeface="Consolas" pitchFamily="49" charset="0"/>
+              </a:rPr>
+              <a:t>' </a:t>
+            </a:r>
+            <a:r>
+              <a:rPr lang="en-US" sz="2000" b="1" noProof="1">
+                <a:solidFill>
+                  <a:srgbClr val="8CF4F2"/>
+                </a:solidFill>
+                <a:effectLst>
+                  <a:outerShdw blurRad="38100" dist="38100" dir="2700000" algn="tl">
+                    <a:srgbClr val="000000">
+                      <a:alpha val="43137"/>
+                    </a:srgbClr>
+                  </a:outerShdw>
+                </a:effectLst>
+                <a:latin typeface="Consolas" pitchFamily="49" charset="0"/>
+                <a:cs typeface="Consolas" pitchFamily="49" charset="0"/>
+              </a:rPr>
+              <a:t>+ product;</a:t>
+            </a:r>
+          </a:p>
+          <a:p>
+            <a:pPr lvl="1" eaLnBrk="0" hangingPunct="0">
+              <a:buClr>
+                <a:schemeClr val="accent5">
+                  <a:lumMod val="40000"/>
+                  <a:lumOff val="60000"/>
+                </a:schemeClr>
+              </a:buClr>
+              <a:buSzPct val="70000"/>
+            </a:pPr>
+            <a:r>
+              <a:rPr lang="en-US" sz="2000" b="1" noProof="1" smtClean="0">
+                <a:solidFill>
+                  <a:srgbClr val="8CF4F2"/>
+                </a:solidFill>
+                <a:effectLst>
+                  <a:outerShdw blurRad="38100" dist="38100" dir="2700000" algn="tl">
+                    <a:srgbClr val="000000">
+                      <a:alpha val="43137"/>
+                    </a:srgbClr>
+                  </a:outerShdw>
+                </a:effectLst>
+                <a:latin typeface="Consolas" pitchFamily="49" charset="0"/>
+                <a:cs typeface="Consolas" pitchFamily="49" charset="0"/>
+              </a:rPr>
+              <a:t>print('output-tb', productStr</a:t>
+            </a:r>
+            <a:r>
+              <a:rPr lang="en-US" sz="2000" b="1" noProof="1">
+                <a:solidFill>
+                  <a:srgbClr val="8CF4F2"/>
+                </a:solidFill>
+                <a:effectLst>
+                  <a:outerShdw blurRad="38100" dist="38100" dir="2700000" algn="tl">
+                    <a:srgbClr val="000000">
+                      <a:alpha val="43137"/>
+                    </a:srgbClr>
+                  </a:outerShdw>
+                </a:effectLst>
+                <a:latin typeface="Consolas" pitchFamily="49" charset="0"/>
+                <a:cs typeface="Consolas" pitchFamily="49" charset="0"/>
+              </a:rPr>
+              <a:t>);</a:t>
             </a:r>
           </a:p>
         </p:txBody>
@@ -15437,7 +15951,7 @@
                 <a:latin typeface="Consolas" pitchFamily="49" charset="0"/>
                 <a:cs typeface="Consolas" pitchFamily="49" charset="0"/>
               </a:rPr>
-              <a:t>for (initialization; test; update){</a:t>
+              <a:t>for (initialization; test; update) {</a:t>
             </a:r>
             <a:br>
               <a:rPr lang="en-US" sz="2200" b="1" noProof="1" smtClean="0">
@@ -15721,7 +16235,7 @@
                 <a:latin typeface="Consolas" pitchFamily="49" charset="0"/>
                 <a:cs typeface="Consolas" pitchFamily="49" charset="0"/>
               </a:rPr>
-              <a:t>; ...; ...){</a:t>
+              <a:t>; ...; ...) {</a:t>
             </a:r>
             <a:br>
               <a:rPr lang="en-US" sz="2200" b="1" noProof="1" smtClean="0">
@@ -16210,7 +16724,7 @@
                 <a:latin typeface="Consolas" pitchFamily="49" charset="0"/>
                 <a:cs typeface="Consolas" pitchFamily="49" charset="0"/>
               </a:rPr>
-              <a:t>; ...){</a:t>
+              <a:t>; ...) {</a:t>
             </a:r>
             <a:br>
               <a:rPr lang="en-US" sz="2200" b="1" noProof="1" smtClean="0">
@@ -16595,8 +17109,8 @@
         </p:nvSpPr>
         <p:spPr bwMode="auto">
           <a:xfrm>
-            <a:off x="754063" y="1677650"/>
-            <a:ext cx="7562850" cy="1446550"/>
+            <a:off x="754062" y="1677650"/>
+            <a:ext cx="7704137" cy="1446550"/>
           </a:xfrm>
           <a:prstGeom prst="rect">
             <a:avLst/>
@@ -16684,7 +17198,7 @@
                 <a:latin typeface="Consolas" pitchFamily="49" charset="0"/>
                 <a:cs typeface="Consolas" pitchFamily="49" charset="0"/>
               </a:rPr>
-              <a:t>){</a:t>
+              <a:t>) {</a:t>
             </a:r>
             <a:br>
               <a:rPr lang="en-US" sz="2200" b="1" noProof="1" smtClean="0">
@@ -17102,7 +17616,7 @@
         <p:spPr bwMode="auto">
           <a:xfrm>
             <a:off x="815975" y="2168604"/>
-            <a:ext cx="7489825" cy="1107996"/>
+            <a:ext cx="7718425" cy="1107996"/>
           </a:xfrm>
           <a:prstGeom prst="rect">
             <a:avLst/>
@@ -17153,7 +17667,7 @@
                 <a:latin typeface="Consolas" pitchFamily="49" charset="0"/>
                 <a:cs typeface="Consolas" pitchFamily="49" charset="0"/>
               </a:rPr>
-              <a:t>for (var number = 0; number &lt; 10; number++){</a:t>
+              <a:t>for (var number = 0; number &lt; 10; number++) {</a:t>
             </a:r>
           </a:p>
           <a:p>
@@ -17181,7 +17695,41 @@
                 <a:latin typeface="Consolas" pitchFamily="49" charset="0"/>
                 <a:cs typeface="Consolas" pitchFamily="49" charset="0"/>
               </a:rPr>
-              <a:t>    console.log(number + " ");</a:t>
+              <a:t>    console.log(number + ' </a:t>
+            </a:r>
+            <a:r>
+              <a:rPr lang="nn-NO" sz="2200" b="1" noProof="1">
+                <a:solidFill>
+                  <a:srgbClr val="8CF4F2"/>
+                </a:solidFill>
+                <a:effectLst>
+                  <a:outerShdw blurRad="38100" dist="38100" dir="2700000" algn="tl">
+                    <a:srgbClr val="000000">
+                      <a:alpha val="43137"/>
+                    </a:srgbClr>
+                  </a:outerShdw>
+                </a:effectLst>
+                <a:latin typeface="Consolas" pitchFamily="49" charset="0"/>
+                <a:cs typeface="Consolas" pitchFamily="49" charset="0"/>
+              </a:rPr>
+              <a:t>'</a:t>
+            </a:r>
+            <a:r>
+              <a:rPr lang="nn-NO" sz="2200" b="1" noProof="1" smtClean="0">
+                <a:solidFill>
+                  <a:srgbClr val="8CF4F2"/>
+                </a:solidFill>
+                <a:effectLst>
+                  <a:outerShdw blurRad="38100" dist="38100" dir="2700000" algn="tl">
+                    <a:srgbClr val="000000">
+                      <a:alpha val="43137"/>
+                    </a:srgbClr>
+                  </a:outerShdw>
+                </a:effectLst>
+                <a:latin typeface="Consolas" pitchFamily="49" charset="0"/>
+                <a:cs typeface="Consolas" pitchFamily="49" charset="0"/>
+              </a:rPr>
+              <a:t>);</a:t>
             </a:r>
           </a:p>
           <a:p>
@@ -17330,7 +17878,7 @@
         <p:spPr bwMode="auto">
           <a:xfrm>
             <a:off x="835025" y="4419600"/>
-            <a:ext cx="7489825" cy="1446550"/>
+            <a:ext cx="7699375" cy="1446550"/>
           </a:xfrm>
           <a:prstGeom prst="rect">
             <a:avLst/>
@@ -17409,7 +17957,7 @@
                 <a:latin typeface="Consolas" pitchFamily="49" charset="0"/>
                 <a:cs typeface="Consolas" pitchFamily="49" charset="0"/>
               </a:rPr>
-              <a:t>for (var i = 1; i &lt;= n; i++){</a:t>
+              <a:t>for (var i = 1; i &lt;= n; i++) {</a:t>
             </a:r>
           </a:p>
           <a:p>
@@ -17807,7 +18355,7 @@
                 <a:latin typeface="Consolas" pitchFamily="49" charset="0"/>
                 <a:cs typeface="Consolas" pitchFamily="49" charset="0"/>
               </a:rPr>
-              <a:t>for (var i=1, sum=1; i&lt;=128; i=i*2, sum+=i){</a:t>
+              <a:t>for (var i=1, sum=1; i&lt;=128; i=i*2, sum+=i) {</a:t>
             </a:r>
           </a:p>
           <a:p>
@@ -17835,7 +18383,7 @@
                 <a:latin typeface="Consolas" pitchFamily="49" charset="0"/>
                 <a:cs typeface="Consolas" pitchFamily="49" charset="0"/>
               </a:rPr>
-              <a:t>    console.log("i=" + i + ", sum=" +sum);</a:t>
+              <a:t>    console.log('i=' + i + ', sum=' +sum);</a:t>
             </a:r>
           </a:p>
           <a:p>
@@ -18319,7 +18867,7 @@
         <p:spPr bwMode="auto">
           <a:xfrm>
             <a:off x="827088" y="2600742"/>
-            <a:ext cx="7489825" cy="2123658"/>
+            <a:ext cx="7489825" cy="2462213"/>
           </a:xfrm>
           <a:prstGeom prst="rect">
             <a:avLst/>
@@ -18483,7 +19031,7 @@
                 <a:latin typeface="Consolas" pitchFamily="49" charset="0"/>
                 <a:cs typeface="Consolas" pitchFamily="49" charset="0"/>
               </a:rPr>
-              <a:t>++){</a:t>
+              <a:t>++) {</a:t>
             </a:r>
             <a:endParaRPr lang="en-US" sz="2200" b="1" noProof="1">
               <a:solidFill>
@@ -18578,6 +19126,34 @@
               </a:rPr>
               <a:t>}</a:t>
             </a:r>
+          </a:p>
+          <a:p>
+            <a:pPr lvl="1" eaLnBrk="0" hangingPunct="0">
+              <a:spcBef>
+                <a:spcPts val="0"/>
+              </a:spcBef>
+              <a:buClr>
+                <a:schemeClr val="accent5">
+                  <a:lumMod val="40000"/>
+                  <a:lumOff val="60000"/>
+                </a:schemeClr>
+              </a:buClr>
+              <a:buSzPct val="70000"/>
+            </a:pPr>
+            <a:endParaRPr lang="en-US" sz="2200" b="1" noProof="1" smtClean="0">
+              <a:solidFill>
+                <a:srgbClr val="8CF4F2"/>
+              </a:solidFill>
+              <a:effectLst>
+                <a:outerShdw blurRad="38100" dist="38100" dir="2700000" algn="tl">
+                  <a:srgbClr val="000000">
+                    <a:alpha val="43137"/>
+                  </a:srgbClr>
+                </a:outerShdw>
+              </a:effectLst>
+              <a:latin typeface="Consolas" pitchFamily="49" charset="0"/>
+              <a:cs typeface="Consolas" pitchFamily="49" charset="0"/>
+            </a:endParaRPr>
           </a:p>
           <a:p>
             <a:pPr lvl="1" eaLnBrk="0" hangingPunct="0">
@@ -19336,7 +19912,7 @@
                 <a:latin typeface="Consolas" pitchFamily="49" charset="0"/>
                 <a:cs typeface="Consolas" pitchFamily="49" charset="0"/>
               </a:rPr>
-              <a:t>for (initialization; test; update){</a:t>
+              <a:t>for (initialization; test; update) {</a:t>
             </a:r>
           </a:p>
           <a:p>
@@ -19367,7 +19943,7 @@
                 <a:latin typeface="Consolas" pitchFamily="49" charset="0"/>
                 <a:cs typeface="Consolas" pitchFamily="49" charset="0"/>
               </a:rPr>
-              <a:t>  for (initialization; test; update){		</a:t>
+              <a:t>    for (initialization; test; update) {		</a:t>
             </a:r>
           </a:p>
           <a:p>
@@ -19398,7 +19974,7 @@
                 <a:latin typeface="Consolas" pitchFamily="49" charset="0"/>
                 <a:cs typeface="Consolas" pitchFamily="49" charset="0"/>
               </a:rPr>
-              <a:t>    statements;</a:t>
+              <a:t>        statements;</a:t>
             </a:r>
           </a:p>
           <a:p>
@@ -19426,7 +20002,7 @@
                 <a:latin typeface="Consolas" pitchFamily="49" charset="0"/>
                 <a:cs typeface="Consolas" pitchFamily="49" charset="0"/>
               </a:rPr>
-              <a:t>  }</a:t>
+              <a:t>    }</a:t>
             </a:r>
           </a:p>
           <a:p>
@@ -19454,7 +20030,7 @@
                 <a:latin typeface="Consolas" pitchFamily="49" charset="0"/>
                 <a:cs typeface="Consolas" pitchFamily="49" charset="0"/>
               </a:rPr>
-              <a:t>  …</a:t>
+              <a:t>    …</a:t>
             </a:r>
           </a:p>
           <a:p>
@@ -19872,8 +20448,39 @@
                 <a:latin typeface="Consolas" pitchFamily="49" charset="0"/>
                 <a:cs typeface="Consolas" pitchFamily="49" charset="0"/>
               </a:rPr>
-              <a:t>   var resultStr="";   </a:t>
-            </a:r>
+              <a:t>   var </a:t>
+            </a:r>
+            <a:r>
+              <a:rPr lang="en-US" sz="2000" b="1" noProof="1" smtClean="0">
+                <a:solidFill>
+                  <a:srgbClr val="8CF4F2"/>
+                </a:solidFill>
+                <a:effectLst>
+                  <a:outerShdw blurRad="38100" dist="38100" dir="2700000" algn="tl">
+                    <a:srgbClr val="000000">
+                      <a:alpha val="43137"/>
+                    </a:srgbClr>
+                  </a:outerShdw>
+                </a:effectLst>
+                <a:latin typeface="Consolas" pitchFamily="49" charset="0"/>
+                <a:cs typeface="Consolas" pitchFamily="49" charset="0"/>
+              </a:rPr>
+              <a:t>resultStr = '';   </a:t>
+            </a:r>
+            <a:endParaRPr lang="en-US" sz="2000" b="1" noProof="1">
+              <a:solidFill>
+                <a:srgbClr val="8CF4F2"/>
+              </a:solidFill>
+              <a:effectLst>
+                <a:outerShdw blurRad="38100" dist="38100" dir="2700000" algn="tl">
+                  <a:srgbClr val="000000">
+                    <a:alpha val="43137"/>
+                  </a:srgbClr>
+                </a:outerShdw>
+              </a:effectLst>
+              <a:latin typeface="Consolas" pitchFamily="49" charset="0"/>
+              <a:cs typeface="Consolas" pitchFamily="49" charset="0"/>
+            </a:endParaRPr>
           </a:p>
           <a:p>
             <a:pPr eaLnBrk="0" hangingPunct="0">
@@ -19900,8 +20507,39 @@
                 <a:latin typeface="Consolas" pitchFamily="49" charset="0"/>
                 <a:cs typeface="Consolas" pitchFamily="49" charset="0"/>
               </a:rPr>
-              <a:t>   for(var row = 1; row &lt;= n; row++){</a:t>
-            </a:r>
+              <a:t>   for(var row = 1; row &lt;= n; row</a:t>
+            </a:r>
+            <a:r>
+              <a:rPr lang="en-US" sz="2000" b="1" noProof="1" smtClean="0">
+                <a:solidFill>
+                  <a:srgbClr val="8CF4F2"/>
+                </a:solidFill>
+                <a:effectLst>
+                  <a:outerShdw blurRad="38100" dist="38100" dir="2700000" algn="tl">
+                    <a:srgbClr val="000000">
+                      <a:alpha val="43137"/>
+                    </a:srgbClr>
+                  </a:outerShdw>
+                </a:effectLst>
+                <a:latin typeface="Consolas" pitchFamily="49" charset="0"/>
+                <a:cs typeface="Consolas" pitchFamily="49" charset="0"/>
+              </a:rPr>
+              <a:t>++) {</a:t>
+            </a:r>
+            <a:endParaRPr lang="en-US" sz="2000" b="1" noProof="1">
+              <a:solidFill>
+                <a:srgbClr val="8CF4F2"/>
+              </a:solidFill>
+              <a:effectLst>
+                <a:outerShdw blurRad="38100" dist="38100" dir="2700000" algn="tl">
+                  <a:srgbClr val="000000">
+                    <a:alpha val="43137"/>
+                  </a:srgbClr>
+                </a:outerShdw>
+              </a:effectLst>
+              <a:latin typeface="Consolas" pitchFamily="49" charset="0"/>
+              <a:cs typeface="Consolas" pitchFamily="49" charset="0"/>
+            </a:endParaRPr>
           </a:p>
           <a:p>
             <a:pPr eaLnBrk="0" hangingPunct="0">
@@ -19928,8 +20566,39 @@
                 <a:latin typeface="Consolas" pitchFamily="49" charset="0"/>
                 <a:cs typeface="Consolas" pitchFamily="49" charset="0"/>
               </a:rPr>
-              <a:t>      for(var column = 1; column &lt;= row; column++){</a:t>
-            </a:r>
+              <a:t>      for(var column = 1; column &lt;= row; column</a:t>
+            </a:r>
+            <a:r>
+              <a:rPr lang="en-US" sz="2000" b="1" noProof="1" smtClean="0">
+                <a:solidFill>
+                  <a:srgbClr val="8CF4F2"/>
+                </a:solidFill>
+                <a:effectLst>
+                  <a:outerShdw blurRad="38100" dist="38100" dir="2700000" algn="tl">
+                    <a:srgbClr val="000000">
+                      <a:alpha val="43137"/>
+                    </a:srgbClr>
+                  </a:outerShdw>
+                </a:effectLst>
+                <a:latin typeface="Consolas" pitchFamily="49" charset="0"/>
+                <a:cs typeface="Consolas" pitchFamily="49" charset="0"/>
+              </a:rPr>
+              <a:t>++) {</a:t>
+            </a:r>
+            <a:endParaRPr lang="en-US" sz="2000" b="1" noProof="1">
+              <a:solidFill>
+                <a:srgbClr val="8CF4F2"/>
+              </a:solidFill>
+              <a:effectLst>
+                <a:outerShdw blurRad="38100" dist="38100" dir="2700000" algn="tl">
+                  <a:srgbClr val="000000">
+                    <a:alpha val="43137"/>
+                  </a:srgbClr>
+                </a:outerShdw>
+              </a:effectLst>
+              <a:latin typeface="Consolas" pitchFamily="49" charset="0"/>
+              <a:cs typeface="Consolas" pitchFamily="49" charset="0"/>
+            </a:endParaRPr>
           </a:p>
           <a:p>
             <a:pPr eaLnBrk="0" hangingPunct="0">
@@ -19956,8 +20625,39 @@
                 <a:latin typeface="Consolas" pitchFamily="49" charset="0"/>
                 <a:cs typeface="Consolas" pitchFamily="49" charset="0"/>
               </a:rPr>
-              <a:t>         resultStr += column + " ";</a:t>
-            </a:r>
+              <a:t>         resultStr += column + </a:t>
+            </a:r>
+            <a:r>
+              <a:rPr lang="en-US" sz="2000" b="1" noProof="1" smtClean="0">
+                <a:solidFill>
+                  <a:srgbClr val="8CF4F2"/>
+                </a:solidFill>
+                <a:effectLst>
+                  <a:outerShdw blurRad="38100" dist="38100" dir="2700000" algn="tl">
+                    <a:srgbClr val="000000">
+                      <a:alpha val="43137"/>
+                    </a:srgbClr>
+                  </a:outerShdw>
+                </a:effectLst>
+                <a:latin typeface="Consolas" pitchFamily="49" charset="0"/>
+                <a:cs typeface="Consolas" pitchFamily="49" charset="0"/>
+              </a:rPr>
+              <a:t>' ';</a:t>
+            </a:r>
+            <a:endParaRPr lang="en-US" sz="2000" b="1" noProof="1">
+              <a:solidFill>
+                <a:srgbClr val="8CF4F2"/>
+              </a:solidFill>
+              <a:effectLst>
+                <a:outerShdw blurRad="38100" dist="38100" dir="2700000" algn="tl">
+                  <a:srgbClr val="000000">
+                    <a:alpha val="43137"/>
+                  </a:srgbClr>
+                </a:outerShdw>
+              </a:effectLst>
+              <a:latin typeface="Consolas" pitchFamily="49" charset="0"/>
+              <a:cs typeface="Consolas" pitchFamily="49" charset="0"/>
+            </a:endParaRPr>
           </a:p>
           <a:p>
             <a:pPr eaLnBrk="0" hangingPunct="0">
@@ -20012,8 +20712,39 @@
                 <a:latin typeface="Consolas" pitchFamily="49" charset="0"/>
                 <a:cs typeface="Consolas" pitchFamily="49" charset="0"/>
               </a:rPr>
-              <a:t>      resultStr += "\n";</a:t>
-            </a:r>
+              <a:t>      resultStr += </a:t>
+            </a:r>
+            <a:r>
+              <a:rPr lang="en-US" sz="2000" b="1" noProof="1" smtClean="0">
+                <a:solidFill>
+                  <a:srgbClr val="8CF4F2"/>
+                </a:solidFill>
+                <a:effectLst>
+                  <a:outerShdw blurRad="38100" dist="38100" dir="2700000" algn="tl">
+                    <a:srgbClr val="000000">
+                      <a:alpha val="43137"/>
+                    </a:srgbClr>
+                  </a:outerShdw>
+                </a:effectLst>
+                <a:latin typeface="Consolas" pitchFamily="49" charset="0"/>
+                <a:cs typeface="Consolas" pitchFamily="49" charset="0"/>
+              </a:rPr>
+              <a:t>'\n';</a:t>
+            </a:r>
+            <a:endParaRPr lang="en-US" sz="2000" b="1" noProof="1">
+              <a:solidFill>
+                <a:srgbClr val="8CF4F2"/>
+              </a:solidFill>
+              <a:effectLst>
+                <a:outerShdw blurRad="38100" dist="38100" dir="2700000" algn="tl">
+                  <a:srgbClr val="000000">
+                    <a:alpha val="43137"/>
+                  </a:srgbClr>
+                </a:outerShdw>
+              </a:effectLst>
+              <a:latin typeface="Consolas" pitchFamily="49" charset="0"/>
+              <a:cs typeface="Consolas" pitchFamily="49" charset="0"/>
+            </a:endParaRPr>
           </a:p>
           <a:p>
             <a:pPr lvl="1" eaLnBrk="0" hangingPunct="0">
@@ -20411,7 +21142,7 @@
                 <a:latin typeface="Consolas" pitchFamily="49" charset="0"/>
                 <a:cs typeface="Consolas" pitchFamily="49" charset="0"/>
               </a:rPr>
-              <a:t>="";</a:t>
+              <a:t>='';</a:t>
             </a:r>
           </a:p>
           <a:p>
@@ -20456,19 +21187,8 @@
                 <a:latin typeface="Consolas" pitchFamily="49" charset="0"/>
                 <a:cs typeface="Consolas" pitchFamily="49" charset="0"/>
               </a:rPr>
-              <a:t>(var number = n; number &lt;= m; number++){</a:t>
-            </a:r>
-          </a:p>
-          <a:p>
-            <a:pPr lvl="1" eaLnBrk="0" hangingPunct="0">
-              <a:buClr>
-                <a:schemeClr val="accent5">
-                  <a:lumMod val="40000"/>
-                  <a:lumOff val="60000"/>
-                </a:schemeClr>
-              </a:buClr>
-              <a:buSzPct val="70000"/>
-            </a:pPr>
+              <a:t>(var number = n; number &lt;= m; number</a:t>
+            </a:r>
             <a:r>
               <a:rPr lang="en-US" sz="1800" b="1" noProof="1" smtClean="0">
                 <a:solidFill>
@@ -20484,322 +21204,7 @@
                 <a:latin typeface="Consolas" pitchFamily="49" charset="0"/>
                 <a:cs typeface="Consolas" pitchFamily="49" charset="0"/>
               </a:rPr>
-              <a:t>var isPrime </a:t>
-            </a:r>
-            <a:r>
-              <a:rPr lang="en-US" sz="1800" b="1" noProof="1">
-                <a:solidFill>
-                  <a:srgbClr val="8CF4F2"/>
-                </a:solidFill>
-                <a:effectLst>
-                  <a:outerShdw blurRad="38100" dist="38100" dir="2700000" algn="tl">
-                    <a:srgbClr val="000000">
-                      <a:alpha val="43137"/>
-                    </a:srgbClr>
-                  </a:outerShdw>
-                </a:effectLst>
-                <a:latin typeface="Consolas" pitchFamily="49" charset="0"/>
-                <a:cs typeface="Consolas" pitchFamily="49" charset="0"/>
-              </a:rPr>
-              <a:t>= true;</a:t>
-            </a:r>
-          </a:p>
-          <a:p>
-            <a:pPr lvl="1" eaLnBrk="0" hangingPunct="0">
-              <a:buClr>
-                <a:schemeClr val="accent5">
-                  <a:lumMod val="40000"/>
-                  <a:lumOff val="60000"/>
-                </a:schemeClr>
-              </a:buClr>
-              <a:buSzPct val="70000"/>
-            </a:pPr>
-            <a:r>
-              <a:rPr lang="en-US" sz="1800" b="1" noProof="1" smtClean="0">
-                <a:solidFill>
-                  <a:srgbClr val="8CF4F2"/>
-                </a:solidFill>
-                <a:effectLst>
-                  <a:outerShdw blurRad="38100" dist="38100" dir="2700000" algn="tl">
-                    <a:srgbClr val="000000">
-                      <a:alpha val="43137"/>
-                    </a:srgbClr>
-                  </a:outerShdw>
-                </a:effectLst>
-                <a:latin typeface="Consolas" pitchFamily="49" charset="0"/>
-                <a:cs typeface="Consolas" pitchFamily="49" charset="0"/>
-              </a:rPr>
-              <a:t>var </a:t>
-            </a:r>
-            <a:r>
-              <a:rPr lang="en-US" sz="1800" b="1" noProof="1">
-                <a:solidFill>
-                  <a:srgbClr val="8CF4F2"/>
-                </a:solidFill>
-                <a:effectLst>
-                  <a:outerShdw blurRad="38100" dist="38100" dir="2700000" algn="tl">
-                    <a:srgbClr val="000000">
-                      <a:alpha val="43137"/>
-                    </a:srgbClr>
-                  </a:outerShdw>
-                </a:effectLst>
-                <a:latin typeface="Consolas" pitchFamily="49" charset="0"/>
-                <a:cs typeface="Consolas" pitchFamily="49" charset="0"/>
-              </a:rPr>
-              <a:t>divider = 2;</a:t>
-            </a:r>
-          </a:p>
-          <a:p>
-            <a:pPr lvl="1" eaLnBrk="0" hangingPunct="0">
-              <a:buClr>
-                <a:schemeClr val="accent5">
-                  <a:lumMod val="40000"/>
-                  <a:lumOff val="60000"/>
-                </a:schemeClr>
-              </a:buClr>
-              <a:buSzPct val="70000"/>
-            </a:pPr>
-            <a:r>
-              <a:rPr lang="en-US" sz="1800" b="1" noProof="1" smtClean="0">
-                <a:solidFill>
-                  <a:srgbClr val="8CF4F2"/>
-                </a:solidFill>
-                <a:effectLst>
-                  <a:outerShdw blurRad="38100" dist="38100" dir="2700000" algn="tl">
-                    <a:srgbClr val="000000">
-                      <a:alpha val="43137"/>
-                    </a:srgbClr>
-                  </a:outerShdw>
-                </a:effectLst>
-                <a:latin typeface="Consolas" pitchFamily="49" charset="0"/>
-                <a:cs typeface="Consolas" pitchFamily="49" charset="0"/>
-              </a:rPr>
-              <a:t>var </a:t>
-            </a:r>
-            <a:r>
-              <a:rPr lang="en-US" sz="1800" b="1" noProof="1">
-                <a:solidFill>
-                  <a:srgbClr val="8CF4F2"/>
-                </a:solidFill>
-                <a:effectLst>
-                  <a:outerShdw blurRad="38100" dist="38100" dir="2700000" algn="tl">
-                    <a:srgbClr val="000000">
-                      <a:alpha val="43137"/>
-                    </a:srgbClr>
-                  </a:outerShdw>
-                </a:effectLst>
-                <a:latin typeface="Consolas" pitchFamily="49" charset="0"/>
-                <a:cs typeface="Consolas" pitchFamily="49" charset="0"/>
-              </a:rPr>
-              <a:t>maxDivider = Math.sqrt(number);</a:t>
-            </a:r>
-          </a:p>
-          <a:p>
-            <a:pPr lvl="1" eaLnBrk="0" hangingPunct="0">
-              <a:buClr>
-                <a:schemeClr val="accent5">
-                  <a:lumMod val="40000"/>
-                  <a:lumOff val="60000"/>
-                </a:schemeClr>
-              </a:buClr>
-              <a:buSzPct val="70000"/>
-            </a:pPr>
-            <a:r>
-              <a:rPr lang="en-US" sz="1800" b="1" noProof="1" smtClean="0">
-                <a:solidFill>
-                  <a:srgbClr val="8CF4F2"/>
-                </a:solidFill>
-                <a:effectLst>
-                  <a:outerShdw blurRad="38100" dist="38100" dir="2700000" algn="tl">
-                    <a:srgbClr val="000000">
-                      <a:alpha val="43137"/>
-                    </a:srgbClr>
-                  </a:outerShdw>
-                </a:effectLst>
-                <a:latin typeface="Consolas" pitchFamily="49" charset="0"/>
-                <a:cs typeface="Consolas" pitchFamily="49" charset="0"/>
-              </a:rPr>
-              <a:t>while </a:t>
-            </a:r>
-            <a:r>
-              <a:rPr lang="en-US" sz="1800" b="1" noProof="1">
-                <a:solidFill>
-                  <a:srgbClr val="8CF4F2"/>
-                </a:solidFill>
-                <a:effectLst>
-                  <a:outerShdw blurRad="38100" dist="38100" dir="2700000" algn="tl">
-                    <a:srgbClr val="000000">
-                      <a:alpha val="43137"/>
-                    </a:srgbClr>
-                  </a:outerShdw>
-                </a:effectLst>
-                <a:latin typeface="Consolas" pitchFamily="49" charset="0"/>
-                <a:cs typeface="Consolas" pitchFamily="49" charset="0"/>
-              </a:rPr>
-              <a:t>(divider &lt;= maxDivider){</a:t>
-            </a:r>
-          </a:p>
-          <a:p>
-            <a:pPr lvl="2" eaLnBrk="0" hangingPunct="0">
-              <a:buClr>
-                <a:schemeClr val="accent5">
-                  <a:lumMod val="40000"/>
-                  <a:lumOff val="60000"/>
-                </a:schemeClr>
-              </a:buClr>
-              <a:buSzPct val="70000"/>
-            </a:pPr>
-            <a:r>
-              <a:rPr lang="en-US" sz="1800" b="1" noProof="1" smtClean="0">
-                <a:solidFill>
-                  <a:srgbClr val="8CF4F2"/>
-                </a:solidFill>
-                <a:effectLst>
-                  <a:outerShdw blurRad="38100" dist="38100" dir="2700000" algn="tl">
-                    <a:srgbClr val="000000">
-                      <a:alpha val="43137"/>
-                    </a:srgbClr>
-                  </a:outerShdw>
-                </a:effectLst>
-                <a:latin typeface="Consolas" pitchFamily="49" charset="0"/>
-                <a:cs typeface="Consolas" pitchFamily="49" charset="0"/>
-              </a:rPr>
-              <a:t>if </a:t>
-            </a:r>
-            <a:r>
-              <a:rPr lang="en-US" sz="1800" b="1" noProof="1">
-                <a:solidFill>
-                  <a:srgbClr val="8CF4F2"/>
-                </a:solidFill>
-                <a:effectLst>
-                  <a:outerShdw blurRad="38100" dist="38100" dir="2700000" algn="tl">
-                    <a:srgbClr val="000000">
-                      <a:alpha val="43137"/>
-                    </a:srgbClr>
-                  </a:outerShdw>
-                </a:effectLst>
-                <a:latin typeface="Consolas" pitchFamily="49" charset="0"/>
-                <a:cs typeface="Consolas" pitchFamily="49" charset="0"/>
-              </a:rPr>
-              <a:t>(number % divider == 0){</a:t>
-            </a:r>
-          </a:p>
-          <a:p>
-            <a:pPr lvl="3" eaLnBrk="0" hangingPunct="0">
-              <a:buClr>
-                <a:schemeClr val="accent5">
-                  <a:lumMod val="40000"/>
-                  <a:lumOff val="60000"/>
-                </a:schemeClr>
-              </a:buClr>
-              <a:buSzPct val="70000"/>
-            </a:pPr>
-            <a:r>
-              <a:rPr lang="en-US" sz="1800" b="1" noProof="1" smtClean="0">
-                <a:solidFill>
-                  <a:srgbClr val="8CF4F2"/>
-                </a:solidFill>
-                <a:effectLst>
-                  <a:outerShdw blurRad="38100" dist="38100" dir="2700000" algn="tl">
-                    <a:srgbClr val="000000">
-                      <a:alpha val="43137"/>
-                    </a:srgbClr>
-                  </a:outerShdw>
-                </a:effectLst>
-                <a:latin typeface="Consolas" pitchFamily="49" charset="0"/>
-                <a:cs typeface="Consolas" pitchFamily="49" charset="0"/>
-              </a:rPr>
-              <a:t>isPrime </a:t>
-            </a:r>
-            <a:r>
-              <a:rPr lang="en-US" sz="1800" b="1" noProof="1">
-                <a:solidFill>
-                  <a:srgbClr val="8CF4F2"/>
-                </a:solidFill>
-                <a:effectLst>
-                  <a:outerShdw blurRad="38100" dist="38100" dir="2700000" algn="tl">
-                    <a:srgbClr val="000000">
-                      <a:alpha val="43137"/>
-                    </a:srgbClr>
-                  </a:outerShdw>
-                </a:effectLst>
-                <a:latin typeface="Consolas" pitchFamily="49" charset="0"/>
-                <a:cs typeface="Consolas" pitchFamily="49" charset="0"/>
-              </a:rPr>
-              <a:t>= false;</a:t>
-            </a:r>
-          </a:p>
-          <a:p>
-            <a:pPr lvl="3" eaLnBrk="0" hangingPunct="0">
-              <a:buClr>
-                <a:schemeClr val="accent5">
-                  <a:lumMod val="40000"/>
-                  <a:lumOff val="60000"/>
-                </a:schemeClr>
-              </a:buClr>
-              <a:buSzPct val="70000"/>
-            </a:pPr>
-            <a:r>
-              <a:rPr lang="en-US" sz="1800" b="1" noProof="1" smtClean="0">
-                <a:solidFill>
-                  <a:srgbClr val="8CF4F2"/>
-                </a:solidFill>
-                <a:effectLst>
-                  <a:outerShdw blurRad="38100" dist="38100" dir="2700000" algn="tl">
-                    <a:srgbClr val="000000">
-                      <a:alpha val="43137"/>
-                    </a:srgbClr>
-                  </a:outerShdw>
-                </a:effectLst>
-                <a:latin typeface="Consolas" pitchFamily="49" charset="0"/>
-                <a:cs typeface="Consolas" pitchFamily="49" charset="0"/>
-              </a:rPr>
-              <a:t>break</a:t>
-            </a:r>
-            <a:r>
-              <a:rPr lang="en-US" sz="1800" b="1" noProof="1">
-                <a:solidFill>
-                  <a:srgbClr val="8CF4F2"/>
-                </a:solidFill>
-                <a:effectLst>
-                  <a:outerShdw blurRad="38100" dist="38100" dir="2700000" algn="tl">
-                    <a:srgbClr val="000000">
-                      <a:alpha val="43137"/>
-                    </a:srgbClr>
-                  </a:outerShdw>
-                </a:effectLst>
-                <a:latin typeface="Consolas" pitchFamily="49" charset="0"/>
-                <a:cs typeface="Consolas" pitchFamily="49" charset="0"/>
-              </a:rPr>
-              <a:t>;</a:t>
-            </a:r>
-          </a:p>
-          <a:p>
-            <a:pPr lvl="2" eaLnBrk="0" hangingPunct="0">
-              <a:buClr>
-                <a:schemeClr val="accent5">
-                  <a:lumMod val="40000"/>
-                  <a:lumOff val="60000"/>
-                </a:schemeClr>
-              </a:buClr>
-              <a:buSzPct val="70000"/>
-            </a:pPr>
-            <a:r>
-              <a:rPr lang="en-US" sz="1800" b="1" noProof="1" smtClean="0">
-                <a:solidFill>
-                  <a:srgbClr val="8CF4F2"/>
-                </a:solidFill>
-                <a:effectLst>
-                  <a:outerShdw blurRad="38100" dist="38100" dir="2700000" algn="tl">
-                    <a:srgbClr val="000000">
-                      <a:alpha val="43137"/>
-                    </a:srgbClr>
-                  </a:outerShdw>
-                </a:effectLst>
-                <a:latin typeface="Consolas" pitchFamily="49" charset="0"/>
-                <a:cs typeface="Consolas" pitchFamily="49" charset="0"/>
-              </a:rPr>
-              <a:t>}</a:t>
+              <a:t>++) {</a:t>
             </a:r>
             <a:endParaRPr lang="en-US" sz="1800" b="1" noProof="1">
               <a:solidFill>
@@ -20817,51 +21222,6 @@
             </a:endParaRPr>
           </a:p>
           <a:p>
-            <a:pPr lvl="2" eaLnBrk="0" hangingPunct="0">
-              <a:buClr>
-                <a:schemeClr val="accent5">
-                  <a:lumMod val="40000"/>
-                  <a:lumOff val="60000"/>
-                </a:schemeClr>
-              </a:buClr>
-              <a:buSzPct val="70000"/>
-            </a:pPr>
-            <a:r>
-              <a:rPr lang="en-US" sz="1800" b="1" noProof="1" smtClean="0">
-                <a:solidFill>
-                  <a:srgbClr val="8CF4F2"/>
-                </a:solidFill>
-                <a:effectLst>
-                  <a:outerShdw blurRad="38100" dist="38100" dir="2700000" algn="tl">
-                    <a:srgbClr val="000000">
-                      <a:alpha val="43137"/>
-                    </a:srgbClr>
-                  </a:outerShdw>
-                </a:effectLst>
-                <a:latin typeface="Consolas" pitchFamily="49" charset="0"/>
-                <a:cs typeface="Consolas" pitchFamily="49" charset="0"/>
-              </a:rPr>
-              <a:t>divider</a:t>
-            </a:r>
-            <a:r>
-              <a:rPr lang="en-US" sz="1800" b="1" noProof="1">
-                <a:solidFill>
-                  <a:srgbClr val="8CF4F2"/>
-                </a:solidFill>
-                <a:effectLst>
-                  <a:outerShdw blurRad="38100" dist="38100" dir="2700000" algn="tl">
-                    <a:srgbClr val="000000">
-                      <a:alpha val="43137"/>
-                    </a:srgbClr>
-                  </a:outerShdw>
-                </a:effectLst>
-                <a:latin typeface="Consolas" pitchFamily="49" charset="0"/>
-                <a:cs typeface="Consolas" pitchFamily="49" charset="0"/>
-              </a:rPr>
-              <a:t>++;</a:t>
-            </a:r>
-          </a:p>
-          <a:p>
             <a:pPr lvl="1" eaLnBrk="0" hangingPunct="0">
               <a:buClr>
                 <a:schemeClr val="accent5">
@@ -20886,7 +21246,176 @@
                 <a:latin typeface="Consolas" pitchFamily="49" charset="0"/>
                 <a:cs typeface="Consolas" pitchFamily="49" charset="0"/>
               </a:rPr>
-              <a:t>}</a:t>
+              <a:t>var isPrime </a:t>
+            </a:r>
+            <a:r>
+              <a:rPr lang="en-US" sz="1800" b="1" noProof="1">
+                <a:solidFill>
+                  <a:srgbClr val="8CF4F2"/>
+                </a:solidFill>
+                <a:effectLst>
+                  <a:outerShdw blurRad="38100" dist="38100" dir="2700000" algn="tl">
+                    <a:srgbClr val="000000">
+                      <a:alpha val="43137"/>
+                    </a:srgbClr>
+                  </a:outerShdw>
+                </a:effectLst>
+                <a:latin typeface="Consolas" pitchFamily="49" charset="0"/>
+                <a:cs typeface="Consolas" pitchFamily="49" charset="0"/>
+              </a:rPr>
+              <a:t>= true;</a:t>
+            </a:r>
+          </a:p>
+          <a:p>
+            <a:pPr lvl="1" eaLnBrk="0" hangingPunct="0">
+              <a:buClr>
+                <a:schemeClr val="accent5">
+                  <a:lumMod val="40000"/>
+                  <a:lumOff val="60000"/>
+                </a:schemeClr>
+              </a:buClr>
+              <a:buSzPct val="70000"/>
+            </a:pPr>
+            <a:r>
+              <a:rPr lang="en-US" sz="1800" b="1" noProof="1" smtClean="0">
+                <a:solidFill>
+                  <a:srgbClr val="8CF4F2"/>
+                </a:solidFill>
+                <a:effectLst>
+                  <a:outerShdw blurRad="38100" dist="38100" dir="2700000" algn="tl">
+                    <a:srgbClr val="000000">
+                      <a:alpha val="43137"/>
+                    </a:srgbClr>
+                  </a:outerShdw>
+                </a:effectLst>
+                <a:latin typeface="Consolas" pitchFamily="49" charset="0"/>
+                <a:cs typeface="Consolas" pitchFamily="49" charset="0"/>
+              </a:rPr>
+              <a:t>var </a:t>
+            </a:r>
+            <a:r>
+              <a:rPr lang="en-US" sz="1800" b="1" noProof="1">
+                <a:solidFill>
+                  <a:srgbClr val="8CF4F2"/>
+                </a:solidFill>
+                <a:effectLst>
+                  <a:outerShdw blurRad="38100" dist="38100" dir="2700000" algn="tl">
+                    <a:srgbClr val="000000">
+                      <a:alpha val="43137"/>
+                    </a:srgbClr>
+                  </a:outerShdw>
+                </a:effectLst>
+                <a:latin typeface="Consolas" pitchFamily="49" charset="0"/>
+                <a:cs typeface="Consolas" pitchFamily="49" charset="0"/>
+              </a:rPr>
+              <a:t>divider = 2;</a:t>
+            </a:r>
+          </a:p>
+          <a:p>
+            <a:pPr lvl="1" eaLnBrk="0" hangingPunct="0">
+              <a:buClr>
+                <a:schemeClr val="accent5">
+                  <a:lumMod val="40000"/>
+                  <a:lumOff val="60000"/>
+                </a:schemeClr>
+              </a:buClr>
+              <a:buSzPct val="70000"/>
+            </a:pPr>
+            <a:r>
+              <a:rPr lang="en-US" sz="1800" b="1" noProof="1" smtClean="0">
+                <a:solidFill>
+                  <a:srgbClr val="8CF4F2"/>
+                </a:solidFill>
+                <a:effectLst>
+                  <a:outerShdw blurRad="38100" dist="38100" dir="2700000" algn="tl">
+                    <a:srgbClr val="000000">
+                      <a:alpha val="43137"/>
+                    </a:srgbClr>
+                  </a:outerShdw>
+                </a:effectLst>
+                <a:latin typeface="Consolas" pitchFamily="49" charset="0"/>
+                <a:cs typeface="Consolas" pitchFamily="49" charset="0"/>
+              </a:rPr>
+              <a:t>var </a:t>
+            </a:r>
+            <a:r>
+              <a:rPr lang="en-US" sz="1800" b="1" noProof="1">
+                <a:solidFill>
+                  <a:srgbClr val="8CF4F2"/>
+                </a:solidFill>
+                <a:effectLst>
+                  <a:outerShdw blurRad="38100" dist="38100" dir="2700000" algn="tl">
+                    <a:srgbClr val="000000">
+                      <a:alpha val="43137"/>
+                    </a:srgbClr>
+                  </a:outerShdw>
+                </a:effectLst>
+                <a:latin typeface="Consolas" pitchFamily="49" charset="0"/>
+                <a:cs typeface="Consolas" pitchFamily="49" charset="0"/>
+              </a:rPr>
+              <a:t>maxDivider = Math.sqrt(number);</a:t>
+            </a:r>
+          </a:p>
+          <a:p>
+            <a:pPr lvl="1" eaLnBrk="0" hangingPunct="0">
+              <a:buClr>
+                <a:schemeClr val="accent5">
+                  <a:lumMod val="40000"/>
+                  <a:lumOff val="60000"/>
+                </a:schemeClr>
+              </a:buClr>
+              <a:buSzPct val="70000"/>
+            </a:pPr>
+            <a:r>
+              <a:rPr lang="en-US" sz="1800" b="1" noProof="1" smtClean="0">
+                <a:solidFill>
+                  <a:srgbClr val="8CF4F2"/>
+                </a:solidFill>
+                <a:effectLst>
+                  <a:outerShdw blurRad="38100" dist="38100" dir="2700000" algn="tl">
+                    <a:srgbClr val="000000">
+                      <a:alpha val="43137"/>
+                    </a:srgbClr>
+                  </a:outerShdw>
+                </a:effectLst>
+                <a:latin typeface="Consolas" pitchFamily="49" charset="0"/>
+                <a:cs typeface="Consolas" pitchFamily="49" charset="0"/>
+              </a:rPr>
+              <a:t>while </a:t>
+            </a:r>
+            <a:r>
+              <a:rPr lang="en-US" sz="1800" b="1" noProof="1">
+                <a:solidFill>
+                  <a:srgbClr val="8CF4F2"/>
+                </a:solidFill>
+                <a:effectLst>
+                  <a:outerShdw blurRad="38100" dist="38100" dir="2700000" algn="tl">
+                    <a:srgbClr val="000000">
+                      <a:alpha val="43137"/>
+                    </a:srgbClr>
+                  </a:outerShdw>
+                </a:effectLst>
+                <a:latin typeface="Consolas" pitchFamily="49" charset="0"/>
+                <a:cs typeface="Consolas" pitchFamily="49" charset="0"/>
+              </a:rPr>
+              <a:t>(divider &lt;= maxDivider</a:t>
+            </a:r>
+            <a:r>
+              <a:rPr lang="en-US" sz="1800" b="1" noProof="1" smtClean="0">
+                <a:solidFill>
+                  <a:srgbClr val="8CF4F2"/>
+                </a:solidFill>
+                <a:effectLst>
+                  <a:outerShdw blurRad="38100" dist="38100" dir="2700000" algn="tl">
+                    <a:srgbClr val="000000">
+                      <a:alpha val="43137"/>
+                    </a:srgbClr>
+                  </a:outerShdw>
+                </a:effectLst>
+                <a:latin typeface="Consolas" pitchFamily="49" charset="0"/>
+                <a:cs typeface="Consolas" pitchFamily="49" charset="0"/>
+              </a:rPr>
+              <a:t>) {</a:t>
             </a:r>
             <a:endParaRPr lang="en-US" sz="1800" b="1" noProof="1">
               <a:solidFill>
@@ -20904,6 +21433,228 @@
             </a:endParaRPr>
           </a:p>
           <a:p>
+            <a:pPr lvl="2" eaLnBrk="0" hangingPunct="0">
+              <a:buClr>
+                <a:schemeClr val="accent5">
+                  <a:lumMod val="40000"/>
+                  <a:lumOff val="60000"/>
+                </a:schemeClr>
+              </a:buClr>
+              <a:buSzPct val="70000"/>
+            </a:pPr>
+            <a:r>
+              <a:rPr lang="en-US" sz="1800" b="1" noProof="1" smtClean="0">
+                <a:solidFill>
+                  <a:srgbClr val="8CF4F2"/>
+                </a:solidFill>
+                <a:effectLst>
+                  <a:outerShdw blurRad="38100" dist="38100" dir="2700000" algn="tl">
+                    <a:srgbClr val="000000">
+                      <a:alpha val="43137"/>
+                    </a:srgbClr>
+                  </a:outerShdw>
+                </a:effectLst>
+                <a:latin typeface="Consolas" pitchFamily="49" charset="0"/>
+                <a:cs typeface="Consolas" pitchFamily="49" charset="0"/>
+              </a:rPr>
+              <a:t>if </a:t>
+            </a:r>
+            <a:r>
+              <a:rPr lang="en-US" sz="1800" b="1" noProof="1">
+                <a:solidFill>
+                  <a:srgbClr val="8CF4F2"/>
+                </a:solidFill>
+                <a:effectLst>
+                  <a:outerShdw blurRad="38100" dist="38100" dir="2700000" algn="tl">
+                    <a:srgbClr val="000000">
+                      <a:alpha val="43137"/>
+                    </a:srgbClr>
+                  </a:outerShdw>
+                </a:effectLst>
+                <a:latin typeface="Consolas" pitchFamily="49" charset="0"/>
+                <a:cs typeface="Consolas" pitchFamily="49" charset="0"/>
+              </a:rPr>
+              <a:t>(number % divider == 0){</a:t>
+            </a:r>
+          </a:p>
+          <a:p>
+            <a:pPr lvl="3" eaLnBrk="0" hangingPunct="0">
+              <a:buClr>
+                <a:schemeClr val="accent5">
+                  <a:lumMod val="40000"/>
+                  <a:lumOff val="60000"/>
+                </a:schemeClr>
+              </a:buClr>
+              <a:buSzPct val="70000"/>
+            </a:pPr>
+            <a:r>
+              <a:rPr lang="en-US" sz="1800" b="1" noProof="1" smtClean="0">
+                <a:solidFill>
+                  <a:srgbClr val="8CF4F2"/>
+                </a:solidFill>
+                <a:effectLst>
+                  <a:outerShdw blurRad="38100" dist="38100" dir="2700000" algn="tl">
+                    <a:srgbClr val="000000">
+                      <a:alpha val="43137"/>
+                    </a:srgbClr>
+                  </a:outerShdw>
+                </a:effectLst>
+                <a:latin typeface="Consolas" pitchFamily="49" charset="0"/>
+                <a:cs typeface="Consolas" pitchFamily="49" charset="0"/>
+              </a:rPr>
+              <a:t>isPrime </a:t>
+            </a:r>
+            <a:r>
+              <a:rPr lang="en-US" sz="1800" b="1" noProof="1">
+                <a:solidFill>
+                  <a:srgbClr val="8CF4F2"/>
+                </a:solidFill>
+                <a:effectLst>
+                  <a:outerShdw blurRad="38100" dist="38100" dir="2700000" algn="tl">
+                    <a:srgbClr val="000000">
+                      <a:alpha val="43137"/>
+                    </a:srgbClr>
+                  </a:outerShdw>
+                </a:effectLst>
+                <a:latin typeface="Consolas" pitchFamily="49" charset="0"/>
+                <a:cs typeface="Consolas" pitchFamily="49" charset="0"/>
+              </a:rPr>
+              <a:t>= false;</a:t>
+            </a:r>
+          </a:p>
+          <a:p>
+            <a:pPr lvl="3" eaLnBrk="0" hangingPunct="0">
+              <a:buClr>
+                <a:schemeClr val="accent5">
+                  <a:lumMod val="40000"/>
+                  <a:lumOff val="60000"/>
+                </a:schemeClr>
+              </a:buClr>
+              <a:buSzPct val="70000"/>
+            </a:pPr>
+            <a:r>
+              <a:rPr lang="en-US" sz="1800" b="1" noProof="1" smtClean="0">
+                <a:solidFill>
+                  <a:srgbClr val="8CF4F2"/>
+                </a:solidFill>
+                <a:effectLst>
+                  <a:outerShdw blurRad="38100" dist="38100" dir="2700000" algn="tl">
+                    <a:srgbClr val="000000">
+                      <a:alpha val="43137"/>
+                    </a:srgbClr>
+                  </a:outerShdw>
+                </a:effectLst>
+                <a:latin typeface="Consolas" pitchFamily="49" charset="0"/>
+                <a:cs typeface="Consolas" pitchFamily="49" charset="0"/>
+              </a:rPr>
+              <a:t>break</a:t>
+            </a:r>
+            <a:r>
+              <a:rPr lang="en-US" sz="1800" b="1" noProof="1">
+                <a:solidFill>
+                  <a:srgbClr val="8CF4F2"/>
+                </a:solidFill>
+                <a:effectLst>
+                  <a:outerShdw blurRad="38100" dist="38100" dir="2700000" algn="tl">
+                    <a:srgbClr val="000000">
+                      <a:alpha val="43137"/>
+                    </a:srgbClr>
+                  </a:outerShdw>
+                </a:effectLst>
+                <a:latin typeface="Consolas" pitchFamily="49" charset="0"/>
+                <a:cs typeface="Consolas" pitchFamily="49" charset="0"/>
+              </a:rPr>
+              <a:t>;</a:t>
+            </a:r>
+          </a:p>
+          <a:p>
+            <a:pPr lvl="2" eaLnBrk="0" hangingPunct="0">
+              <a:buClr>
+                <a:schemeClr val="accent5">
+                  <a:lumMod val="40000"/>
+                  <a:lumOff val="60000"/>
+                </a:schemeClr>
+              </a:buClr>
+              <a:buSzPct val="70000"/>
+            </a:pPr>
+            <a:r>
+              <a:rPr lang="en-US" sz="1800" b="1" noProof="1" smtClean="0">
+                <a:solidFill>
+                  <a:srgbClr val="8CF4F2"/>
+                </a:solidFill>
+                <a:effectLst>
+                  <a:outerShdw blurRad="38100" dist="38100" dir="2700000" algn="tl">
+                    <a:srgbClr val="000000">
+                      <a:alpha val="43137"/>
+                    </a:srgbClr>
+                  </a:outerShdw>
+                </a:effectLst>
+                <a:latin typeface="Consolas" pitchFamily="49" charset="0"/>
+                <a:cs typeface="Consolas" pitchFamily="49" charset="0"/>
+              </a:rPr>
+              <a:t>}</a:t>
+            </a:r>
+            <a:endParaRPr lang="en-US" sz="1800" b="1" noProof="1">
+              <a:solidFill>
+                <a:srgbClr val="8CF4F2"/>
+              </a:solidFill>
+              <a:effectLst>
+                <a:outerShdw blurRad="38100" dist="38100" dir="2700000" algn="tl">
+                  <a:srgbClr val="000000">
+                    <a:alpha val="43137"/>
+                  </a:srgbClr>
+                </a:outerShdw>
+              </a:effectLst>
+              <a:latin typeface="Consolas" pitchFamily="49" charset="0"/>
+              <a:cs typeface="Consolas" pitchFamily="49" charset="0"/>
+            </a:endParaRPr>
+          </a:p>
+          <a:p>
+            <a:pPr lvl="2" eaLnBrk="0" hangingPunct="0">
+              <a:buClr>
+                <a:schemeClr val="accent5">
+                  <a:lumMod val="40000"/>
+                  <a:lumOff val="60000"/>
+                </a:schemeClr>
+              </a:buClr>
+              <a:buSzPct val="70000"/>
+            </a:pPr>
+            <a:r>
+              <a:rPr lang="en-US" sz="1800" b="1" noProof="1" smtClean="0">
+                <a:solidFill>
+                  <a:srgbClr val="8CF4F2"/>
+                </a:solidFill>
+                <a:effectLst>
+                  <a:outerShdw blurRad="38100" dist="38100" dir="2700000" algn="tl">
+                    <a:srgbClr val="000000">
+                      <a:alpha val="43137"/>
+                    </a:srgbClr>
+                  </a:outerShdw>
+                </a:effectLst>
+                <a:latin typeface="Consolas" pitchFamily="49" charset="0"/>
+                <a:cs typeface="Consolas" pitchFamily="49" charset="0"/>
+              </a:rPr>
+              <a:t>divider</a:t>
+            </a:r>
+            <a:r>
+              <a:rPr lang="en-US" sz="1800" b="1" noProof="1">
+                <a:solidFill>
+                  <a:srgbClr val="8CF4F2"/>
+                </a:solidFill>
+                <a:effectLst>
+                  <a:outerShdw blurRad="38100" dist="38100" dir="2700000" algn="tl">
+                    <a:srgbClr val="000000">
+                      <a:alpha val="43137"/>
+                    </a:srgbClr>
+                  </a:outerShdw>
+                </a:effectLst>
+                <a:latin typeface="Consolas" pitchFamily="49" charset="0"/>
+                <a:cs typeface="Consolas" pitchFamily="49" charset="0"/>
+              </a:rPr>
+              <a:t>++;</a:t>
+            </a:r>
+          </a:p>
+          <a:p>
             <a:pPr lvl="1" eaLnBrk="0" hangingPunct="0">
               <a:buClr>
                 <a:schemeClr val="accent5">
@@ -20928,25 +21679,22 @@
                 <a:latin typeface="Consolas" pitchFamily="49" charset="0"/>
                 <a:cs typeface="Consolas" pitchFamily="49" charset="0"/>
               </a:rPr>
-              <a:t>if (isPrime</a:t>
-            </a:r>
-            <a:r>
-              <a:rPr lang="en-US" sz="1800" b="1" noProof="1">
-                <a:solidFill>
-                  <a:srgbClr val="8CF4F2"/>
-                </a:solidFill>
-                <a:effectLst>
-                  <a:outerShdw blurRad="38100" dist="38100" dir="2700000" algn="tl">
-                    <a:srgbClr val="000000">
-                      <a:alpha val="43137"/>
-                    </a:srgbClr>
-                  </a:outerShdw>
-                </a:effectLst>
-                <a:latin typeface="Consolas" pitchFamily="49" charset="0"/>
-                <a:cs typeface="Consolas" pitchFamily="49" charset="0"/>
-              </a:rPr>
-              <a:t>){</a:t>
-            </a:r>
+              <a:t>}</a:t>
+            </a:r>
+            <a:endParaRPr lang="en-US" sz="1800" b="1" noProof="1">
+              <a:solidFill>
+                <a:srgbClr val="8CF4F2"/>
+              </a:solidFill>
+              <a:effectLst>
+                <a:outerShdw blurRad="38100" dist="38100" dir="2700000" algn="tl">
+                  <a:srgbClr val="000000">
+                    <a:alpha val="43137"/>
+                  </a:srgbClr>
+                </a:outerShdw>
+              </a:effectLst>
+              <a:latin typeface="Consolas" pitchFamily="49" charset="0"/>
+              <a:cs typeface="Consolas" pitchFamily="49" charset="0"/>
+            </a:endParaRPr>
           </a:p>
           <a:p>
             <a:pPr lvl="1" eaLnBrk="0" hangingPunct="0">
@@ -20973,6 +21721,48 @@
                 <a:latin typeface="Consolas" pitchFamily="49" charset="0"/>
                 <a:cs typeface="Consolas" pitchFamily="49" charset="0"/>
               </a:rPr>
+              <a:t>if (isPrime) {</a:t>
+            </a:r>
+            <a:endParaRPr lang="en-US" sz="1800" b="1" noProof="1">
+              <a:solidFill>
+                <a:srgbClr val="8CF4F2"/>
+              </a:solidFill>
+              <a:effectLst>
+                <a:outerShdw blurRad="38100" dist="38100" dir="2700000" algn="tl">
+                  <a:srgbClr val="000000">
+                    <a:alpha val="43137"/>
+                  </a:srgbClr>
+                </a:outerShdw>
+              </a:effectLst>
+              <a:latin typeface="Consolas" pitchFamily="49" charset="0"/>
+              <a:cs typeface="Consolas" pitchFamily="49" charset="0"/>
+            </a:endParaRPr>
+          </a:p>
+          <a:p>
+            <a:pPr lvl="1" eaLnBrk="0" hangingPunct="0">
+              <a:buClr>
+                <a:schemeClr val="accent5">
+                  <a:lumMod val="40000"/>
+                  <a:lumOff val="60000"/>
+                </a:schemeClr>
+              </a:buClr>
+              <a:buSzPct val="70000"/>
+            </a:pPr>
+            <a:r>
+              <a:rPr lang="en-US" sz="1800" b="1" noProof="1" smtClean="0">
+                <a:solidFill>
+                  <a:srgbClr val="8CF4F2"/>
+                </a:solidFill>
+                <a:effectLst>
+                  <a:outerShdw blurRad="38100" dist="38100" dir="2700000" algn="tl">
+                    <a:srgbClr val="000000">
+                      <a:alpha val="43137"/>
+                    </a:srgbClr>
+                  </a:outerShdw>
+                </a:effectLst>
+                <a:latin typeface="Consolas" pitchFamily="49" charset="0"/>
+                <a:cs typeface="Consolas" pitchFamily="49" charset="0"/>
+              </a:rPr>
               <a:t>	result </a:t>
             </a:r>
             <a:r>
@@ -21007,25 +21797,22 @@
                 <a:latin typeface="Consolas" pitchFamily="49" charset="0"/>
                 <a:cs typeface="Consolas" pitchFamily="49" charset="0"/>
               </a:rPr>
-              <a:t>number + </a:t>
-            </a:r>
-            <a:r>
-              <a:rPr lang="en-US" sz="1800" b="1" noProof="1">
-                <a:solidFill>
-                  <a:srgbClr val="8CF4F2"/>
-                </a:solidFill>
-                <a:effectLst>
-                  <a:outerShdw blurRad="38100" dist="38100" dir="2700000" algn="tl">
-                    <a:srgbClr val="000000">
-                      <a:alpha val="43137"/>
-                    </a:srgbClr>
-                  </a:outerShdw>
-                </a:effectLst>
-                <a:latin typeface="Consolas" pitchFamily="49" charset="0"/>
-                <a:cs typeface="Consolas" pitchFamily="49" charset="0"/>
-              </a:rPr>
-              <a:t>" ";</a:t>
-            </a:r>
+              <a:t>number + ' ';</a:t>
+            </a:r>
+            <a:endParaRPr lang="en-US" sz="1800" b="1" noProof="1">
+              <a:solidFill>
+                <a:srgbClr val="8CF4F2"/>
+              </a:solidFill>
+              <a:effectLst>
+                <a:outerShdw blurRad="38100" dist="38100" dir="2700000" algn="tl">
+                  <a:srgbClr val="000000">
+                    <a:alpha val="43137"/>
+                  </a:srgbClr>
+                </a:outerShdw>
+              </a:effectLst>
+              <a:latin typeface="Consolas" pitchFamily="49" charset="0"/>
+              <a:cs typeface="Consolas" pitchFamily="49" charset="0"/>
+            </a:endParaRPr>
           </a:p>
           <a:p>
             <a:pPr lvl="1" eaLnBrk="0" hangingPunct="0">
@@ -21786,7 +22573,7 @@
                 <a:latin typeface="Consolas" pitchFamily="49" charset="0"/>
                 <a:cs typeface="Consolas" pitchFamily="49" charset="0"/>
               </a:rPr>
-              <a:t>            console.log("{0}{1}{2}{3}",</a:t>
+              <a:t>            console.log('{0}{1}{2}{3}',</a:t>
             </a:r>
           </a:p>
           <a:p>
@@ -22531,7 +23318,7 @@
                 <a:latin typeface="Consolas" pitchFamily="49" charset="0"/>
                 <a:cs typeface="Consolas" pitchFamily="49" charset="0"/>
               </a:rPr>
-              <a:t>              console.log("{0} {1} {2} {3} {4} {5}",</a:t>
+              <a:t>              console.log('{0} {1} {2} {3} {4} {5}',</a:t>
             </a:r>
           </a:p>
           <a:p>
@@ -23148,7 +23935,7 @@
         <p:spPr bwMode="auto">
           <a:xfrm>
             <a:off x="409575" y="4312384"/>
-            <a:ext cx="8353425" cy="1631216"/>
+            <a:ext cx="8505825" cy="1631216"/>
           </a:xfrm>
           <a:prstGeom prst="rect">
             <a:avLst/>
@@ -23236,7 +24023,7 @@
                 <a:latin typeface="Consolas" pitchFamily="49" charset="0"/>
                 <a:cs typeface="Consolas" pitchFamily="49" charset="0"/>
               </a:rPr>
-              <a:t>){ console.log(document[prop])}</a:t>
+              <a:t>){ console.log(document[prop]) }</a:t>
             </a:r>
           </a:p>
           <a:p>
@@ -23432,7 +24219,7 @@
         <p:spPr bwMode="auto">
           <a:xfrm>
             <a:off x="408159" y="2331184"/>
-            <a:ext cx="8353425" cy="1015663"/>
+            <a:ext cx="8507241" cy="1015663"/>
           </a:xfrm>
           <a:prstGeom prst="rect">
             <a:avLst/>
@@ -23483,7 +24270,7 @@
                 <a:latin typeface="Consolas" pitchFamily="49" charset="0"/>
                 <a:cs typeface="Consolas" pitchFamily="49" charset="0"/>
               </a:rPr>
-              <a:t>var arr = [1,2,3,4,5,6];</a:t>
+              <a:t>var arr = [1, 2, 3, 4, 5, 6];</a:t>
             </a:r>
           </a:p>
           <a:p>
@@ -23548,7 +24335,7 @@
                 <a:latin typeface="Consolas" pitchFamily="49" charset="0"/>
                 <a:cs typeface="Consolas" pitchFamily="49" charset="0"/>
               </a:rPr>
-              <a:t>){ console.log(arr[i])}</a:t>
+              <a:t>) { console.log(arr[i]) }</a:t>
             </a:r>
           </a:p>
           <a:p>
@@ -24474,7 +25261,7 @@
         <p:spPr bwMode="auto">
           <a:xfrm>
             <a:off x="757238" y="1495961"/>
-            <a:ext cx="7559675" cy="1323439"/>
+            <a:ext cx="7559675" cy="1015663"/>
           </a:xfrm>
           <a:prstGeom prst="rect">
             <a:avLst/>
@@ -24527,6 +25314,40 @@
               </a:rPr>
               <a:t>while (condition)</a:t>
             </a:r>
+            <a:r>
+              <a:rPr lang="en-US" sz="2000" b="1" noProof="1">
+                <a:solidFill>
+                  <a:srgbClr val="8CF4F2"/>
+                </a:solidFill>
+                <a:effectLst>
+                  <a:outerShdw blurRad="38100" dist="38100" dir="2700000" algn="tl">
+                    <a:srgbClr val="000000">
+                      <a:alpha val="43137"/>
+                    </a:srgbClr>
+                  </a:outerShdw>
+                </a:effectLst>
+                <a:latin typeface="Consolas" pitchFamily="49" charset="0"/>
+                <a:cs typeface="Consolas" pitchFamily="49" charset="0"/>
+              </a:rPr>
+              <a:t> </a:t>
+            </a:r>
+            <a:r>
+              <a:rPr lang="en-US" sz="2000" b="1" noProof="1" smtClean="0">
+                <a:solidFill>
+                  <a:srgbClr val="8CF4F2"/>
+                </a:solidFill>
+                <a:effectLst>
+                  <a:outerShdw blurRad="38100" dist="38100" dir="2700000" algn="tl">
+                    <a:srgbClr val="000000">
+                      <a:alpha val="43137"/>
+                    </a:srgbClr>
+                  </a:outerShdw>
+                </a:effectLst>
+                <a:latin typeface="Consolas" pitchFamily="49" charset="0"/>
+                <a:cs typeface="Consolas" pitchFamily="49" charset="0"/>
+              </a:rPr>
+              <a:t>{</a:t>
+            </a:r>
             <a:endParaRPr lang="en-US" sz="2000" b="1" noProof="1">
               <a:solidFill>
                 <a:srgbClr val="8CF4F2"/>
@@ -24541,34 +25362,6 @@
               <a:latin typeface="Consolas" pitchFamily="49" charset="0"/>
               <a:cs typeface="Consolas" pitchFamily="49" charset="0"/>
             </a:endParaRPr>
-          </a:p>
-          <a:p>
-            <a:pPr eaLnBrk="0" hangingPunct="0">
-              <a:buClr>
-                <a:schemeClr val="accent5">
-                  <a:lumMod val="40000"/>
-                  <a:lumOff val="60000"/>
-                </a:schemeClr>
-              </a:buClr>
-              <a:buSzPct val="70000"/>
-            </a:pPr>
-            <a:r>
-              <a:rPr lang="en-US" sz="2000" b="1" noProof="1">
-                <a:solidFill>
-                  <a:srgbClr val="8CF4F2"/>
-                </a:solidFill>
-                <a:effectLst>
-                  <a:outerShdw blurRad="38100" dist="38100" dir="2700000" algn="tl">
-                    <a:srgbClr val="000000">
-                      <a:alpha val="43137"/>
-                    </a:srgbClr>
-                  </a:outerShdw>
-                </a:effectLst>
-                <a:latin typeface="Consolas" pitchFamily="49" charset="0"/>
-                <a:cs typeface="Consolas" pitchFamily="49" charset="0"/>
-              </a:rPr>
-              <a:t>{</a:t>
-            </a:r>
           </a:p>
           <a:p>
             <a:pPr eaLnBrk="0" hangingPunct="0">
@@ -25591,7 +26384,7 @@
                 <a:latin typeface="Consolas" pitchFamily="49" charset="0"/>
                 <a:cs typeface="Consolas" pitchFamily="49" charset="0"/>
               </a:rPr>
-              <a:t>){</a:t>
+              <a:t>) {</a:t>
             </a:r>
             <a:endParaRPr lang="en-US" sz="2000" b="1" noProof="1">
               <a:solidFill>
@@ -25633,7 +26426,7 @@
                 <a:latin typeface="Consolas" pitchFamily="49" charset="0"/>
                 <a:cs typeface="Consolas" pitchFamily="49" charset="0"/>
               </a:rPr>
-              <a:t>    </a:t>
+              <a:t>  </a:t>
             </a:r>
             <a:r>
               <a:rPr lang="en-US" sz="2000" b="1" noProof="1" smtClean="0">
@@ -25650,7 +26443,7 @@
                 <a:latin typeface="Consolas" pitchFamily="49" charset="0"/>
                 <a:cs typeface="Consolas" pitchFamily="49" charset="0"/>
               </a:rPr>
-              <a:t>console.log("</a:t>
+              <a:t>  console.log('Number </a:t>
             </a:r>
             <a:r>
               <a:rPr lang="en-US" sz="2000" b="1" noProof="1">
@@ -25667,7 +26460,7 @@
                 <a:latin typeface="Consolas" pitchFamily="49" charset="0"/>
                 <a:cs typeface="Consolas" pitchFamily="49" charset="0"/>
               </a:rPr>
-              <a:t>Number : </a:t>
+              <a:t>: '</a:t>
             </a:r>
             <a:r>
               <a:rPr lang="en-US" sz="2000" b="1" noProof="1" smtClean="0">
@@ -25684,7 +26477,7 @@
                 <a:latin typeface="Consolas" pitchFamily="49" charset="0"/>
                 <a:cs typeface="Consolas" pitchFamily="49" charset="0"/>
               </a:rPr>
-              <a:t>"+ counter</a:t>
+              <a:t> + counter</a:t>
             </a:r>
             <a:r>
               <a:rPr lang="en-US" sz="2000" b="1" noProof="1">
@@ -25729,7 +26522,41 @@
                 <a:latin typeface="Consolas" pitchFamily="49" charset="0"/>
                 <a:cs typeface="Consolas" pitchFamily="49" charset="0"/>
               </a:rPr>
-              <a:t>    counter++;</a:t>
+              <a:t>  </a:t>
+            </a:r>
+            <a:r>
+              <a:rPr lang="en-US" sz="2000" b="1" noProof="1" smtClean="0">
+                <a:solidFill>
+                  <a:srgbClr val="8CF4F2"/>
+                </a:solidFill>
+                <a:effectLst>
+                  <a:outerShdw blurRad="38100" dist="38100" dir="2700000" algn="tl">
+                    <a:srgbClr val="000000">
+                      <a:alpha val="43137"/>
+                    </a:srgbClr>
+                  </a:outerShdw>
+                </a:effectLst>
+                <a:latin typeface="Consolas" pitchFamily="49" charset="0"/>
+                <a:cs typeface="Consolas" pitchFamily="49" charset="0"/>
+              </a:rPr>
+              <a:t>  counter</a:t>
+            </a:r>
+            <a:r>
+              <a:rPr lang="en-US" sz="2000" b="1" noProof="1">
+                <a:solidFill>
+                  <a:srgbClr val="8CF4F2"/>
+                </a:solidFill>
+                <a:effectLst>
+                  <a:outerShdw blurRad="38100" dist="38100" dir="2700000" algn="tl">
+                    <a:srgbClr val="000000">
+                      <a:alpha val="43137"/>
+                    </a:srgbClr>
+                  </a:outerShdw>
+                </a:effectLst>
+                <a:latin typeface="Consolas" pitchFamily="49" charset="0"/>
+                <a:cs typeface="Consolas" pitchFamily="49" charset="0"/>
+              </a:rPr>
+              <a:t>++;</a:t>
             </a:r>
           </a:p>
           <a:p>
@@ -26137,22 +26964,8 @@
                 <a:latin typeface="Consolas" pitchFamily="49" charset="0"/>
                 <a:cs typeface="Consolas" pitchFamily="49" charset="0"/>
               </a:rPr>
-              <a:t>nStr = read("input-tb");</a:t>
-            </a:r>
-          </a:p>
-          <a:p>
-            <a:pPr lvl="1" eaLnBrk="0" hangingPunct="0">
-              <a:spcBef>
-                <a:spcPts val="0"/>
-              </a:spcBef>
-              <a:buClr>
-                <a:schemeClr val="accent5">
-                  <a:lumMod val="40000"/>
-                  <a:lumOff val="60000"/>
-                </a:schemeClr>
-              </a:buClr>
-              <a:buSzPct val="70000"/>
-            </a:pPr>
+              <a:t>nStr = </a:t>
+            </a:r>
             <a:r>
               <a:rPr lang="en-US" sz="2000" b="1" noProof="1" smtClean="0">
                 <a:solidFill>
@@ -26168,7 +26981,7 @@
                 <a:latin typeface="Consolas" pitchFamily="49" charset="0"/>
                 <a:cs typeface="Consolas" pitchFamily="49" charset="0"/>
               </a:rPr>
-              <a:t>var </a:t>
+              <a:t>read('input-tb</a:t>
             </a:r>
             <a:r>
               <a:rPr lang="en-US" sz="2000" b="1" noProof="1">
@@ -26185,22 +26998,8 @@
                 <a:latin typeface="Consolas" pitchFamily="49" charset="0"/>
                 <a:cs typeface="Consolas" pitchFamily="49" charset="0"/>
               </a:rPr>
-              <a:t>n = parseInt(nStr);</a:t>
-            </a:r>
-          </a:p>
-          <a:p>
-            <a:pPr lvl="1" eaLnBrk="0" hangingPunct="0">
-              <a:spcBef>
-                <a:spcPts val="0"/>
-              </a:spcBef>
-              <a:buClr>
-                <a:schemeClr val="accent5">
-                  <a:lumMod val="40000"/>
-                  <a:lumOff val="60000"/>
-                </a:schemeClr>
-              </a:buClr>
-              <a:buSzPct val="70000"/>
-            </a:pPr>
+              <a:t>'</a:t>
+            </a:r>
             <a:r>
               <a:rPr lang="en-US" sz="2000" b="1" noProof="1" smtClean="0">
                 <a:solidFill>
@@ -26216,185 +27015,7 @@
                 <a:latin typeface="Consolas" pitchFamily="49" charset="0"/>
                 <a:cs typeface="Consolas" pitchFamily="49" charset="0"/>
               </a:rPr>
-              <a:t>var </a:t>
-            </a:r>
-            <a:r>
-              <a:rPr lang="en-US" sz="2000" b="1" noProof="1">
-                <a:solidFill>
-                  <a:srgbClr val="8CF4F2"/>
-                </a:solidFill>
-                <a:effectLst>
-                  <a:outerShdw blurRad="38100" dist="38100" dir="2700000" algn="tl">
-                    <a:srgbClr val="000000">
-                      <a:alpha val="43137"/>
-                    </a:srgbClr>
-                  </a:outerShdw>
-                </a:effectLst>
-                <a:latin typeface="Consolas" pitchFamily="49" charset="0"/>
-                <a:cs typeface="Consolas" pitchFamily="49" charset="0"/>
-              </a:rPr>
-              <a:t>number = 1;</a:t>
-            </a:r>
-          </a:p>
-          <a:p>
-            <a:pPr lvl="1" eaLnBrk="0" hangingPunct="0">
-              <a:spcBef>
-                <a:spcPts val="0"/>
-              </a:spcBef>
-              <a:buClr>
-                <a:schemeClr val="accent5">
-                  <a:lumMod val="40000"/>
-                  <a:lumOff val="60000"/>
-                </a:schemeClr>
-              </a:buClr>
-              <a:buSzPct val="70000"/>
-            </a:pPr>
-            <a:r>
-              <a:rPr lang="en-US" sz="2000" b="1" noProof="1" smtClean="0">
-                <a:solidFill>
-                  <a:srgbClr val="8CF4F2"/>
-                </a:solidFill>
-                <a:effectLst>
-                  <a:outerShdw blurRad="38100" dist="38100" dir="2700000" algn="tl">
-                    <a:srgbClr val="000000">
-                      <a:alpha val="43137"/>
-                    </a:srgbClr>
-                  </a:outerShdw>
-                </a:effectLst>
-                <a:latin typeface="Consolas" pitchFamily="49" charset="0"/>
-                <a:cs typeface="Consolas" pitchFamily="49" charset="0"/>
-              </a:rPr>
-              <a:t>var </a:t>
-            </a:r>
-            <a:r>
-              <a:rPr lang="en-US" sz="2000" b="1" noProof="1">
-                <a:solidFill>
-                  <a:srgbClr val="8CF4F2"/>
-                </a:solidFill>
-                <a:effectLst>
-                  <a:outerShdw blurRad="38100" dist="38100" dir="2700000" algn="tl">
-                    <a:srgbClr val="000000">
-                      <a:alpha val="43137"/>
-                    </a:srgbClr>
-                  </a:outerShdw>
-                </a:effectLst>
-                <a:latin typeface="Consolas" pitchFamily="49" charset="0"/>
-                <a:cs typeface="Consolas" pitchFamily="49" charset="0"/>
-              </a:rPr>
-              <a:t>sum = 1;</a:t>
-            </a:r>
-          </a:p>
-          <a:p>
-            <a:pPr lvl="1" eaLnBrk="0" hangingPunct="0">
-              <a:spcBef>
-                <a:spcPts val="0"/>
-              </a:spcBef>
-              <a:buClr>
-                <a:schemeClr val="accent5">
-                  <a:lumMod val="40000"/>
-                  <a:lumOff val="60000"/>
-                </a:schemeClr>
-              </a:buClr>
-              <a:buSzPct val="70000"/>
-            </a:pPr>
-            <a:r>
-              <a:rPr lang="en-US" sz="2000" b="1" noProof="1" smtClean="0">
-                <a:solidFill>
-                  <a:srgbClr val="8CF4F2"/>
-                </a:solidFill>
-                <a:effectLst>
-                  <a:outerShdw blurRad="38100" dist="38100" dir="2700000" algn="tl">
-                    <a:srgbClr val="000000">
-                      <a:alpha val="43137"/>
-                    </a:srgbClr>
-                  </a:outerShdw>
-                </a:effectLst>
-                <a:latin typeface="Consolas" pitchFamily="49" charset="0"/>
-                <a:cs typeface="Consolas" pitchFamily="49" charset="0"/>
-              </a:rPr>
-              <a:t>var </a:t>
-            </a:r>
-            <a:r>
-              <a:rPr lang="en-US" sz="2000" b="1" noProof="1">
-                <a:solidFill>
-                  <a:srgbClr val="8CF4F2"/>
-                </a:solidFill>
-                <a:effectLst>
-                  <a:outerShdw blurRad="38100" dist="38100" dir="2700000" algn="tl">
-                    <a:srgbClr val="000000">
-                      <a:alpha val="43137"/>
-                    </a:srgbClr>
-                  </a:outerShdw>
-                </a:effectLst>
-                <a:latin typeface="Consolas" pitchFamily="49" charset="0"/>
-                <a:cs typeface="Consolas" pitchFamily="49" charset="0"/>
-              </a:rPr>
-              <a:t>result = "The sum 1";</a:t>
-            </a:r>
-          </a:p>
-          <a:p>
-            <a:pPr lvl="1" eaLnBrk="0" hangingPunct="0">
-              <a:spcBef>
-                <a:spcPts val="0"/>
-              </a:spcBef>
-              <a:buClr>
-                <a:schemeClr val="accent5">
-                  <a:lumMod val="40000"/>
-                  <a:lumOff val="60000"/>
-                </a:schemeClr>
-              </a:buClr>
-              <a:buSzPct val="70000"/>
-            </a:pPr>
-            <a:r>
-              <a:rPr lang="en-US" sz="2000" b="1" noProof="1" smtClean="0">
-                <a:solidFill>
-                  <a:srgbClr val="8CF4F2"/>
-                </a:solidFill>
-                <a:effectLst>
-                  <a:outerShdw blurRad="38100" dist="38100" dir="2700000" algn="tl">
-                    <a:srgbClr val="000000">
-                      <a:alpha val="43137"/>
-                    </a:srgbClr>
-                  </a:outerShdw>
-                </a:effectLst>
-                <a:latin typeface="Consolas" pitchFamily="49" charset="0"/>
-                <a:cs typeface="Consolas" pitchFamily="49" charset="0"/>
-              </a:rPr>
-              <a:t>while </a:t>
-            </a:r>
-            <a:r>
-              <a:rPr lang="en-US" sz="2000" b="1" noProof="1">
-                <a:solidFill>
-                  <a:srgbClr val="8CF4F2"/>
-                </a:solidFill>
-                <a:effectLst>
-                  <a:outerShdw blurRad="38100" dist="38100" dir="2700000" algn="tl">
-                    <a:srgbClr val="000000">
-                      <a:alpha val="43137"/>
-                    </a:srgbClr>
-                  </a:outerShdw>
-                </a:effectLst>
-                <a:latin typeface="Consolas" pitchFamily="49" charset="0"/>
-                <a:cs typeface="Consolas" pitchFamily="49" charset="0"/>
-              </a:rPr>
-              <a:t>(number &lt; n</a:t>
-            </a:r>
-            <a:r>
-              <a:rPr lang="en-US" sz="2000" b="1" noProof="1" smtClean="0">
-                <a:solidFill>
-                  <a:srgbClr val="8CF4F2"/>
-                </a:solidFill>
-                <a:effectLst>
-                  <a:outerShdw blurRad="38100" dist="38100" dir="2700000" algn="tl">
-                    <a:srgbClr val="000000">
-                      <a:alpha val="43137"/>
-                    </a:srgbClr>
-                  </a:outerShdw>
-                </a:effectLst>
-                <a:latin typeface="Consolas" pitchFamily="49" charset="0"/>
-                <a:cs typeface="Consolas" pitchFamily="49" charset="0"/>
-              </a:rPr>
-              <a:t>){</a:t>
+              <a:t>);</a:t>
             </a:r>
             <a:endParaRPr lang="en-US" sz="2000" b="1" noProof="1">
               <a:solidFill>
@@ -26439,7 +27060,7 @@
                 <a:latin typeface="Consolas" pitchFamily="49" charset="0"/>
                 <a:cs typeface="Consolas" pitchFamily="49" charset="0"/>
               </a:rPr>
-              <a:t>    number</a:t>
+              <a:t>var </a:t>
             </a:r>
             <a:r>
               <a:rPr lang="en-US" sz="2000" b="1" noProof="1">
@@ -26456,7 +27077,7 @@
                 <a:latin typeface="Consolas" pitchFamily="49" charset="0"/>
                 <a:cs typeface="Consolas" pitchFamily="49" charset="0"/>
               </a:rPr>
-              <a:t>++;</a:t>
+              <a:t>n = parseInt(nStr);</a:t>
             </a:r>
           </a:p>
           <a:p>
@@ -26487,7 +27108,7 @@
                 <a:latin typeface="Consolas" pitchFamily="49" charset="0"/>
                 <a:cs typeface="Consolas" pitchFamily="49" charset="0"/>
               </a:rPr>
-              <a:t>    sum </a:t>
+              <a:t>var </a:t>
             </a:r>
             <a:r>
               <a:rPr lang="en-US" sz="2000" b="1" noProof="1">
@@ -26504,7 +27125,7 @@
                 <a:latin typeface="Consolas" pitchFamily="49" charset="0"/>
                 <a:cs typeface="Consolas" pitchFamily="49" charset="0"/>
               </a:rPr>
-              <a:t>+= number ;</a:t>
+              <a:t>number = 1;</a:t>
             </a:r>
           </a:p>
           <a:p>
@@ -26535,7 +27156,7 @@
                 <a:latin typeface="Consolas" pitchFamily="49" charset="0"/>
                 <a:cs typeface="Consolas" pitchFamily="49" charset="0"/>
               </a:rPr>
-              <a:t>    result </a:t>
+              <a:t>var </a:t>
             </a:r>
             <a:r>
               <a:rPr lang="en-US" sz="2000" b="1" noProof="1">
@@ -26552,7 +27173,7 @@
                 <a:latin typeface="Consolas" pitchFamily="49" charset="0"/>
                 <a:cs typeface="Consolas" pitchFamily="49" charset="0"/>
               </a:rPr>
-              <a:t>+= "+" + number;</a:t>
+              <a:t>sum = 1;</a:t>
             </a:r>
           </a:p>
           <a:p>
@@ -26583,7 +27204,75 @@
                 <a:latin typeface="Consolas" pitchFamily="49" charset="0"/>
                 <a:cs typeface="Consolas" pitchFamily="49" charset="0"/>
               </a:rPr>
-              <a:t>}</a:t>
+              <a:t>var </a:t>
+            </a:r>
+            <a:r>
+              <a:rPr lang="en-US" sz="2000" b="1" noProof="1">
+                <a:solidFill>
+                  <a:srgbClr val="8CF4F2"/>
+                </a:solidFill>
+                <a:effectLst>
+                  <a:outerShdw blurRad="38100" dist="38100" dir="2700000" algn="tl">
+                    <a:srgbClr val="000000">
+                      <a:alpha val="43137"/>
+                    </a:srgbClr>
+                  </a:outerShdw>
+                </a:effectLst>
+                <a:latin typeface="Consolas" pitchFamily="49" charset="0"/>
+                <a:cs typeface="Consolas" pitchFamily="49" charset="0"/>
+              </a:rPr>
+              <a:t>result = </a:t>
+            </a:r>
+            <a:r>
+              <a:rPr lang="en-US" sz="2000" b="1" noProof="1" smtClean="0">
+                <a:solidFill>
+                  <a:srgbClr val="8CF4F2"/>
+                </a:solidFill>
+                <a:effectLst>
+                  <a:outerShdw blurRad="38100" dist="38100" dir="2700000" algn="tl">
+                    <a:srgbClr val="000000">
+                      <a:alpha val="43137"/>
+                    </a:srgbClr>
+                  </a:outerShdw>
+                </a:effectLst>
+                <a:latin typeface="Consolas" pitchFamily="49" charset="0"/>
+                <a:cs typeface="Consolas" pitchFamily="49" charset="0"/>
+              </a:rPr>
+              <a:t>'The </a:t>
+            </a:r>
+            <a:r>
+              <a:rPr lang="en-US" sz="2000" b="1" noProof="1">
+                <a:solidFill>
+                  <a:srgbClr val="8CF4F2"/>
+                </a:solidFill>
+                <a:effectLst>
+                  <a:outerShdw blurRad="38100" dist="38100" dir="2700000" algn="tl">
+                    <a:srgbClr val="000000">
+                      <a:alpha val="43137"/>
+                    </a:srgbClr>
+                  </a:outerShdw>
+                </a:effectLst>
+                <a:latin typeface="Consolas" pitchFamily="49" charset="0"/>
+                <a:cs typeface="Consolas" pitchFamily="49" charset="0"/>
+              </a:rPr>
+              <a:t>sum </a:t>
+            </a:r>
+            <a:r>
+              <a:rPr lang="en-US" sz="2000" b="1" noProof="1" smtClean="0">
+                <a:solidFill>
+                  <a:srgbClr val="8CF4F2"/>
+                </a:solidFill>
+                <a:effectLst>
+                  <a:outerShdw blurRad="38100" dist="38100" dir="2700000" algn="tl">
+                    <a:srgbClr val="000000">
+                      <a:alpha val="43137"/>
+                    </a:srgbClr>
+                  </a:outerShdw>
+                </a:effectLst>
+                <a:latin typeface="Consolas" pitchFamily="49" charset="0"/>
+                <a:cs typeface="Consolas" pitchFamily="49" charset="0"/>
+              </a:rPr>
+              <a:t>1';</a:t>
             </a:r>
             <a:endParaRPr lang="en-US" sz="2000" b="1" noProof="1">
               <a:solidFill>
@@ -26628,7 +27317,7 @@
                 <a:latin typeface="Consolas" pitchFamily="49" charset="0"/>
                 <a:cs typeface="Consolas" pitchFamily="49" charset="0"/>
               </a:rPr>
-              <a:t>result </a:t>
+              <a:t>while </a:t>
             </a:r>
             <a:r>
               <a:rPr lang="en-US" sz="2000" b="1" noProof="1">
@@ -26645,7 +27334,7 @@
                 <a:latin typeface="Consolas" pitchFamily="49" charset="0"/>
                 <a:cs typeface="Consolas" pitchFamily="49" charset="0"/>
               </a:rPr>
-              <a:t>+= " = " + sum</a:t>
+              <a:t>(number &lt; n</a:t>
             </a:r>
             <a:r>
               <a:rPr lang="en-US" sz="2000" b="1" noProof="1" smtClean="0">
@@ -26662,8 +27351,22 @@
                 <a:latin typeface="Consolas" pitchFamily="49" charset="0"/>
                 <a:cs typeface="Consolas" pitchFamily="49" charset="0"/>
               </a:rPr>
-              <a:t>;</a:t>
-            </a:r>
+              <a:t>) {</a:t>
+            </a:r>
+            <a:endParaRPr lang="en-US" sz="2000" b="1" noProof="1">
+              <a:solidFill>
+                <a:srgbClr val="8CF4F2"/>
+              </a:solidFill>
+              <a:effectLst>
+                <a:outerShdw blurRad="38100" dist="38100" dir="2700000" algn="tl">
+                  <a:srgbClr val="000000">
+                    <a:alpha val="43137"/>
+                  </a:srgbClr>
+                </a:outerShdw>
+              </a:effectLst>
+              <a:latin typeface="Consolas" pitchFamily="49" charset="0"/>
+              <a:cs typeface="Consolas" pitchFamily="49" charset="0"/>
+            </a:endParaRPr>
           </a:p>
           <a:p>
             <a:pPr lvl="1" eaLnBrk="0" hangingPunct="0">
@@ -26693,7 +27396,7 @@
                 <a:latin typeface="Consolas" pitchFamily="49" charset="0"/>
                 <a:cs typeface="Consolas" pitchFamily="49" charset="0"/>
               </a:rPr>
-              <a:t>print</a:t>
+              <a:t>    number</a:t>
             </a:r>
             <a:r>
               <a:rPr lang="en-US" sz="2000" b="1" noProof="1">
@@ -26710,7 +27413,397 @@
                 <a:latin typeface="Consolas" pitchFamily="49" charset="0"/>
                 <a:cs typeface="Consolas" pitchFamily="49" charset="0"/>
               </a:rPr>
-              <a:t>("console-out",result);</a:t>
+              <a:t>++;</a:t>
+            </a:r>
+          </a:p>
+          <a:p>
+            <a:pPr lvl="1" eaLnBrk="0" hangingPunct="0">
+              <a:spcBef>
+                <a:spcPts val="0"/>
+              </a:spcBef>
+              <a:buClr>
+                <a:schemeClr val="accent5">
+                  <a:lumMod val="40000"/>
+                  <a:lumOff val="60000"/>
+                </a:schemeClr>
+              </a:buClr>
+              <a:buSzPct val="70000"/>
+            </a:pPr>
+            <a:r>
+              <a:rPr lang="en-US" sz="2000" b="1" noProof="1" smtClean="0">
+                <a:solidFill>
+                  <a:srgbClr val="8CF4F2"/>
+                </a:solidFill>
+                <a:effectLst>
+                  <a:outerShdw blurRad="38100" dist="38100" dir="2700000" algn="tl">
+                    <a:srgbClr val="000000">
+                      <a:alpha val="43137"/>
+                    </a:srgbClr>
+                  </a:outerShdw>
+                </a:effectLst>
+                <a:latin typeface="Consolas" pitchFamily="49" charset="0"/>
+                <a:cs typeface="Consolas" pitchFamily="49" charset="0"/>
+              </a:rPr>
+              <a:t>    sum </a:t>
+            </a:r>
+            <a:r>
+              <a:rPr lang="en-US" sz="2000" b="1" noProof="1">
+                <a:solidFill>
+                  <a:srgbClr val="8CF4F2"/>
+                </a:solidFill>
+                <a:effectLst>
+                  <a:outerShdw blurRad="38100" dist="38100" dir="2700000" algn="tl">
+                    <a:srgbClr val="000000">
+                      <a:alpha val="43137"/>
+                    </a:srgbClr>
+                  </a:outerShdw>
+                </a:effectLst>
+                <a:latin typeface="Consolas" pitchFamily="49" charset="0"/>
+                <a:cs typeface="Consolas" pitchFamily="49" charset="0"/>
+              </a:rPr>
+              <a:t>+= number ;</a:t>
+            </a:r>
+          </a:p>
+          <a:p>
+            <a:pPr lvl="1" eaLnBrk="0" hangingPunct="0">
+              <a:spcBef>
+                <a:spcPts val="0"/>
+              </a:spcBef>
+              <a:buClr>
+                <a:schemeClr val="accent5">
+                  <a:lumMod val="40000"/>
+                  <a:lumOff val="60000"/>
+                </a:schemeClr>
+              </a:buClr>
+              <a:buSzPct val="70000"/>
+            </a:pPr>
+            <a:r>
+              <a:rPr lang="en-US" sz="2000" b="1" noProof="1" smtClean="0">
+                <a:solidFill>
+                  <a:srgbClr val="8CF4F2"/>
+                </a:solidFill>
+                <a:effectLst>
+                  <a:outerShdw blurRad="38100" dist="38100" dir="2700000" algn="tl">
+                    <a:srgbClr val="000000">
+                      <a:alpha val="43137"/>
+                    </a:srgbClr>
+                  </a:outerShdw>
+                </a:effectLst>
+                <a:latin typeface="Consolas" pitchFamily="49" charset="0"/>
+                <a:cs typeface="Consolas" pitchFamily="49" charset="0"/>
+              </a:rPr>
+              <a:t>    result </a:t>
+            </a:r>
+            <a:r>
+              <a:rPr lang="en-US" sz="2000" b="1" noProof="1">
+                <a:solidFill>
+                  <a:srgbClr val="8CF4F2"/>
+                </a:solidFill>
+                <a:effectLst>
+                  <a:outerShdw blurRad="38100" dist="38100" dir="2700000" algn="tl">
+                    <a:srgbClr val="000000">
+                      <a:alpha val="43137"/>
+                    </a:srgbClr>
+                  </a:outerShdw>
+                </a:effectLst>
+                <a:latin typeface="Consolas" pitchFamily="49" charset="0"/>
+                <a:cs typeface="Consolas" pitchFamily="49" charset="0"/>
+              </a:rPr>
+              <a:t>+= </a:t>
+            </a:r>
+            <a:r>
+              <a:rPr lang="en-US" sz="2000" b="1" noProof="1" smtClean="0">
+                <a:solidFill>
+                  <a:srgbClr val="8CF4F2"/>
+                </a:solidFill>
+                <a:effectLst>
+                  <a:outerShdw blurRad="38100" dist="38100" dir="2700000" algn="tl">
+                    <a:srgbClr val="000000">
+                      <a:alpha val="43137"/>
+                    </a:srgbClr>
+                  </a:outerShdw>
+                </a:effectLst>
+                <a:latin typeface="Consolas" pitchFamily="49" charset="0"/>
+                <a:cs typeface="Consolas" pitchFamily="49" charset="0"/>
+              </a:rPr>
+              <a:t>'+' </a:t>
+            </a:r>
+            <a:r>
+              <a:rPr lang="en-US" sz="2000" b="1" noProof="1">
+                <a:solidFill>
+                  <a:srgbClr val="8CF4F2"/>
+                </a:solidFill>
+                <a:effectLst>
+                  <a:outerShdw blurRad="38100" dist="38100" dir="2700000" algn="tl">
+                    <a:srgbClr val="000000">
+                      <a:alpha val="43137"/>
+                    </a:srgbClr>
+                  </a:outerShdw>
+                </a:effectLst>
+                <a:latin typeface="Consolas" pitchFamily="49" charset="0"/>
+                <a:cs typeface="Consolas" pitchFamily="49" charset="0"/>
+              </a:rPr>
+              <a:t>+ number;</a:t>
+            </a:r>
+          </a:p>
+          <a:p>
+            <a:pPr lvl="1" eaLnBrk="0" hangingPunct="0">
+              <a:spcBef>
+                <a:spcPts val="0"/>
+              </a:spcBef>
+              <a:buClr>
+                <a:schemeClr val="accent5">
+                  <a:lumMod val="40000"/>
+                  <a:lumOff val="60000"/>
+                </a:schemeClr>
+              </a:buClr>
+              <a:buSzPct val="70000"/>
+            </a:pPr>
+            <a:r>
+              <a:rPr lang="en-US" sz="2000" b="1" noProof="1" smtClean="0">
+                <a:solidFill>
+                  <a:srgbClr val="8CF4F2"/>
+                </a:solidFill>
+                <a:effectLst>
+                  <a:outerShdw blurRad="38100" dist="38100" dir="2700000" algn="tl">
+                    <a:srgbClr val="000000">
+                      <a:alpha val="43137"/>
+                    </a:srgbClr>
+                  </a:outerShdw>
+                </a:effectLst>
+                <a:latin typeface="Consolas" pitchFamily="49" charset="0"/>
+                <a:cs typeface="Consolas" pitchFamily="49" charset="0"/>
+              </a:rPr>
+              <a:t>}</a:t>
+            </a:r>
+            <a:endParaRPr lang="en-US" sz="2000" b="1" noProof="1">
+              <a:solidFill>
+                <a:srgbClr val="8CF4F2"/>
+              </a:solidFill>
+              <a:effectLst>
+                <a:outerShdw blurRad="38100" dist="38100" dir="2700000" algn="tl">
+                  <a:srgbClr val="000000">
+                    <a:alpha val="43137"/>
+                  </a:srgbClr>
+                </a:outerShdw>
+              </a:effectLst>
+              <a:latin typeface="Consolas" pitchFamily="49" charset="0"/>
+              <a:cs typeface="Consolas" pitchFamily="49" charset="0"/>
+            </a:endParaRPr>
+          </a:p>
+          <a:p>
+            <a:pPr lvl="1" eaLnBrk="0" hangingPunct="0">
+              <a:spcBef>
+                <a:spcPts val="0"/>
+              </a:spcBef>
+              <a:buClr>
+                <a:schemeClr val="accent5">
+                  <a:lumMod val="40000"/>
+                  <a:lumOff val="60000"/>
+                </a:schemeClr>
+              </a:buClr>
+              <a:buSzPct val="70000"/>
+            </a:pPr>
+            <a:r>
+              <a:rPr lang="en-US" sz="2000" b="1" noProof="1" smtClean="0">
+                <a:solidFill>
+                  <a:srgbClr val="8CF4F2"/>
+                </a:solidFill>
+                <a:effectLst>
+                  <a:outerShdw blurRad="38100" dist="38100" dir="2700000" algn="tl">
+                    <a:srgbClr val="000000">
+                      <a:alpha val="43137"/>
+                    </a:srgbClr>
+                  </a:outerShdw>
+                </a:effectLst>
+                <a:latin typeface="Consolas" pitchFamily="49" charset="0"/>
+                <a:cs typeface="Consolas" pitchFamily="49" charset="0"/>
+              </a:rPr>
+              <a:t>result </a:t>
+            </a:r>
+            <a:r>
+              <a:rPr lang="en-US" sz="2000" b="1" noProof="1">
+                <a:solidFill>
+                  <a:srgbClr val="8CF4F2"/>
+                </a:solidFill>
+                <a:effectLst>
+                  <a:outerShdw blurRad="38100" dist="38100" dir="2700000" algn="tl">
+                    <a:srgbClr val="000000">
+                      <a:alpha val="43137"/>
+                    </a:srgbClr>
+                  </a:outerShdw>
+                </a:effectLst>
+                <a:latin typeface="Consolas" pitchFamily="49" charset="0"/>
+                <a:cs typeface="Consolas" pitchFamily="49" charset="0"/>
+              </a:rPr>
+              <a:t>+= </a:t>
+            </a:r>
+            <a:r>
+              <a:rPr lang="en-US" sz="2000" b="1" noProof="1" smtClean="0">
+                <a:solidFill>
+                  <a:srgbClr val="8CF4F2"/>
+                </a:solidFill>
+                <a:effectLst>
+                  <a:outerShdw blurRad="38100" dist="38100" dir="2700000" algn="tl">
+                    <a:srgbClr val="000000">
+                      <a:alpha val="43137"/>
+                    </a:srgbClr>
+                  </a:outerShdw>
+                </a:effectLst>
+                <a:latin typeface="Consolas" pitchFamily="49" charset="0"/>
+                <a:cs typeface="Consolas" pitchFamily="49" charset="0"/>
+              </a:rPr>
+              <a:t>' </a:t>
+            </a:r>
+            <a:r>
+              <a:rPr lang="en-US" sz="2000" b="1" noProof="1">
+                <a:solidFill>
+                  <a:srgbClr val="8CF4F2"/>
+                </a:solidFill>
+                <a:effectLst>
+                  <a:outerShdw blurRad="38100" dist="38100" dir="2700000" algn="tl">
+                    <a:srgbClr val="000000">
+                      <a:alpha val="43137"/>
+                    </a:srgbClr>
+                  </a:outerShdw>
+                </a:effectLst>
+                <a:latin typeface="Consolas" pitchFamily="49" charset="0"/>
+                <a:cs typeface="Consolas" pitchFamily="49" charset="0"/>
+              </a:rPr>
+              <a:t>= </a:t>
+            </a:r>
+            <a:r>
+              <a:rPr lang="en-US" sz="2000" b="1" noProof="1" smtClean="0">
+                <a:solidFill>
+                  <a:srgbClr val="8CF4F2"/>
+                </a:solidFill>
+                <a:effectLst>
+                  <a:outerShdw blurRad="38100" dist="38100" dir="2700000" algn="tl">
+                    <a:srgbClr val="000000">
+                      <a:alpha val="43137"/>
+                    </a:srgbClr>
+                  </a:outerShdw>
+                </a:effectLst>
+                <a:latin typeface="Consolas" pitchFamily="49" charset="0"/>
+                <a:cs typeface="Consolas" pitchFamily="49" charset="0"/>
+              </a:rPr>
+              <a:t>' </a:t>
+            </a:r>
+            <a:r>
+              <a:rPr lang="en-US" sz="2000" b="1" noProof="1">
+                <a:solidFill>
+                  <a:srgbClr val="8CF4F2"/>
+                </a:solidFill>
+                <a:effectLst>
+                  <a:outerShdw blurRad="38100" dist="38100" dir="2700000" algn="tl">
+                    <a:srgbClr val="000000">
+                      <a:alpha val="43137"/>
+                    </a:srgbClr>
+                  </a:outerShdw>
+                </a:effectLst>
+                <a:latin typeface="Consolas" pitchFamily="49" charset="0"/>
+                <a:cs typeface="Consolas" pitchFamily="49" charset="0"/>
+              </a:rPr>
+              <a:t>+ sum</a:t>
+            </a:r>
+            <a:r>
+              <a:rPr lang="en-US" sz="2000" b="1" noProof="1" smtClean="0">
+                <a:solidFill>
+                  <a:srgbClr val="8CF4F2"/>
+                </a:solidFill>
+                <a:effectLst>
+                  <a:outerShdw blurRad="38100" dist="38100" dir="2700000" algn="tl">
+                    <a:srgbClr val="000000">
+                      <a:alpha val="43137"/>
+                    </a:srgbClr>
+                  </a:outerShdw>
+                </a:effectLst>
+                <a:latin typeface="Consolas" pitchFamily="49" charset="0"/>
+                <a:cs typeface="Consolas" pitchFamily="49" charset="0"/>
+              </a:rPr>
+              <a:t>;</a:t>
+            </a:r>
+          </a:p>
+          <a:p>
+            <a:pPr lvl="1" eaLnBrk="0" hangingPunct="0">
+              <a:spcBef>
+                <a:spcPts val="0"/>
+              </a:spcBef>
+              <a:buClr>
+                <a:schemeClr val="accent5">
+                  <a:lumMod val="40000"/>
+                  <a:lumOff val="60000"/>
+                </a:schemeClr>
+              </a:buClr>
+              <a:buSzPct val="70000"/>
+            </a:pPr>
+            <a:r>
+              <a:rPr lang="en-US" sz="2000" b="1" noProof="1" smtClean="0">
+                <a:solidFill>
+                  <a:srgbClr val="8CF4F2"/>
+                </a:solidFill>
+                <a:effectLst>
+                  <a:outerShdw blurRad="38100" dist="38100" dir="2700000" algn="tl">
+                    <a:srgbClr val="000000">
+                      <a:alpha val="43137"/>
+                    </a:srgbClr>
+                  </a:outerShdw>
+                </a:effectLst>
+                <a:latin typeface="Consolas" pitchFamily="49" charset="0"/>
+                <a:cs typeface="Consolas" pitchFamily="49" charset="0"/>
+              </a:rPr>
+              <a:t>print('console-out</a:t>
+            </a:r>
+            <a:r>
+              <a:rPr lang="en-US" sz="2000" b="1" noProof="1">
+                <a:solidFill>
+                  <a:srgbClr val="8CF4F2"/>
+                </a:solidFill>
+                <a:effectLst>
+                  <a:outerShdw blurRad="38100" dist="38100" dir="2700000" algn="tl">
+                    <a:srgbClr val="000000">
+                      <a:alpha val="43137"/>
+                    </a:srgbClr>
+                  </a:outerShdw>
+                </a:effectLst>
+                <a:latin typeface="Consolas" pitchFamily="49" charset="0"/>
+                <a:cs typeface="Consolas" pitchFamily="49" charset="0"/>
+              </a:rPr>
+              <a:t>'</a:t>
+            </a:r>
+            <a:r>
+              <a:rPr lang="en-US" sz="2000" b="1" noProof="1" smtClean="0">
+                <a:solidFill>
+                  <a:srgbClr val="8CF4F2"/>
+                </a:solidFill>
+                <a:effectLst>
+                  <a:outerShdw blurRad="38100" dist="38100" dir="2700000" algn="tl">
+                    <a:srgbClr val="000000">
+                      <a:alpha val="43137"/>
+                    </a:srgbClr>
+                  </a:outerShdw>
+                </a:effectLst>
+                <a:latin typeface="Consolas" pitchFamily="49" charset="0"/>
+                <a:cs typeface="Consolas" pitchFamily="49" charset="0"/>
+              </a:rPr>
+              <a:t>,result</a:t>
+            </a:r>
+            <a:r>
+              <a:rPr lang="en-US" sz="2000" b="1" noProof="1">
+                <a:solidFill>
+                  <a:srgbClr val="8CF4F2"/>
+                </a:solidFill>
+                <a:effectLst>
+                  <a:outerShdw blurRad="38100" dist="38100" dir="2700000" algn="tl">
+                    <a:srgbClr val="000000">
+                      <a:alpha val="43137"/>
+                    </a:srgbClr>
+                  </a:outerShdw>
+                </a:effectLst>
+                <a:latin typeface="Consolas" pitchFamily="49" charset="0"/>
+                <a:cs typeface="Consolas" pitchFamily="49" charset="0"/>
+              </a:rPr>
+              <a:t>);</a:t>
             </a:r>
           </a:p>
         </p:txBody>
